--- a/AJP Slides/AJP (01ce0502) - Unit 4 - Servlet API.pptx
+++ b/AJP Slides/AJP (01ce0502) - Unit 4 - Servlet API.pptx
@@ -298,7 +298,7 @@
           <a:p>
             <a:fld id="{EBCDB223-1744-4BBC-9844-9773C6B7C09F}" type="datetimeFigureOut">
               <a:rPr lang="en-IN" smtClean="0"/>
-              <a:t>24-08-2022</a:t>
+              <a:t>30-08-2022</a:t>
             </a:fld>
             <a:endParaRPr lang="en-IN"/>
           </a:p>
@@ -463,7 +463,7 @@
           <a:p>
             <a:fld id="{EA89CDE9-15B3-4418-B829-6A0B102FE7D6}" type="datetimeFigureOut">
               <a:rPr lang="en-IN" smtClean="0"/>
-              <a:t>24-08-2022</a:t>
+              <a:t>30-08-2022</a:t>
             </a:fld>
             <a:endParaRPr lang="en-IN"/>
           </a:p>
@@ -959,7 +959,7 @@
           <a:p>
             <a:fld id="{BF4A346E-286F-47C4-8703-3811BB62B16D}" type="datetime1">
               <a:rPr lang="en-IN" smtClean="0"/>
-              <a:t>24-08-2022</a:t>
+              <a:t>30-08-2022</a:t>
             </a:fld>
             <a:endParaRPr lang="en-IN"/>
           </a:p>
@@ -1133,7 +1133,7 @@
           <a:p>
             <a:fld id="{EA2539D3-5A69-4DA3-8B8E-760DBC60382D}" type="datetime1">
               <a:rPr lang="en-IN" smtClean="0"/>
-              <a:t>24-08-2022</a:t>
+              <a:t>30-08-2022</a:t>
             </a:fld>
             <a:endParaRPr lang="en-IN"/>
           </a:p>
@@ -1317,7 +1317,7 @@
           <a:p>
             <a:fld id="{1292BFE3-76DF-4888-A532-4D33BE7B0731}" type="datetime1">
               <a:rPr lang="en-IN" smtClean="0"/>
-              <a:t>24-08-2022</a:t>
+              <a:t>30-08-2022</a:t>
             </a:fld>
             <a:endParaRPr lang="en-IN"/>
           </a:p>
@@ -1627,7 +1627,7 @@
           <a:p>
             <a:fld id="{2989BFDE-5213-40A1-98D9-1BBA85562E79}" type="datetime1">
               <a:rPr lang="en-IN" smtClean="0"/>
-              <a:t>24-08-2022</a:t>
+              <a:t>30-08-2022</a:t>
             </a:fld>
             <a:endParaRPr lang="en-IN"/>
           </a:p>
@@ -1915,7 +1915,7 @@
           <a:p>
             <a:fld id="{DD2821CE-2164-47C1-A2BB-20B7B35FE927}" type="datetime1">
               <a:rPr lang="en-IN" smtClean="0"/>
-              <a:t>24-08-2022</a:t>
+              <a:t>30-08-2022</a:t>
             </a:fld>
             <a:endParaRPr lang="en-IN"/>
           </a:p>
@@ -2207,7 +2207,7 @@
           <a:p>
             <a:fld id="{ABB9E077-6CA2-48AD-90BF-FCF18A7D0EE9}" type="datetime1">
               <a:rPr lang="en-IN" smtClean="0"/>
-              <a:t>24-08-2022</a:t>
+              <a:t>30-08-2022</a:t>
             </a:fld>
             <a:endParaRPr lang="en-IN"/>
           </a:p>
@@ -2653,7 +2653,7 @@
           <a:p>
             <a:fld id="{2EF9B393-2C1A-4673-BDDC-1443A58B3762}" type="datetime1">
               <a:rPr lang="en-IN" smtClean="0"/>
-              <a:t>24-08-2022</a:t>
+              <a:t>30-08-2022</a:t>
             </a:fld>
             <a:endParaRPr lang="en-IN"/>
           </a:p>
@@ -2775,7 +2775,7 @@
           <a:p>
             <a:fld id="{D69F4886-09E8-4D86-B13D-5C706A053556}" type="datetime1">
               <a:rPr lang="en-IN" smtClean="0"/>
-              <a:t>24-08-2022</a:t>
+              <a:t>30-08-2022</a:t>
             </a:fld>
             <a:endParaRPr lang="en-IN"/>
           </a:p>
@@ -2874,7 +2874,7 @@
           <a:p>
             <a:fld id="{B8BE83F6-9D0D-4E7C-8482-BE11E2B6F6D7}" type="datetime1">
               <a:rPr lang="en-IN" smtClean="0"/>
-              <a:t>24-08-2022</a:t>
+              <a:t>30-08-2022</a:t>
             </a:fld>
             <a:endParaRPr lang="en-IN"/>
           </a:p>
@@ -3166,7 +3166,7 @@
           <a:p>
             <a:fld id="{E4E2BEBB-839A-48B7-AA15-DB55FE871E52}" type="datetime1">
               <a:rPr lang="en-IN" smtClean="0"/>
-              <a:t>24-08-2022</a:t>
+              <a:t>30-08-2022</a:t>
             </a:fld>
             <a:endParaRPr lang="en-IN"/>
           </a:p>
@@ -3443,7 +3443,7 @@
           <a:p>
             <a:fld id="{ED50CEEC-65F4-4A58-99E9-6603717C20C9}" type="datetime1">
               <a:rPr lang="en-IN" smtClean="0"/>
-              <a:t>24-08-2022</a:t>
+              <a:t>30-08-2022</a:t>
             </a:fld>
             <a:endParaRPr lang="en-IN"/>
           </a:p>
@@ -3744,7 +3744,7 @@
           <a:p>
             <a:fld id="{57013EE8-251F-4EC0-B7F5-0C0F1C8A746F}" type="datetime1">
               <a:rPr lang="en-IN" smtClean="0"/>
-              <a:t>24-08-2022</a:t>
+              <a:t>30-08-2022</a:t>
             </a:fld>
             <a:endParaRPr lang="en-IN"/>
           </a:p>
@@ -23245,7 +23245,6 @@
               <a:rPr lang="en-IN" dirty="0"/>
               <a:t>  </a:t>
             </a:r>
-            <a:endParaRPr lang="en-IN" dirty="0"/>
           </a:p>
         </p:txBody>
       </p:sp>
@@ -24559,7 +24558,6 @@
               <a:rPr lang="en-IN" dirty="0"/>
               <a:t>  </a:t>
             </a:r>
-            <a:endParaRPr lang="en-IN" dirty="0"/>
           </a:p>
         </p:txBody>
       </p:sp>
@@ -25166,7 +25164,27 @@
           <a:p>
             <a:r>
               <a:rPr lang="en-US" dirty="0"/>
-              <a:t>Http protocol is a </a:t>
+              <a:t>Http protocol is </a:t>
+            </a:r>
+            <a:r>
+              <a:rPr lang="en-US"/>
+              <a:t>a </a:t>
+            </a:r>
+            <a:r>
+              <a:rPr lang="en-US" smtClean="0">
+                <a:solidFill>
+                  <a:schemeClr val="accent1"/>
+                </a:solidFill>
+              </a:rPr>
+              <a:t>Stateless </a:t>
+            </a:r>
+            <a:r>
+              <a:rPr lang="en-US" dirty="0" smtClean="0">
+                <a:solidFill>
+                  <a:schemeClr val="accent1"/>
+                </a:solidFill>
+              </a:rPr>
+              <a:t>Protocol </a:t>
             </a:r>
             <a:r>
               <a:rPr lang="en-US" dirty="0">
@@ -25174,7 +25192,7 @@
                   <a:schemeClr val="accent1"/>
                 </a:solidFill>
               </a:rPr>
-              <a:t>stateless so we need to maintain state using session tracking techniques</a:t>
+              <a:t>so we need to maintain state using session tracking techniques</a:t>
             </a:r>
             <a:r>
               <a:rPr lang="en-US" dirty="0"/>
@@ -34025,7 +34043,7 @@
           </a:ln>
           <a:extLst>
             <a:ext uri="{C572A759-6A51-4108-AA02-DFA0A04FC94B}">
-              <ma14:wrappingTextBoxFlag xmlns:ma14="http://schemas.microsoft.com/office/mac/drawingml/2011/main" xmlns="" val="1"/>
+              <ma14:wrappingTextBoxFlag xmlns="" xmlns:ma14="http://schemas.microsoft.com/office/mac/drawingml/2011/main" val="1"/>
             </a:ext>
           </a:extLst>
         </p:spPr>
@@ -34411,7 +34429,7 @@
           </a:ln>
           <a:extLst>
             <a:ext uri="{C572A759-6A51-4108-AA02-DFA0A04FC94B}">
-              <ma14:wrappingTextBoxFlag xmlns:ma14="http://schemas.microsoft.com/office/mac/drawingml/2011/main" xmlns="" val="1"/>
+              <ma14:wrappingTextBoxFlag xmlns="" xmlns:ma14="http://schemas.microsoft.com/office/mac/drawingml/2011/main" val="1"/>
             </a:ext>
           </a:extLst>
         </p:spPr>
@@ -36704,7 +36722,7 @@
           </a:ln>
           <a:extLst>
             <a:ext uri="{C572A759-6A51-4108-AA02-DFA0A04FC94B}">
-              <ma14:wrappingTextBoxFlag xmlns:ma14="http://schemas.microsoft.com/office/mac/drawingml/2011/main" xmlns="" val="1"/>
+              <ma14:wrappingTextBoxFlag xmlns="" xmlns:ma14="http://schemas.microsoft.com/office/mac/drawingml/2011/main" val="1"/>
             </a:ext>
           </a:extLst>
         </p:spPr>
@@ -36878,7 +36896,7 @@
           </a:ln>
           <a:extLst>
             <a:ext uri="{C572A759-6A51-4108-AA02-DFA0A04FC94B}">
-              <ma14:wrappingTextBoxFlag xmlns:ma14="http://schemas.microsoft.com/office/mac/drawingml/2011/main" xmlns="" val="1"/>
+              <ma14:wrappingTextBoxFlag xmlns="" xmlns:ma14="http://schemas.microsoft.com/office/mac/drawingml/2011/main" val="1"/>
             </a:ext>
           </a:extLst>
         </p:spPr>
@@ -38372,7 +38390,7 @@
           </a:ln>
           <a:extLst>
             <a:ext uri="{C572A759-6A51-4108-AA02-DFA0A04FC94B}">
-              <ma14:wrappingTextBoxFlag xmlns:ma14="http://schemas.microsoft.com/office/mac/drawingml/2011/main" xmlns="" val="1"/>
+              <ma14:wrappingTextBoxFlag xmlns="" xmlns:ma14="http://schemas.microsoft.com/office/mac/drawingml/2011/main" val="1"/>
             </a:ext>
           </a:extLst>
         </p:spPr>
@@ -38480,7 +38498,7 @@
           </a:ln>
           <a:extLst>
             <a:ext uri="{C572A759-6A51-4108-AA02-DFA0A04FC94B}">
-              <ma14:wrappingTextBoxFlag xmlns:ma14="http://schemas.microsoft.com/office/mac/drawingml/2011/main" xmlns="" val="1"/>
+              <ma14:wrappingTextBoxFlag xmlns="" xmlns:ma14="http://schemas.microsoft.com/office/mac/drawingml/2011/main" val="1"/>
             </a:ext>
           </a:extLst>
         </p:spPr>
@@ -39657,8 +39675,8 @@
 <file path=ppt/tags/tag1.xml><?xml version="1.0" encoding="utf-8"?>
 <p:tagLst xmlns:a="http://schemas.openxmlformats.org/drawingml/2006/main" xmlns:r="http://schemas.openxmlformats.org/officeDocument/2006/relationships" xmlns:p="http://schemas.openxmlformats.org/presentationml/2006/main">
   <p:tag name="ARTICULATE_DESIGN_ID_FRAME" val="swDPPbbH"/>
+  <p:tag name="ARTICULATE_SLIDE_COUNT" val="82"/>
   <p:tag name="ARTICULATE_PROJECT_OPEN" val="0"/>
-  <p:tag name="ARTICULATE_SLIDE_COUNT" val="82"/>
 </p:tagLst>
 </file>
 

--- a/AJP Slides/AJP (01ce0502) - Unit 4 - Servlet API.pptx
+++ b/AJP Slides/AJP (01ce0502) - Unit 4 - Servlet API.pptx
@@ -1,14 +1,14 @@
 
 <file path=ppt/presentation.xml><?xml version="1.0" encoding="utf-8"?>
-<p:presentation xmlns:a="http://schemas.openxmlformats.org/drawingml/2006/main" xmlns:r="http://schemas.openxmlformats.org/officeDocument/2006/relationships" xmlns:p="http://schemas.openxmlformats.org/presentationml/2006/main" saveSubsetFonts="1">
+<p:presentation xmlns:a="http://schemas.openxmlformats.org/drawingml/2006/main" xmlns:r="http://schemas.openxmlformats.org/officeDocument/2006/relationships" xmlns:p="http://schemas.openxmlformats.org/presentationml/2006/main" saveSubsetFonts="1" bookmarkIdSeed="2">
   <p:sldMasterIdLst>
     <p:sldMasterId id="2147483660" r:id="rId1"/>
   </p:sldMasterIdLst>
   <p:notesMasterIdLst>
-    <p:notesMasterId r:id="rId84"/>
+    <p:notesMasterId r:id="rId101"/>
   </p:notesMasterIdLst>
   <p:handoutMasterIdLst>
-    <p:handoutMasterId r:id="rId85"/>
+    <p:handoutMasterId r:id="rId102"/>
   </p:handoutMasterIdLst>
   <p:sldIdLst>
     <p:sldId id="259" r:id="rId2"/>
@@ -93,11 +93,28 @@
     <p:sldId id="331" r:id="rId81"/>
     <p:sldId id="306" r:id="rId82"/>
     <p:sldId id="307" r:id="rId83"/>
+    <p:sldId id="345" r:id="rId84"/>
+    <p:sldId id="346" r:id="rId85"/>
+    <p:sldId id="349" r:id="rId86"/>
+    <p:sldId id="347" r:id="rId87"/>
+    <p:sldId id="350" r:id="rId88"/>
+    <p:sldId id="351" r:id="rId89"/>
+    <p:sldId id="352" r:id="rId90"/>
+    <p:sldId id="353" r:id="rId91"/>
+    <p:sldId id="359" r:id="rId92"/>
+    <p:sldId id="360" r:id="rId93"/>
+    <p:sldId id="361" r:id="rId94"/>
+    <p:sldId id="362" r:id="rId95"/>
+    <p:sldId id="354" r:id="rId96"/>
+    <p:sldId id="355" r:id="rId97"/>
+    <p:sldId id="356" r:id="rId98"/>
+    <p:sldId id="357" r:id="rId99"/>
+    <p:sldId id="358" r:id="rId100"/>
   </p:sldIdLst>
   <p:sldSz cx="12192000" cy="6858000"/>
   <p:notesSz cx="6858000" cy="9144000"/>
   <p:custDataLst>
-    <p:tags r:id="rId86"/>
+    <p:tags r:id="rId103"/>
   </p:custDataLst>
   <p:defaultTextStyle>
     <a:defPPr>
@@ -298,7 +315,7 @@
           <a:p>
             <a:fld id="{EBCDB223-1744-4BBC-9844-9773C6B7C09F}" type="datetimeFigureOut">
               <a:rPr lang="en-IN" smtClean="0"/>
-              <a:t>30-08-2022</a:t>
+              <a:t>07-09-2022</a:t>
             </a:fld>
             <a:endParaRPr lang="en-IN"/>
           </a:p>
@@ -463,7 +480,7 @@
           <a:p>
             <a:fld id="{EA89CDE9-15B3-4418-B829-6A0B102FE7D6}" type="datetimeFigureOut">
               <a:rPr lang="en-IN" smtClean="0"/>
-              <a:t>30-08-2022</a:t>
+              <a:t>07-09-2022</a:t>
             </a:fld>
             <a:endParaRPr lang="en-IN"/>
           </a:p>
@@ -959,7 +976,7 @@
           <a:p>
             <a:fld id="{BF4A346E-286F-47C4-8703-3811BB62B16D}" type="datetime1">
               <a:rPr lang="en-IN" smtClean="0"/>
-              <a:t>30-08-2022</a:t>
+              <a:t>07-09-2022</a:t>
             </a:fld>
             <a:endParaRPr lang="en-IN"/>
           </a:p>
@@ -1133,7 +1150,7 @@
           <a:p>
             <a:fld id="{EA2539D3-5A69-4DA3-8B8E-760DBC60382D}" type="datetime1">
               <a:rPr lang="en-IN" smtClean="0"/>
-              <a:t>30-08-2022</a:t>
+              <a:t>07-09-2022</a:t>
             </a:fld>
             <a:endParaRPr lang="en-IN"/>
           </a:p>
@@ -1317,7 +1334,7 @@
           <a:p>
             <a:fld id="{1292BFE3-76DF-4888-A532-4D33BE7B0731}" type="datetime1">
               <a:rPr lang="en-IN" smtClean="0"/>
-              <a:t>30-08-2022</a:t>
+              <a:t>07-09-2022</a:t>
             </a:fld>
             <a:endParaRPr lang="en-IN"/>
           </a:p>
@@ -1627,7 +1644,7 @@
           <a:p>
             <a:fld id="{2989BFDE-5213-40A1-98D9-1BBA85562E79}" type="datetime1">
               <a:rPr lang="en-IN" smtClean="0"/>
-              <a:t>30-08-2022</a:t>
+              <a:t>07-09-2022</a:t>
             </a:fld>
             <a:endParaRPr lang="en-IN"/>
           </a:p>
@@ -1915,7 +1932,7 @@
           <a:p>
             <a:fld id="{DD2821CE-2164-47C1-A2BB-20B7B35FE927}" type="datetime1">
               <a:rPr lang="en-IN" smtClean="0"/>
-              <a:t>30-08-2022</a:t>
+              <a:t>07-09-2022</a:t>
             </a:fld>
             <a:endParaRPr lang="en-IN"/>
           </a:p>
@@ -2207,7 +2224,7 @@
           <a:p>
             <a:fld id="{ABB9E077-6CA2-48AD-90BF-FCF18A7D0EE9}" type="datetime1">
               <a:rPr lang="en-IN" smtClean="0"/>
-              <a:t>30-08-2022</a:t>
+              <a:t>07-09-2022</a:t>
             </a:fld>
             <a:endParaRPr lang="en-IN"/>
           </a:p>
@@ -2653,7 +2670,7 @@
           <a:p>
             <a:fld id="{2EF9B393-2C1A-4673-BDDC-1443A58B3762}" type="datetime1">
               <a:rPr lang="en-IN" smtClean="0"/>
-              <a:t>30-08-2022</a:t>
+              <a:t>07-09-2022</a:t>
             </a:fld>
             <a:endParaRPr lang="en-IN"/>
           </a:p>
@@ -2775,7 +2792,7 @@
           <a:p>
             <a:fld id="{D69F4886-09E8-4D86-B13D-5C706A053556}" type="datetime1">
               <a:rPr lang="en-IN" smtClean="0"/>
-              <a:t>30-08-2022</a:t>
+              <a:t>07-09-2022</a:t>
             </a:fld>
             <a:endParaRPr lang="en-IN"/>
           </a:p>
@@ -2874,7 +2891,7 @@
           <a:p>
             <a:fld id="{B8BE83F6-9D0D-4E7C-8482-BE11E2B6F6D7}" type="datetime1">
               <a:rPr lang="en-IN" smtClean="0"/>
-              <a:t>30-08-2022</a:t>
+              <a:t>07-09-2022</a:t>
             </a:fld>
             <a:endParaRPr lang="en-IN"/>
           </a:p>
@@ -3166,7 +3183,7 @@
           <a:p>
             <a:fld id="{E4E2BEBB-839A-48B7-AA15-DB55FE871E52}" type="datetime1">
               <a:rPr lang="en-IN" smtClean="0"/>
-              <a:t>30-08-2022</a:t>
+              <a:t>07-09-2022</a:t>
             </a:fld>
             <a:endParaRPr lang="en-IN"/>
           </a:p>
@@ -3443,7 +3460,7 @@
           <a:p>
             <a:fld id="{ED50CEEC-65F4-4A58-99E9-6603717C20C9}" type="datetime1">
               <a:rPr lang="en-IN" smtClean="0"/>
-              <a:t>30-08-2022</a:t>
+              <a:t>07-09-2022</a:t>
             </a:fld>
             <a:endParaRPr lang="en-IN"/>
           </a:p>
@@ -3744,7 +3761,7 @@
           <a:p>
             <a:fld id="{57013EE8-251F-4EC0-B7F5-0C0F1C8A746F}" type="datetime1">
               <a:rPr lang="en-IN" smtClean="0"/>
-              <a:t>30-08-2022</a:t>
+              <a:t>07-09-2022</a:t>
             </a:fld>
             <a:endParaRPr lang="en-IN"/>
           </a:p>
@@ -32972,7 +32989,7 @@
           <p:nvPr>
             <p:extLst>
               <p:ext uri="{D42A27DB-BD31-4B8C-83A1-F6EECF244321}">
-                <p14:modId xmlns:p14="http://schemas.microsoft.com/office/powerpoint/2010/main" val="1492532363"/>
+                <p14:modId xmlns:p14="http://schemas.microsoft.com/office/powerpoint/2010/main" val="2797791177"/>
               </p:ext>
             </p:extLst>
           </p:nvPr>
@@ -33429,7 +33446,7 @@
                         <a:t> (</a:t>
                       </a:r>
                       <a:r>
-                        <a:rPr lang="en-US" sz="2400" b="0" i="0" dirty="0" err="1">
+                        <a:rPr lang="en-US" sz="2400" b="0" i="0" dirty="0" err="1" smtClean="0">
                           <a:solidFill>
                             <a:srgbClr val="000000"/>
                           </a:solidFill>
@@ -33437,10 +33454,10 @@
                           <a:latin typeface="Cambria" panose="02040503050406030204" pitchFamily="18" charset="0"/>
                           <a:ea typeface="Cambria" panose="02040503050406030204" pitchFamily="18" charset="0"/>
                         </a:rPr>
-                        <a:t>HttpServletRequest</a:t>
+                        <a:t>ServletRequest</a:t>
                       </a:r>
                       <a:r>
-                        <a:rPr lang="en-US" sz="2400" b="0" i="0" dirty="0">
+                        <a:rPr lang="en-US" sz="2400" b="0" i="0" dirty="0" smtClean="0">
                           <a:solidFill>
                             <a:srgbClr val="000000"/>
                           </a:solidFill>
@@ -33481,7 +33498,7 @@
                           <a:latin typeface="Cambria" panose="02040503050406030204" pitchFamily="18" charset="0"/>
                           <a:ea typeface="Cambria" panose="02040503050406030204" pitchFamily="18" charset="0"/>
                         </a:rPr>
-                        <a:t>HttpServletResponse</a:t>
+                        <a:t>ServletResponse</a:t>
                       </a:r>
                       <a:r>
                         <a:rPr lang="en-US" sz="2400" b="0" i="0" dirty="0" smtClean="0">
@@ -34743,6 +34760,13 @@
   <p:clrMapOvr>
     <a:masterClrMapping/>
   </p:clrMapOvr>
+  <p:timing>
+    <p:tnLst>
+      <p:par>
+        <p:cTn id="1" dur="indefinite" restart="never" nodeType="tmRoot"/>
+      </p:par>
+    </p:tnLst>
+  </p:timing>
 </p:sld>
 </file>
 
@@ -34855,6 +34879,13 @@
   <p:clrMapOvr>
     <a:masterClrMapping/>
   </p:clrMapOvr>
+  <p:timing>
+    <p:tnLst>
+      <p:par>
+        <p:cTn id="1" dur="indefinite" restart="never" nodeType="tmRoot"/>
+      </p:par>
+    </p:tnLst>
+  </p:timing>
 </p:sld>
 </file>
 
@@ -35737,12 +35768,16 @@
               <a:t>		</a:t>
             </a:r>
             <a:r>
-              <a:rPr lang="en-IN" dirty="0" err="1"/>
+              <a:rPr lang="en-IN" dirty="0" err="1" smtClean="0"/>
               <a:t>response.setContentType</a:t>
             </a:r>
             <a:r>
+              <a:rPr lang="en-IN" dirty="0" smtClean="0"/>
+              <a:t>("text/html</a:t>
+            </a:r>
+            <a:r>
               <a:rPr lang="en-IN" dirty="0"/>
-              <a:t>(“text/html"); // For setting MIME TYPE</a:t>
+              <a:t>"); // For setting MIME TYPE</a:t>
             </a:r>
           </a:p>
           <a:p>
@@ -39554,6 +39589,1309 @@
 </p:sld>
 </file>
 
+<file path=ppt/slides/slide83.xml><?xml version="1.0" encoding="utf-8"?>
+<p:sld xmlns:a="http://schemas.openxmlformats.org/drawingml/2006/main" xmlns:r="http://schemas.openxmlformats.org/officeDocument/2006/relationships" xmlns:p="http://schemas.openxmlformats.org/presentationml/2006/main">
+  <p:cSld>
+    <p:spTree>
+      <p:nvGrpSpPr>
+        <p:cNvPr id="1" name=""/>
+        <p:cNvGrpSpPr/>
+        <p:nvPr/>
+      </p:nvGrpSpPr>
+      <p:grpSpPr>
+        <a:xfrm>
+          <a:off x="0" y="0"/>
+          <a:ext cx="0" cy="0"/>
+          <a:chOff x="0" y="0"/>
+          <a:chExt cx="0" cy="0"/>
+        </a:xfrm>
+      </p:grpSpPr>
+      <p:sp>
+        <p:nvSpPr>
+          <p:cNvPr id="2" name="Title 1"/>
+          <p:cNvSpPr>
+            <a:spLocks noGrp="1"/>
+          </p:cNvSpPr>
+          <p:nvPr>
+            <p:ph type="title"/>
+          </p:nvPr>
+        </p:nvSpPr>
+        <p:spPr/>
+        <p:txBody>
+          <a:bodyPr/>
+          <a:lstStyle/>
+          <a:p>
+            <a:r>
+              <a:rPr lang="en-US" dirty="0"/>
+              <a:t>Event handling in Servlets</a:t>
+            </a:r>
+            <a:endParaRPr lang="en-IN" dirty="0"/>
+          </a:p>
+        </p:txBody>
+      </p:sp>
+      <p:sp>
+        <p:nvSpPr>
+          <p:cNvPr id="3" name="Content Placeholder 2"/>
+          <p:cNvSpPr>
+            <a:spLocks noGrp="1"/>
+          </p:cNvSpPr>
+          <p:nvPr>
+            <p:ph idx="1"/>
+          </p:nvPr>
+        </p:nvSpPr>
+        <p:spPr/>
+        <p:txBody>
+          <a:bodyPr>
+            <a:normAutofit fontScale="92500" lnSpcReduction="10000"/>
+          </a:bodyPr>
+          <a:lstStyle/>
+          <a:p>
+            <a:pPr algn="just"/>
+            <a:r>
+              <a:rPr lang="en-US" dirty="0" smtClean="0"/>
+              <a:t>When </a:t>
+            </a:r>
+            <a:r>
+              <a:rPr lang="en-US" dirty="0"/>
+              <a:t>a request is mapped to a servlet, the </a:t>
+            </a:r>
+            <a:r>
+              <a:rPr lang="en-US" dirty="0">
+                <a:solidFill>
+                  <a:schemeClr val="accent1"/>
+                </a:solidFill>
+              </a:rPr>
+              <a:t>Web container creates the instance of the servlet class</a:t>
+            </a:r>
+            <a:r>
+              <a:rPr lang="en-US" dirty="0"/>
+              <a:t> and then initializes the servlet by calling the </a:t>
+            </a:r>
+            <a:r>
+              <a:rPr lang="en-US" dirty="0" err="1">
+                <a:solidFill>
+                  <a:schemeClr val="accent1"/>
+                </a:solidFill>
+              </a:rPr>
+              <a:t>init</a:t>
+            </a:r>
+            <a:r>
+              <a:rPr lang="en-US" dirty="0">
+                <a:solidFill>
+                  <a:schemeClr val="accent1"/>
+                </a:solidFill>
+              </a:rPr>
+              <a:t>() method</a:t>
+            </a:r>
+            <a:r>
+              <a:rPr lang="en-US" dirty="0"/>
+              <a:t>. </a:t>
+            </a:r>
+          </a:p>
+          <a:p>
+            <a:pPr algn="just"/>
+            <a:endParaRPr lang="en-US" dirty="0"/>
+          </a:p>
+          <a:p>
+            <a:pPr algn="just"/>
+            <a:r>
+              <a:rPr lang="en-US" dirty="0"/>
+              <a:t>Once the </a:t>
+            </a:r>
+            <a:r>
+              <a:rPr lang="en-US" dirty="0" err="1"/>
+              <a:t>init</a:t>
+            </a:r>
+            <a:r>
+              <a:rPr lang="en-US" dirty="0"/>
+              <a:t>() method is executed, the </a:t>
+            </a:r>
+            <a:r>
+              <a:rPr lang="en-US" dirty="0">
+                <a:solidFill>
+                  <a:schemeClr val="accent1"/>
+                </a:solidFill>
+              </a:rPr>
+              <a:t>service() method gets executed with the Request and Response </a:t>
+            </a:r>
+            <a:r>
+              <a:rPr lang="en-US" dirty="0"/>
+              <a:t>parameters. </a:t>
+            </a:r>
+          </a:p>
+          <a:p>
+            <a:pPr algn="just"/>
+            <a:endParaRPr lang="en-US" dirty="0"/>
+          </a:p>
+          <a:p>
+            <a:pPr algn="just"/>
+            <a:r>
+              <a:rPr lang="en-US" dirty="0"/>
+              <a:t>After the service() method execution, the web container may call the </a:t>
+            </a:r>
+            <a:r>
+              <a:rPr lang="en-US" dirty="0">
+                <a:solidFill>
+                  <a:schemeClr val="accent1"/>
+                </a:solidFill>
+              </a:rPr>
+              <a:t>destroy method </a:t>
+            </a:r>
+            <a:r>
+              <a:rPr lang="en-US" dirty="0"/>
+              <a:t>if the Web container does not require the servlet.</a:t>
+            </a:r>
+          </a:p>
+          <a:p>
+            <a:pPr algn="just"/>
+            <a:r>
+              <a:rPr lang="en-US" dirty="0"/>
+              <a:t>Different events of the Servlet </a:t>
+            </a:r>
+            <a:r>
+              <a:rPr lang="en-US" dirty="0">
+                <a:solidFill>
+                  <a:schemeClr val="accent1"/>
+                </a:solidFill>
+              </a:rPr>
+              <a:t>life cycle can now received and particular methods can be called on the basis of these event.</a:t>
+            </a:r>
+          </a:p>
+          <a:p>
+            <a:pPr algn="just"/>
+            <a:endParaRPr lang="en-US" dirty="0">
+              <a:solidFill>
+                <a:schemeClr val="accent1"/>
+              </a:solidFill>
+            </a:endParaRPr>
+          </a:p>
+          <a:p>
+            <a:pPr algn="just"/>
+            <a:r>
+              <a:rPr lang="en-US" dirty="0"/>
+              <a:t> </a:t>
+            </a:r>
+            <a:r>
+              <a:rPr lang="en-US" dirty="0">
+                <a:solidFill>
+                  <a:schemeClr val="accent1"/>
+                </a:solidFill>
+              </a:rPr>
+              <a:t>Depending on the type of event</a:t>
+            </a:r>
+            <a:r>
+              <a:rPr lang="en-US" dirty="0"/>
+              <a:t>, a listener class (context listener or session listener or request listener) is defined</a:t>
+            </a:r>
+            <a:r>
+              <a:rPr lang="en-US" dirty="0" smtClean="0"/>
+              <a:t>.</a:t>
+            </a:r>
+            <a:endParaRPr lang="en-US" dirty="0"/>
+          </a:p>
+        </p:txBody>
+      </p:sp>
+      <p:sp>
+        <p:nvSpPr>
+          <p:cNvPr id="4" name="Slide Number Placeholder 3"/>
+          <p:cNvSpPr>
+            <a:spLocks noGrp="1"/>
+          </p:cNvSpPr>
+          <p:nvPr>
+            <p:ph type="sldNum" sz="quarter" idx="12"/>
+          </p:nvPr>
+        </p:nvSpPr>
+        <p:spPr/>
+        <p:txBody>
+          <a:bodyPr/>
+          <a:lstStyle/>
+          <a:p>
+            <a:fld id="{9C11CE39-2868-44A2-A0C6-827D458F7A8B}" type="slidenum">
+              <a:rPr lang="en-IN" smtClean="0"/>
+              <a:pPr/>
+              <a:t>83</a:t>
+            </a:fld>
+            <a:endParaRPr lang="en-IN" dirty="0"/>
+          </a:p>
+        </p:txBody>
+      </p:sp>
+    </p:spTree>
+    <p:custDataLst>
+      <p:tags r:id="rId1"/>
+    </p:custDataLst>
+    <p:extLst>
+      <p:ext uri="{BB962C8B-B14F-4D97-AF65-F5344CB8AC3E}">
+        <p14:creationId xmlns:p14="http://schemas.microsoft.com/office/powerpoint/2010/main" val="1192825666"/>
+      </p:ext>
+    </p:extLst>
+  </p:cSld>
+  <p:clrMapOvr>
+    <a:masterClrMapping/>
+  </p:clrMapOvr>
+  <p:timing>
+    <p:tnLst>
+      <p:par>
+        <p:cTn id="1" dur="indefinite" restart="never" nodeType="tmRoot"/>
+      </p:par>
+    </p:tnLst>
+  </p:timing>
+</p:sld>
+</file>
+
+<file path=ppt/slides/slide84.xml><?xml version="1.0" encoding="utf-8"?>
+<p:sld xmlns:a="http://schemas.openxmlformats.org/drawingml/2006/main" xmlns:r="http://schemas.openxmlformats.org/officeDocument/2006/relationships" xmlns:p="http://schemas.openxmlformats.org/presentationml/2006/main">
+  <p:cSld>
+    <p:spTree>
+      <p:nvGrpSpPr>
+        <p:cNvPr id="1" name=""/>
+        <p:cNvGrpSpPr/>
+        <p:nvPr/>
+      </p:nvGrpSpPr>
+      <p:grpSpPr>
+        <a:xfrm>
+          <a:off x="0" y="0"/>
+          <a:ext cx="0" cy="0"/>
+          <a:chOff x="0" y="0"/>
+          <a:chExt cx="0" cy="0"/>
+        </a:xfrm>
+      </p:grpSpPr>
+      <p:sp>
+        <p:nvSpPr>
+          <p:cNvPr id="2" name="Title 1"/>
+          <p:cNvSpPr>
+            <a:spLocks noGrp="1"/>
+          </p:cNvSpPr>
+          <p:nvPr>
+            <p:ph type="title"/>
+          </p:nvPr>
+        </p:nvSpPr>
+        <p:spPr/>
+        <p:txBody>
+          <a:bodyPr>
+            <a:normAutofit/>
+          </a:bodyPr>
+          <a:lstStyle/>
+          <a:p>
+            <a:r>
+              <a:rPr lang="en-US" dirty="0" smtClean="0"/>
+              <a:t>Servlet Events</a:t>
+            </a:r>
+            <a:endParaRPr lang="en-IN" dirty="0"/>
+          </a:p>
+        </p:txBody>
+      </p:sp>
+      <p:sp>
+        <p:nvSpPr>
+          <p:cNvPr id="3" name="Content Placeholder 2"/>
+          <p:cNvSpPr>
+            <a:spLocks noGrp="1"/>
+          </p:cNvSpPr>
+          <p:nvPr>
+            <p:ph idx="1"/>
+          </p:nvPr>
+        </p:nvSpPr>
+        <p:spPr/>
+        <p:txBody>
+          <a:bodyPr/>
+          <a:lstStyle/>
+          <a:p>
+            <a:pPr marL="0" indent="0">
+              <a:buNone/>
+            </a:pPr>
+            <a:r>
+              <a:rPr lang="en-US" dirty="0"/>
+              <a:t>Following events can occur with Servlets</a:t>
+            </a:r>
+          </a:p>
+          <a:p>
+            <a:pPr marL="0" indent="0">
+              <a:buNone/>
+            </a:pPr>
+            <a:endParaRPr lang="en-US" dirty="0"/>
+          </a:p>
+          <a:p>
+            <a:r>
+              <a:rPr lang="en-US" dirty="0"/>
+              <a:t>Initializing and destroying Servlets</a:t>
+            </a:r>
+          </a:p>
+          <a:p>
+            <a:endParaRPr lang="en-US" dirty="0"/>
+          </a:p>
+          <a:p>
+            <a:r>
+              <a:rPr lang="en-US" dirty="0"/>
+              <a:t>Adding, removing or replacing attributes in Servlet Context</a:t>
+            </a:r>
+          </a:p>
+          <a:p>
+            <a:endParaRPr lang="en-US" dirty="0"/>
+          </a:p>
+          <a:p>
+            <a:r>
+              <a:rPr lang="en-US" dirty="0"/>
+              <a:t>Creating, activating, invalidating a session</a:t>
+            </a:r>
+          </a:p>
+          <a:p>
+            <a:endParaRPr lang="en-US" dirty="0"/>
+          </a:p>
+          <a:p>
+            <a:r>
+              <a:rPr lang="en-US" dirty="0"/>
+              <a:t>Adding, removing or replacing attributes in a Servlet session</a:t>
+            </a:r>
+          </a:p>
+          <a:p>
+            <a:endParaRPr lang="en-IN" dirty="0"/>
+          </a:p>
+        </p:txBody>
+      </p:sp>
+      <p:sp>
+        <p:nvSpPr>
+          <p:cNvPr id="4" name="Slide Number Placeholder 3"/>
+          <p:cNvSpPr>
+            <a:spLocks noGrp="1"/>
+          </p:cNvSpPr>
+          <p:nvPr>
+            <p:ph type="sldNum" sz="quarter" idx="12"/>
+          </p:nvPr>
+        </p:nvSpPr>
+        <p:spPr/>
+        <p:txBody>
+          <a:bodyPr/>
+          <a:lstStyle/>
+          <a:p>
+            <a:fld id="{9C11CE39-2868-44A2-A0C6-827D458F7A8B}" type="slidenum">
+              <a:rPr lang="en-IN" smtClean="0"/>
+              <a:pPr/>
+              <a:t>84</a:t>
+            </a:fld>
+            <a:endParaRPr lang="en-IN" dirty="0"/>
+          </a:p>
+        </p:txBody>
+      </p:sp>
+    </p:spTree>
+    <p:custDataLst>
+      <p:tags r:id="rId1"/>
+    </p:custDataLst>
+    <p:extLst>
+      <p:ext uri="{BB962C8B-B14F-4D97-AF65-F5344CB8AC3E}">
+        <p14:creationId xmlns:p14="http://schemas.microsoft.com/office/powerpoint/2010/main" val="2333488531"/>
+      </p:ext>
+    </p:extLst>
+  </p:cSld>
+  <p:clrMapOvr>
+    <a:masterClrMapping/>
+  </p:clrMapOvr>
+  <p:timing>
+    <p:tnLst>
+      <p:par>
+        <p:cTn id="1" dur="indefinite" restart="never" nodeType="tmRoot"/>
+      </p:par>
+    </p:tnLst>
+  </p:timing>
+</p:sld>
+</file>
+
+<file path=ppt/slides/slide85.xml><?xml version="1.0" encoding="utf-8"?>
+<p:sld xmlns:a="http://schemas.openxmlformats.org/drawingml/2006/main" xmlns:r="http://schemas.openxmlformats.org/officeDocument/2006/relationships" xmlns:p="http://schemas.openxmlformats.org/presentationml/2006/main">
+  <p:cSld>
+    <p:spTree>
+      <p:nvGrpSpPr>
+        <p:cNvPr id="1" name=""/>
+        <p:cNvGrpSpPr/>
+        <p:nvPr/>
+      </p:nvGrpSpPr>
+      <p:grpSpPr>
+        <a:xfrm>
+          <a:off x="0" y="0"/>
+          <a:ext cx="0" cy="0"/>
+          <a:chOff x="0" y="0"/>
+          <a:chExt cx="0" cy="0"/>
+        </a:xfrm>
+      </p:grpSpPr>
+      <p:sp>
+        <p:nvSpPr>
+          <p:cNvPr id="2" name="Title 1"/>
+          <p:cNvSpPr>
+            <a:spLocks noGrp="1"/>
+          </p:cNvSpPr>
+          <p:nvPr>
+            <p:ph type="title"/>
+          </p:nvPr>
+        </p:nvSpPr>
+        <p:spPr/>
+        <p:txBody>
+          <a:bodyPr/>
+          <a:lstStyle/>
+          <a:p>
+            <a:r>
+              <a:rPr lang="en-IN" dirty="0" smtClean="0"/>
+              <a:t>Event classes and interfaces</a:t>
+            </a:r>
+            <a:endParaRPr lang="en-IN" dirty="0"/>
+          </a:p>
+        </p:txBody>
+      </p:sp>
+      <p:sp>
+        <p:nvSpPr>
+          <p:cNvPr id="5" name="Content Placeholder 4"/>
+          <p:cNvSpPr>
+            <a:spLocks noGrp="1"/>
+          </p:cNvSpPr>
+          <p:nvPr>
+            <p:ph sz="half" idx="1"/>
+          </p:nvPr>
+        </p:nvSpPr>
+        <p:spPr/>
+        <p:txBody>
+          <a:bodyPr/>
+          <a:lstStyle/>
+          <a:p>
+            <a:pPr marL="0" indent="0">
+              <a:buNone/>
+            </a:pPr>
+            <a:r>
+              <a:rPr lang="en-IN" sz="2400" b="1" dirty="0"/>
+              <a:t>Event </a:t>
+            </a:r>
+            <a:r>
+              <a:rPr lang="en-IN" sz="2400" b="1" dirty="0" smtClean="0"/>
+              <a:t>classes</a:t>
+            </a:r>
+          </a:p>
+          <a:p>
+            <a:r>
+              <a:rPr lang="en-IN" sz="2400" dirty="0" err="1" smtClean="0"/>
+              <a:t>ServletRequestEvent</a:t>
+            </a:r>
+            <a:endParaRPr lang="en-IN" sz="2400" dirty="0"/>
+          </a:p>
+          <a:p>
+            <a:r>
+              <a:rPr lang="en-IN" sz="2400" dirty="0" err="1"/>
+              <a:t>ServletContextEvent</a:t>
+            </a:r>
+            <a:endParaRPr lang="en-IN" sz="2400" dirty="0"/>
+          </a:p>
+          <a:p>
+            <a:r>
+              <a:rPr lang="en-IN" sz="2400" dirty="0" err="1"/>
+              <a:t>ServletRequestAttributeEvent</a:t>
+            </a:r>
+            <a:endParaRPr lang="en-IN" sz="2400" dirty="0"/>
+          </a:p>
+          <a:p>
+            <a:r>
+              <a:rPr lang="en-IN" sz="2400" dirty="0" err="1"/>
+              <a:t>ServletContextAttributeEvent</a:t>
+            </a:r>
+            <a:endParaRPr lang="en-IN" sz="2400" dirty="0"/>
+          </a:p>
+          <a:p>
+            <a:r>
+              <a:rPr lang="en-IN" sz="2400" dirty="0" err="1"/>
+              <a:t>HttpSessionEvent</a:t>
+            </a:r>
+            <a:endParaRPr lang="en-IN" sz="2400" dirty="0"/>
+          </a:p>
+          <a:p>
+            <a:r>
+              <a:rPr lang="en-IN" sz="2400" dirty="0" err="1"/>
+              <a:t>HttpSessionBindingEvent</a:t>
+            </a:r>
+            <a:endParaRPr lang="en-IN" sz="2400" dirty="0"/>
+          </a:p>
+          <a:p>
+            <a:endParaRPr lang="en-IN" sz="2400" dirty="0"/>
+          </a:p>
+        </p:txBody>
+      </p:sp>
+      <p:sp>
+        <p:nvSpPr>
+          <p:cNvPr id="6" name="Content Placeholder 5"/>
+          <p:cNvSpPr>
+            <a:spLocks noGrp="1"/>
+          </p:cNvSpPr>
+          <p:nvPr>
+            <p:ph sz="half" idx="2"/>
+          </p:nvPr>
+        </p:nvSpPr>
+        <p:spPr/>
+        <p:txBody>
+          <a:bodyPr>
+            <a:normAutofit/>
+          </a:bodyPr>
+          <a:lstStyle/>
+          <a:p>
+            <a:pPr marL="0" indent="0">
+              <a:buNone/>
+            </a:pPr>
+            <a:r>
+              <a:rPr lang="en-IN" sz="2400" b="1" dirty="0"/>
+              <a:t>Event interfaces</a:t>
+            </a:r>
+          </a:p>
+          <a:p>
+            <a:r>
+              <a:rPr lang="en-IN" sz="2400" dirty="0" err="1"/>
+              <a:t>ServletRequestListener</a:t>
+            </a:r>
+            <a:endParaRPr lang="en-IN" sz="2400" dirty="0"/>
+          </a:p>
+          <a:p>
+            <a:r>
+              <a:rPr lang="en-IN" sz="2400" dirty="0" err="1"/>
+              <a:t>ServletRequestAttributeListener</a:t>
+            </a:r>
+            <a:endParaRPr lang="en-IN" sz="2400" dirty="0"/>
+          </a:p>
+          <a:p>
+            <a:r>
+              <a:rPr lang="en-IN" sz="2400" dirty="0" err="1"/>
+              <a:t>ServletContextListener</a:t>
+            </a:r>
+            <a:endParaRPr lang="en-IN" sz="2400" dirty="0"/>
+          </a:p>
+          <a:p>
+            <a:r>
+              <a:rPr lang="en-IN" sz="2400" dirty="0" err="1"/>
+              <a:t>ServletContextAttributeListener</a:t>
+            </a:r>
+            <a:endParaRPr lang="en-IN" sz="2400" dirty="0"/>
+          </a:p>
+          <a:p>
+            <a:r>
+              <a:rPr lang="en-IN" sz="2400" dirty="0" err="1"/>
+              <a:t>HttpSessionListener</a:t>
+            </a:r>
+            <a:endParaRPr lang="en-IN" sz="2400" dirty="0"/>
+          </a:p>
+          <a:p>
+            <a:r>
+              <a:rPr lang="en-IN" sz="2400" dirty="0" err="1"/>
+              <a:t>HttpSessionAttributeListener</a:t>
+            </a:r>
+            <a:endParaRPr lang="en-IN" sz="2400" dirty="0"/>
+          </a:p>
+          <a:p>
+            <a:r>
+              <a:rPr lang="en-IN" sz="2400" dirty="0" err="1"/>
+              <a:t>HttpSessionBindingListener</a:t>
+            </a:r>
+            <a:endParaRPr lang="en-IN" sz="2400" dirty="0"/>
+          </a:p>
+          <a:p>
+            <a:r>
+              <a:rPr lang="en-IN" sz="2400" dirty="0" err="1"/>
+              <a:t>HttpSessionActivationListener</a:t>
+            </a:r>
+            <a:endParaRPr lang="en-IN" sz="2400" dirty="0"/>
+          </a:p>
+          <a:p>
+            <a:endParaRPr lang="en-IN" sz="2400" dirty="0"/>
+          </a:p>
+        </p:txBody>
+      </p:sp>
+      <p:sp>
+        <p:nvSpPr>
+          <p:cNvPr id="4" name="Slide Number Placeholder 3"/>
+          <p:cNvSpPr>
+            <a:spLocks noGrp="1"/>
+          </p:cNvSpPr>
+          <p:nvPr>
+            <p:ph type="sldNum" sz="quarter" idx="12"/>
+          </p:nvPr>
+        </p:nvSpPr>
+        <p:spPr/>
+        <p:txBody>
+          <a:bodyPr/>
+          <a:lstStyle/>
+          <a:p>
+            <a:fld id="{9C11CE39-2868-44A2-A0C6-827D458F7A8B}" type="slidenum">
+              <a:rPr lang="en-IN" smtClean="0"/>
+              <a:pPr/>
+              <a:t>85</a:t>
+            </a:fld>
+            <a:endParaRPr lang="en-IN" dirty="0"/>
+          </a:p>
+        </p:txBody>
+      </p:sp>
+    </p:spTree>
+    <p:custDataLst>
+      <p:tags r:id="rId1"/>
+    </p:custDataLst>
+    <p:extLst>
+      <p:ext uri="{BB962C8B-B14F-4D97-AF65-F5344CB8AC3E}">
+        <p14:creationId xmlns:p14="http://schemas.microsoft.com/office/powerpoint/2010/main" val="2885234794"/>
+      </p:ext>
+    </p:extLst>
+  </p:cSld>
+  <p:clrMapOvr>
+    <a:masterClrMapping/>
+  </p:clrMapOvr>
+</p:sld>
+</file>
+
+<file path=ppt/slides/slide86.xml><?xml version="1.0" encoding="utf-8"?>
+<p:sld xmlns:a="http://schemas.openxmlformats.org/drawingml/2006/main" xmlns:r="http://schemas.openxmlformats.org/officeDocument/2006/relationships" xmlns:p="http://schemas.openxmlformats.org/presentationml/2006/main">
+  <p:cSld>
+    <p:spTree>
+      <p:nvGrpSpPr>
+        <p:cNvPr id="1" name=""/>
+        <p:cNvGrpSpPr/>
+        <p:nvPr/>
+      </p:nvGrpSpPr>
+      <p:grpSpPr>
+        <a:xfrm>
+          <a:off x="0" y="0"/>
+          <a:ext cx="0" cy="0"/>
+          <a:chOff x="0" y="0"/>
+          <a:chExt cx="0" cy="0"/>
+        </a:xfrm>
+      </p:grpSpPr>
+      <p:sp>
+        <p:nvSpPr>
+          <p:cNvPr id="2" name="Title 1"/>
+          <p:cNvSpPr>
+            <a:spLocks noGrp="1"/>
+          </p:cNvSpPr>
+          <p:nvPr>
+            <p:ph type="title"/>
+          </p:nvPr>
+        </p:nvSpPr>
+        <p:spPr/>
+        <p:txBody>
+          <a:bodyPr/>
+          <a:lstStyle/>
+          <a:p>
+            <a:r>
+              <a:rPr lang="en-US" dirty="0"/>
+              <a:t>Types of </a:t>
+            </a:r>
+            <a:r>
+              <a:rPr lang="en-US" dirty="0" smtClean="0"/>
+              <a:t>Event Listeners</a:t>
+            </a:r>
+            <a:endParaRPr lang="en-IN" dirty="0"/>
+          </a:p>
+        </p:txBody>
+      </p:sp>
+      <p:sp>
+        <p:nvSpPr>
+          <p:cNvPr id="3" name="Content Placeholder 2"/>
+          <p:cNvSpPr>
+            <a:spLocks noGrp="1"/>
+          </p:cNvSpPr>
+          <p:nvPr>
+            <p:ph idx="1"/>
+          </p:nvPr>
+        </p:nvSpPr>
+        <p:spPr/>
+        <p:txBody>
+          <a:bodyPr/>
+          <a:lstStyle/>
+          <a:p>
+            <a:r>
+              <a:rPr lang="en-US" dirty="0"/>
+              <a:t>Context Listeners are </a:t>
+            </a:r>
+            <a:r>
+              <a:rPr lang="en-US" dirty="0">
+                <a:solidFill>
+                  <a:schemeClr val="accent1"/>
+                </a:solidFill>
+              </a:rPr>
+              <a:t>used to notify a class</a:t>
+            </a:r>
+            <a:r>
+              <a:rPr lang="en-US" dirty="0"/>
+              <a:t> when the context is </a:t>
+            </a:r>
+            <a:r>
+              <a:rPr lang="en-US" dirty="0">
+                <a:solidFill>
+                  <a:schemeClr val="accent1"/>
+                </a:solidFill>
+              </a:rPr>
+              <a:t>initialized or destroyed or when an attribute is added or removed to the web context.</a:t>
+            </a:r>
+          </a:p>
+          <a:p>
+            <a:pPr marL="0" indent="0">
+              <a:buNone/>
+            </a:pPr>
+            <a:endParaRPr lang="en-US" dirty="0">
+              <a:solidFill>
+                <a:schemeClr val="accent1"/>
+              </a:solidFill>
+            </a:endParaRPr>
+          </a:p>
+          <a:p>
+            <a:r>
+              <a:rPr lang="en-US" dirty="0"/>
+              <a:t>Session Listeners are </a:t>
+            </a:r>
+            <a:r>
+              <a:rPr lang="en-US" dirty="0">
+                <a:solidFill>
+                  <a:schemeClr val="accent1"/>
+                </a:solidFill>
+              </a:rPr>
+              <a:t>used to notify a class </a:t>
+            </a:r>
+            <a:r>
+              <a:rPr lang="en-US" dirty="0"/>
+              <a:t>when the </a:t>
+            </a:r>
+            <a:r>
+              <a:rPr lang="en-US" dirty="0">
+                <a:solidFill>
+                  <a:schemeClr val="accent1"/>
+                </a:solidFill>
+              </a:rPr>
+              <a:t>session is initialized, destroyed, activated or when an attribute is added, replaced or removed.</a:t>
+            </a:r>
+          </a:p>
+          <a:p>
+            <a:pPr marL="0" indent="0">
+              <a:buNone/>
+            </a:pPr>
+            <a:endParaRPr lang="en-US" dirty="0"/>
+          </a:p>
+          <a:p>
+            <a:r>
+              <a:rPr lang="en-US" dirty="0"/>
+              <a:t>Request Listeners are </a:t>
+            </a:r>
+            <a:r>
+              <a:rPr lang="en-US" dirty="0">
+                <a:solidFill>
+                  <a:schemeClr val="accent1"/>
+                </a:solidFill>
+              </a:rPr>
+              <a:t>used to notify a class</a:t>
+            </a:r>
+            <a:r>
+              <a:rPr lang="en-US" dirty="0"/>
+              <a:t> when the </a:t>
+            </a:r>
+            <a:r>
+              <a:rPr lang="en-US" dirty="0">
+                <a:solidFill>
+                  <a:schemeClr val="accent1"/>
+                </a:solidFill>
+              </a:rPr>
+              <a:t>request is coming into scope for a servlet or the request is getting out of scope</a:t>
+            </a:r>
+            <a:r>
+              <a:rPr lang="en-US" dirty="0"/>
+              <a:t> for a servlet. A request is defined as coming into scope when it is about to enter the first servlet or servlet filter.</a:t>
+            </a:r>
+          </a:p>
+          <a:p>
+            <a:endParaRPr lang="en-IN" dirty="0"/>
+          </a:p>
+        </p:txBody>
+      </p:sp>
+      <p:sp>
+        <p:nvSpPr>
+          <p:cNvPr id="4" name="Slide Number Placeholder 3"/>
+          <p:cNvSpPr>
+            <a:spLocks noGrp="1"/>
+          </p:cNvSpPr>
+          <p:nvPr>
+            <p:ph type="sldNum" sz="quarter" idx="12"/>
+          </p:nvPr>
+        </p:nvSpPr>
+        <p:spPr/>
+        <p:txBody>
+          <a:bodyPr/>
+          <a:lstStyle/>
+          <a:p>
+            <a:fld id="{9C11CE39-2868-44A2-A0C6-827D458F7A8B}" type="slidenum">
+              <a:rPr lang="en-IN" smtClean="0"/>
+              <a:pPr/>
+              <a:t>86</a:t>
+            </a:fld>
+            <a:endParaRPr lang="en-IN" dirty="0"/>
+          </a:p>
+        </p:txBody>
+      </p:sp>
+    </p:spTree>
+    <p:custDataLst>
+      <p:tags r:id="rId1"/>
+    </p:custDataLst>
+    <p:extLst>
+      <p:ext uri="{BB962C8B-B14F-4D97-AF65-F5344CB8AC3E}">
+        <p14:creationId xmlns:p14="http://schemas.microsoft.com/office/powerpoint/2010/main" val="2454020267"/>
+      </p:ext>
+    </p:extLst>
+  </p:cSld>
+  <p:clrMapOvr>
+    <a:masterClrMapping/>
+  </p:clrMapOvr>
+</p:sld>
+</file>
+
+<file path=ppt/slides/slide87.xml><?xml version="1.0" encoding="utf-8"?>
+<p:sld xmlns:a="http://schemas.openxmlformats.org/drawingml/2006/main" xmlns:r="http://schemas.openxmlformats.org/officeDocument/2006/relationships" xmlns:p="http://schemas.openxmlformats.org/presentationml/2006/main">
+  <p:cSld>
+    <p:spTree>
+      <p:nvGrpSpPr>
+        <p:cNvPr id="1" name=""/>
+        <p:cNvGrpSpPr/>
+        <p:nvPr/>
+      </p:nvGrpSpPr>
+      <p:grpSpPr>
+        <a:xfrm>
+          <a:off x="0" y="0"/>
+          <a:ext cx="0" cy="0"/>
+          <a:chOff x="0" y="0"/>
+          <a:chExt cx="0" cy="0"/>
+        </a:xfrm>
+      </p:grpSpPr>
+      <p:sp>
+        <p:nvSpPr>
+          <p:cNvPr id="2" name="Title 1"/>
+          <p:cNvSpPr>
+            <a:spLocks noGrp="1"/>
+          </p:cNvSpPr>
+          <p:nvPr>
+            <p:ph type="title"/>
+          </p:nvPr>
+        </p:nvSpPr>
+        <p:spPr/>
+        <p:txBody>
+          <a:bodyPr/>
+          <a:lstStyle/>
+          <a:p>
+            <a:r>
+              <a:rPr lang="en-US" dirty="0"/>
+              <a:t>Request Level events</a:t>
+            </a:r>
+            <a:endParaRPr lang="en-IN" dirty="0"/>
+          </a:p>
+        </p:txBody>
+      </p:sp>
+      <p:sp>
+        <p:nvSpPr>
+          <p:cNvPr id="3" name="Content Placeholder 2"/>
+          <p:cNvSpPr>
+            <a:spLocks noGrp="1"/>
+          </p:cNvSpPr>
+          <p:nvPr>
+            <p:ph idx="1"/>
+          </p:nvPr>
+        </p:nvSpPr>
+        <p:spPr/>
+        <p:txBody>
+          <a:bodyPr/>
+          <a:lstStyle/>
+          <a:p>
+            <a:pPr marL="0" indent="0" algn="just">
+              <a:buNone/>
+            </a:pPr>
+            <a:r>
+              <a:rPr lang="en-US" dirty="0"/>
+              <a:t>Request Level events: There are two event listeners for request level events</a:t>
+            </a:r>
+          </a:p>
+          <a:p>
+            <a:pPr algn="just"/>
+            <a:endParaRPr lang="en-US" dirty="0"/>
+          </a:p>
+          <a:p>
+            <a:pPr algn="just"/>
+            <a:r>
+              <a:rPr lang="en-US" b="1" dirty="0" err="1"/>
+              <a:t>ServletRequestListener</a:t>
+            </a:r>
+            <a:r>
+              <a:rPr lang="en-US" dirty="0"/>
+              <a:t> interface is implemented to notify the request coming in scope and going out of scope for a servlet.</a:t>
+            </a:r>
+          </a:p>
+          <a:p>
+            <a:pPr marL="0" indent="0" algn="just">
+              <a:buNone/>
+            </a:pPr>
+            <a:endParaRPr lang="en-US" dirty="0"/>
+          </a:p>
+          <a:p>
+            <a:pPr algn="just"/>
+            <a:r>
+              <a:rPr lang="en-US" b="1" dirty="0" err="1"/>
+              <a:t>ServletRequestAttributeListener</a:t>
+            </a:r>
+            <a:r>
+              <a:rPr lang="en-US" dirty="0"/>
+              <a:t> interface is implemented to notify the changes (addition, replacement or removal) in the request attributes.</a:t>
+            </a:r>
+          </a:p>
+          <a:p>
+            <a:endParaRPr lang="en-IN" dirty="0"/>
+          </a:p>
+        </p:txBody>
+      </p:sp>
+      <p:sp>
+        <p:nvSpPr>
+          <p:cNvPr id="4" name="Slide Number Placeholder 3"/>
+          <p:cNvSpPr>
+            <a:spLocks noGrp="1"/>
+          </p:cNvSpPr>
+          <p:nvPr>
+            <p:ph type="sldNum" sz="quarter" idx="12"/>
+          </p:nvPr>
+        </p:nvSpPr>
+        <p:spPr/>
+        <p:txBody>
+          <a:bodyPr/>
+          <a:lstStyle/>
+          <a:p>
+            <a:fld id="{9C11CE39-2868-44A2-A0C6-827D458F7A8B}" type="slidenum">
+              <a:rPr lang="en-IN" smtClean="0"/>
+              <a:pPr/>
+              <a:t>87</a:t>
+            </a:fld>
+            <a:endParaRPr lang="en-IN" dirty="0"/>
+          </a:p>
+        </p:txBody>
+      </p:sp>
+    </p:spTree>
+    <p:custDataLst>
+      <p:tags r:id="rId1"/>
+    </p:custDataLst>
+    <p:extLst>
+      <p:ext uri="{BB962C8B-B14F-4D97-AF65-F5344CB8AC3E}">
+        <p14:creationId xmlns:p14="http://schemas.microsoft.com/office/powerpoint/2010/main" val="2846531964"/>
+      </p:ext>
+    </p:extLst>
+  </p:cSld>
+  <p:clrMapOvr>
+    <a:masterClrMapping/>
+  </p:clrMapOvr>
+</p:sld>
+</file>
+
+<file path=ppt/slides/slide88.xml><?xml version="1.0" encoding="utf-8"?>
+<p:sld xmlns:a="http://schemas.openxmlformats.org/drawingml/2006/main" xmlns:r="http://schemas.openxmlformats.org/officeDocument/2006/relationships" xmlns:p="http://schemas.openxmlformats.org/presentationml/2006/main">
+  <p:cSld>
+    <p:spTree>
+      <p:nvGrpSpPr>
+        <p:cNvPr id="1" name=""/>
+        <p:cNvGrpSpPr/>
+        <p:nvPr/>
+      </p:nvGrpSpPr>
+      <p:grpSpPr>
+        <a:xfrm>
+          <a:off x="0" y="0"/>
+          <a:ext cx="0" cy="0"/>
+          <a:chOff x="0" y="0"/>
+          <a:chExt cx="0" cy="0"/>
+        </a:xfrm>
+      </p:grpSpPr>
+      <p:sp>
+        <p:nvSpPr>
+          <p:cNvPr id="2" name="Title 1"/>
+          <p:cNvSpPr>
+            <a:spLocks noGrp="1"/>
+          </p:cNvSpPr>
+          <p:nvPr>
+            <p:ph type="title"/>
+          </p:nvPr>
+        </p:nvSpPr>
+        <p:spPr/>
+        <p:txBody>
+          <a:bodyPr/>
+          <a:lstStyle/>
+          <a:p>
+            <a:r>
+              <a:rPr lang="en-US" dirty="0"/>
+              <a:t>Servlet Context Level events</a:t>
+            </a:r>
+            <a:endParaRPr lang="en-IN" dirty="0"/>
+          </a:p>
+        </p:txBody>
+      </p:sp>
+      <p:sp>
+        <p:nvSpPr>
+          <p:cNvPr id="3" name="Content Placeholder 2"/>
+          <p:cNvSpPr>
+            <a:spLocks noGrp="1"/>
+          </p:cNvSpPr>
+          <p:nvPr>
+            <p:ph idx="1"/>
+          </p:nvPr>
+        </p:nvSpPr>
+        <p:spPr/>
+        <p:txBody>
+          <a:bodyPr/>
+          <a:lstStyle/>
+          <a:p>
+            <a:pPr algn="just"/>
+            <a:r>
+              <a:rPr lang="en-US" b="1" dirty="0" err="1"/>
+              <a:t>ServletContextListener</a:t>
+            </a:r>
+            <a:r>
+              <a:rPr lang="en-US" dirty="0"/>
+              <a:t> interface is implemented to notify the initialization or destruction of the Servlet.</a:t>
+            </a:r>
+          </a:p>
+          <a:p>
+            <a:pPr algn="just"/>
+            <a:endParaRPr lang="en-US" dirty="0"/>
+          </a:p>
+          <a:p>
+            <a:pPr algn="just"/>
+            <a:r>
+              <a:rPr lang="en-US" b="1" dirty="0" err="1"/>
+              <a:t>ServletContextAttributeListener</a:t>
+            </a:r>
+            <a:r>
+              <a:rPr lang="en-US" dirty="0"/>
+              <a:t> interface is implemented to notify the changes (addition, replacement or removal) in the Servlet Context attributes</a:t>
+            </a:r>
+          </a:p>
+          <a:p>
+            <a:endParaRPr lang="en-IN" dirty="0"/>
+          </a:p>
+        </p:txBody>
+      </p:sp>
+      <p:sp>
+        <p:nvSpPr>
+          <p:cNvPr id="4" name="Slide Number Placeholder 3"/>
+          <p:cNvSpPr>
+            <a:spLocks noGrp="1"/>
+          </p:cNvSpPr>
+          <p:nvPr>
+            <p:ph type="sldNum" sz="quarter" idx="12"/>
+          </p:nvPr>
+        </p:nvSpPr>
+        <p:spPr/>
+        <p:txBody>
+          <a:bodyPr/>
+          <a:lstStyle/>
+          <a:p>
+            <a:fld id="{9C11CE39-2868-44A2-A0C6-827D458F7A8B}" type="slidenum">
+              <a:rPr lang="en-IN" smtClean="0"/>
+              <a:pPr/>
+              <a:t>88</a:t>
+            </a:fld>
+            <a:endParaRPr lang="en-IN" dirty="0"/>
+          </a:p>
+        </p:txBody>
+      </p:sp>
+    </p:spTree>
+    <p:custDataLst>
+      <p:tags r:id="rId1"/>
+    </p:custDataLst>
+    <p:extLst>
+      <p:ext uri="{BB962C8B-B14F-4D97-AF65-F5344CB8AC3E}">
+        <p14:creationId xmlns:p14="http://schemas.microsoft.com/office/powerpoint/2010/main" val="3609108016"/>
+      </p:ext>
+    </p:extLst>
+  </p:cSld>
+  <p:clrMapOvr>
+    <a:masterClrMapping/>
+  </p:clrMapOvr>
+</p:sld>
+</file>
+
+<file path=ppt/slides/slide89.xml><?xml version="1.0" encoding="utf-8"?>
+<p:sld xmlns:a="http://schemas.openxmlformats.org/drawingml/2006/main" xmlns:r="http://schemas.openxmlformats.org/officeDocument/2006/relationships" xmlns:p="http://schemas.openxmlformats.org/presentationml/2006/main">
+  <p:cSld>
+    <p:spTree>
+      <p:nvGrpSpPr>
+        <p:cNvPr id="1" name=""/>
+        <p:cNvGrpSpPr/>
+        <p:nvPr/>
+      </p:nvGrpSpPr>
+      <p:grpSpPr>
+        <a:xfrm>
+          <a:off x="0" y="0"/>
+          <a:ext cx="0" cy="0"/>
+          <a:chOff x="0" y="0"/>
+          <a:chExt cx="0" cy="0"/>
+        </a:xfrm>
+      </p:grpSpPr>
+      <p:sp>
+        <p:nvSpPr>
+          <p:cNvPr id="2" name="Title 1"/>
+          <p:cNvSpPr>
+            <a:spLocks noGrp="1"/>
+          </p:cNvSpPr>
+          <p:nvPr>
+            <p:ph type="title"/>
+          </p:nvPr>
+        </p:nvSpPr>
+        <p:spPr/>
+        <p:txBody>
+          <a:bodyPr/>
+          <a:lstStyle/>
+          <a:p>
+            <a:r>
+              <a:rPr lang="en-US" dirty="0"/>
+              <a:t>Servlet Session Level events</a:t>
+            </a:r>
+            <a:endParaRPr lang="en-IN" dirty="0"/>
+          </a:p>
+        </p:txBody>
+      </p:sp>
+      <p:sp>
+        <p:nvSpPr>
+          <p:cNvPr id="3" name="Content Placeholder 2"/>
+          <p:cNvSpPr>
+            <a:spLocks noGrp="1"/>
+          </p:cNvSpPr>
+          <p:nvPr>
+            <p:ph idx="1"/>
+          </p:nvPr>
+        </p:nvSpPr>
+        <p:spPr/>
+        <p:txBody>
+          <a:bodyPr/>
+          <a:lstStyle/>
+          <a:p>
+            <a:r>
+              <a:rPr lang="en-US" dirty="0"/>
+              <a:t>The Servlet session level events refer to events that </a:t>
+            </a:r>
+            <a:r>
+              <a:rPr lang="en-US" dirty="0">
+                <a:solidFill>
+                  <a:schemeClr val="accent1"/>
+                </a:solidFill>
+              </a:rPr>
+              <a:t>are used to maintain the client’s session</a:t>
+            </a:r>
+            <a:r>
+              <a:rPr lang="en-US" dirty="0"/>
+              <a:t>. </a:t>
+            </a:r>
+          </a:p>
+          <a:p>
+            <a:endParaRPr lang="en-US" dirty="0"/>
+          </a:p>
+          <a:p>
+            <a:r>
+              <a:rPr lang="en-US" b="1" dirty="0" err="1"/>
+              <a:t>HttpSessionListener</a:t>
+            </a:r>
+            <a:r>
+              <a:rPr lang="en-US" dirty="0"/>
+              <a:t> interface is implemented to notify the </a:t>
+            </a:r>
+            <a:r>
+              <a:rPr lang="en-US" dirty="0">
+                <a:solidFill>
+                  <a:schemeClr val="accent1"/>
+                </a:solidFill>
+              </a:rPr>
+              <a:t>initialization or destruction of the Http Session</a:t>
+            </a:r>
+            <a:r>
+              <a:rPr lang="en-US" dirty="0"/>
+              <a:t>. </a:t>
+            </a:r>
+          </a:p>
+          <a:p>
+            <a:endParaRPr lang="en-US" dirty="0"/>
+          </a:p>
+          <a:p>
+            <a:r>
+              <a:rPr lang="en-US" b="1" dirty="0" err="1"/>
+              <a:t>HttpSessionActivationListener</a:t>
+            </a:r>
+            <a:r>
+              <a:rPr lang="en-US" dirty="0"/>
+              <a:t> interface is implemented to notify when a sessions object change from one VM to another</a:t>
+            </a:r>
+            <a:r>
+              <a:rPr lang="en-US" dirty="0" smtClean="0"/>
+              <a:t>.</a:t>
+            </a:r>
+          </a:p>
+          <a:p>
+            <a:endParaRPr lang="en-US" dirty="0"/>
+          </a:p>
+          <a:p>
+            <a:r>
+              <a:rPr lang="en-US" b="1" dirty="0" err="1"/>
+              <a:t>HttpSessionAttributeListener</a:t>
+            </a:r>
+            <a:r>
+              <a:rPr lang="en-US" dirty="0"/>
+              <a:t> interface is implemented to </a:t>
+            </a:r>
+            <a:r>
+              <a:rPr lang="en-US" dirty="0">
+                <a:solidFill>
+                  <a:schemeClr val="accent1"/>
+                </a:solidFill>
+              </a:rPr>
+              <a:t>notify the changes</a:t>
+            </a:r>
+            <a:r>
+              <a:rPr lang="en-US" dirty="0"/>
+              <a:t> (addition, replacement or removal) in the </a:t>
+            </a:r>
+            <a:r>
+              <a:rPr lang="en-US" dirty="0" err="1"/>
+              <a:t>HttpSession</a:t>
+            </a:r>
+            <a:r>
+              <a:rPr lang="en-US" dirty="0"/>
+              <a:t> attributes</a:t>
+            </a:r>
+          </a:p>
+          <a:p>
+            <a:endParaRPr lang="en-IN" dirty="0"/>
+          </a:p>
+        </p:txBody>
+      </p:sp>
+      <p:sp>
+        <p:nvSpPr>
+          <p:cNvPr id="4" name="Slide Number Placeholder 3"/>
+          <p:cNvSpPr>
+            <a:spLocks noGrp="1"/>
+          </p:cNvSpPr>
+          <p:nvPr>
+            <p:ph type="sldNum" sz="quarter" idx="12"/>
+          </p:nvPr>
+        </p:nvSpPr>
+        <p:spPr/>
+        <p:txBody>
+          <a:bodyPr/>
+          <a:lstStyle/>
+          <a:p>
+            <a:fld id="{9C11CE39-2868-44A2-A0C6-827D458F7A8B}" type="slidenum">
+              <a:rPr lang="en-IN" smtClean="0"/>
+              <a:pPr/>
+              <a:t>89</a:t>
+            </a:fld>
+            <a:endParaRPr lang="en-IN" dirty="0"/>
+          </a:p>
+        </p:txBody>
+      </p:sp>
+    </p:spTree>
+    <p:custDataLst>
+      <p:tags r:id="rId1"/>
+    </p:custDataLst>
+    <p:extLst>
+      <p:ext uri="{BB962C8B-B14F-4D97-AF65-F5344CB8AC3E}">
+        <p14:creationId xmlns:p14="http://schemas.microsoft.com/office/powerpoint/2010/main" val="3083542184"/>
+      </p:ext>
+    </p:extLst>
+  </p:cSld>
+  <p:clrMapOvr>
+    <a:masterClrMapping/>
+  </p:clrMapOvr>
+</p:sld>
+</file>
+
 <file path=ppt/slides/slide9.xml><?xml version="1.0" encoding="utf-8"?>
 <p:sld xmlns:a="http://schemas.openxmlformats.org/drawingml/2006/main" xmlns:r="http://schemas.openxmlformats.org/officeDocument/2006/relationships" xmlns:p="http://schemas.openxmlformats.org/presentationml/2006/main">
   <p:cSld>
@@ -39672,11 +41010,3433 @@
 </p:sld>
 </file>
 
+<file path=ppt/slides/slide90.xml><?xml version="1.0" encoding="utf-8"?>
+<p:sld xmlns:a="http://schemas.openxmlformats.org/drawingml/2006/main" xmlns:r="http://schemas.openxmlformats.org/officeDocument/2006/relationships" xmlns:p="http://schemas.openxmlformats.org/presentationml/2006/main">
+  <p:cSld>
+    <p:spTree>
+      <p:nvGrpSpPr>
+        <p:cNvPr id="1" name=""/>
+        <p:cNvGrpSpPr/>
+        <p:nvPr/>
+      </p:nvGrpSpPr>
+      <p:grpSpPr>
+        <a:xfrm>
+          <a:off x="0" y="0"/>
+          <a:ext cx="0" cy="0"/>
+          <a:chOff x="0" y="0"/>
+          <a:chExt cx="0" cy="0"/>
+        </a:xfrm>
+      </p:grpSpPr>
+      <p:sp>
+        <p:nvSpPr>
+          <p:cNvPr id="2" name="Title 1"/>
+          <p:cNvSpPr>
+            <a:spLocks noGrp="1"/>
+          </p:cNvSpPr>
+          <p:nvPr>
+            <p:ph type="title"/>
+          </p:nvPr>
+        </p:nvSpPr>
+        <p:spPr/>
+        <p:txBody>
+          <a:bodyPr>
+            <a:normAutofit/>
+          </a:bodyPr>
+          <a:lstStyle/>
+          <a:p>
+            <a:r>
+              <a:rPr lang="en-IN" b="0" dirty="0" err="1">
+                <a:effectLst/>
+              </a:rPr>
+              <a:t>HttpSessionEvent</a:t>
+            </a:r>
+            <a:r>
+              <a:rPr lang="en-IN" b="0" dirty="0">
+                <a:effectLst/>
+              </a:rPr>
+              <a:t> and </a:t>
+            </a:r>
+            <a:r>
+              <a:rPr lang="en-IN" b="0" dirty="0" err="1" smtClean="0">
+                <a:effectLst/>
+              </a:rPr>
+              <a:t>HttpSessionListener</a:t>
+            </a:r>
+            <a:endParaRPr lang="en-IN" dirty="0"/>
+          </a:p>
+        </p:txBody>
+      </p:sp>
+      <p:sp>
+        <p:nvSpPr>
+          <p:cNvPr id="3" name="Content Placeholder 2"/>
+          <p:cNvSpPr>
+            <a:spLocks noGrp="1"/>
+          </p:cNvSpPr>
+          <p:nvPr>
+            <p:ph idx="1"/>
+          </p:nvPr>
+        </p:nvSpPr>
+        <p:spPr>
+          <a:xfrm>
+            <a:off x="239151" y="864107"/>
+            <a:ext cx="11456320" cy="5941775"/>
+          </a:xfrm>
+        </p:spPr>
+        <p:txBody>
+          <a:bodyPr>
+            <a:normAutofit lnSpcReduction="10000"/>
+          </a:bodyPr>
+          <a:lstStyle/>
+          <a:p>
+            <a:pPr>
+              <a:lnSpc>
+                <a:spcPct val="110000"/>
+              </a:lnSpc>
+            </a:pPr>
+            <a:r>
+              <a:rPr lang="en-US" dirty="0" err="1"/>
+              <a:t>HttpSessionEvent</a:t>
+            </a:r>
+            <a:r>
+              <a:rPr lang="en-US" dirty="0"/>
+              <a:t> is notified when session object is changed. </a:t>
+            </a:r>
+            <a:endParaRPr lang="en-US" dirty="0" smtClean="0"/>
+          </a:p>
+          <a:p>
+            <a:pPr lvl="1">
+              <a:lnSpc>
+                <a:spcPct val="110000"/>
+              </a:lnSpc>
+            </a:pPr>
+            <a:r>
+              <a:rPr lang="en-US" dirty="0" smtClean="0"/>
+              <a:t>Corresponding </a:t>
+            </a:r>
+            <a:r>
+              <a:rPr lang="en-US" dirty="0"/>
+              <a:t>Listener interface for this event is </a:t>
+            </a:r>
+            <a:r>
+              <a:rPr lang="en-US" dirty="0" err="1"/>
+              <a:t>HttpSessionListener</a:t>
+            </a:r>
+            <a:r>
+              <a:rPr lang="en-US" dirty="0" smtClean="0"/>
+              <a:t>.</a:t>
+            </a:r>
+          </a:p>
+          <a:p>
+            <a:pPr>
+              <a:lnSpc>
+                <a:spcPct val="110000"/>
+              </a:lnSpc>
+            </a:pPr>
+            <a:r>
+              <a:rPr lang="en-US" dirty="0" smtClean="0"/>
+              <a:t>What operations can we perform?</a:t>
+            </a:r>
+          </a:p>
+          <a:p>
+            <a:pPr lvl="1">
+              <a:lnSpc>
+                <a:spcPct val="110000"/>
+              </a:lnSpc>
+            </a:pPr>
+            <a:r>
+              <a:rPr lang="en-US" dirty="0" smtClean="0"/>
+              <a:t>Counting </a:t>
+            </a:r>
+            <a:r>
+              <a:rPr lang="en-US" dirty="0"/>
+              <a:t>total and current logged-in users, </a:t>
+            </a:r>
+            <a:endParaRPr lang="en-US" dirty="0" smtClean="0"/>
+          </a:p>
+          <a:p>
+            <a:pPr lvl="1">
+              <a:lnSpc>
+                <a:spcPct val="110000"/>
+              </a:lnSpc>
+            </a:pPr>
+            <a:r>
+              <a:rPr lang="en-US" dirty="0" smtClean="0"/>
+              <a:t>Maintaining </a:t>
+            </a:r>
+            <a:r>
+              <a:rPr lang="en-US" dirty="0"/>
+              <a:t>a log of user details such as login time, logout time </a:t>
+            </a:r>
+            <a:r>
+              <a:rPr lang="en-US" dirty="0" smtClean="0"/>
+              <a:t>etc.</a:t>
+            </a:r>
+          </a:p>
+          <a:p>
+            <a:pPr marL="0" indent="0">
+              <a:lnSpc>
+                <a:spcPct val="110000"/>
+              </a:lnSpc>
+              <a:buNone/>
+            </a:pPr>
+            <a:r>
+              <a:rPr lang="en-IN" b="1" dirty="0"/>
+              <a:t>Methods of </a:t>
+            </a:r>
+            <a:r>
+              <a:rPr lang="en-IN" b="1" dirty="0" err="1"/>
+              <a:t>HttpSessionListener</a:t>
+            </a:r>
+            <a:r>
+              <a:rPr lang="en-IN" b="1" dirty="0"/>
+              <a:t> interface</a:t>
+            </a:r>
+          </a:p>
+          <a:p>
+            <a:pPr>
+              <a:lnSpc>
+                <a:spcPct val="110000"/>
+              </a:lnSpc>
+            </a:pPr>
+            <a:r>
+              <a:rPr lang="en-US" dirty="0" smtClean="0"/>
+              <a:t>Two </a:t>
+            </a:r>
+            <a:r>
+              <a:rPr lang="en-US" dirty="0"/>
+              <a:t>methods declared in the </a:t>
+            </a:r>
+            <a:r>
+              <a:rPr lang="en-US" dirty="0" err="1"/>
+              <a:t>HttpSessionListener</a:t>
+            </a:r>
+            <a:r>
+              <a:rPr lang="en-US" dirty="0"/>
+              <a:t> interface which must be implemented by the servlet programmer to perform some </a:t>
+            </a:r>
+            <a:r>
+              <a:rPr lang="en-US" dirty="0" smtClean="0"/>
+              <a:t>action:</a:t>
+            </a:r>
+          </a:p>
+          <a:p>
+            <a:pPr lvl="1">
+              <a:lnSpc>
+                <a:spcPct val="110000"/>
+              </a:lnSpc>
+            </a:pPr>
+            <a:r>
+              <a:rPr lang="en-US" dirty="0"/>
+              <a:t>public void </a:t>
+            </a:r>
+            <a:r>
+              <a:rPr lang="en-US" dirty="0" err="1"/>
+              <a:t>sessionCreated</a:t>
+            </a:r>
+            <a:r>
+              <a:rPr lang="en-US" dirty="0"/>
+              <a:t>(</a:t>
+            </a:r>
+            <a:r>
+              <a:rPr lang="en-US" dirty="0" err="1"/>
+              <a:t>HttpSessionEvent</a:t>
+            </a:r>
+            <a:r>
+              <a:rPr lang="en-US" dirty="0"/>
+              <a:t> e): is invoked when session object is created.</a:t>
+            </a:r>
+          </a:p>
+          <a:p>
+            <a:pPr lvl="1">
+              <a:lnSpc>
+                <a:spcPct val="110000"/>
+              </a:lnSpc>
+            </a:pPr>
+            <a:r>
+              <a:rPr lang="en-US" dirty="0"/>
+              <a:t>public void </a:t>
+            </a:r>
+            <a:r>
+              <a:rPr lang="en-US" dirty="0" err="1"/>
+              <a:t>sessionDestroyed</a:t>
+            </a:r>
+            <a:r>
+              <a:rPr lang="en-US" dirty="0"/>
+              <a:t>(</a:t>
+            </a:r>
+            <a:r>
+              <a:rPr lang="en-US" dirty="0" err="1"/>
+              <a:t>ServletContextEvent</a:t>
+            </a:r>
+            <a:r>
+              <a:rPr lang="en-US" dirty="0"/>
+              <a:t> e): is invoked when session is invalidated.</a:t>
+            </a:r>
+            <a:endParaRPr lang="en-IN" dirty="0"/>
+          </a:p>
+        </p:txBody>
+      </p:sp>
+      <p:sp>
+        <p:nvSpPr>
+          <p:cNvPr id="4" name="Slide Number Placeholder 3"/>
+          <p:cNvSpPr>
+            <a:spLocks noGrp="1"/>
+          </p:cNvSpPr>
+          <p:nvPr>
+            <p:ph type="sldNum" sz="quarter" idx="12"/>
+          </p:nvPr>
+        </p:nvSpPr>
+        <p:spPr/>
+        <p:txBody>
+          <a:bodyPr/>
+          <a:lstStyle/>
+          <a:p>
+            <a:fld id="{9C11CE39-2868-44A2-A0C6-827D458F7A8B}" type="slidenum">
+              <a:rPr lang="en-IN" smtClean="0"/>
+              <a:pPr/>
+              <a:t>90</a:t>
+            </a:fld>
+            <a:endParaRPr lang="en-IN" dirty="0"/>
+          </a:p>
+        </p:txBody>
+      </p:sp>
+    </p:spTree>
+    <p:custDataLst>
+      <p:tags r:id="rId1"/>
+    </p:custDataLst>
+    <p:extLst>
+      <p:ext uri="{BB962C8B-B14F-4D97-AF65-F5344CB8AC3E}">
+        <p14:creationId xmlns:p14="http://schemas.microsoft.com/office/powerpoint/2010/main" val="3506908275"/>
+      </p:ext>
+    </p:extLst>
+  </p:cSld>
+  <p:clrMapOvr>
+    <a:masterClrMapping/>
+  </p:clrMapOvr>
+</p:sld>
+</file>
+
+<file path=ppt/slides/slide91.xml><?xml version="1.0" encoding="utf-8"?>
+<p:sld xmlns:a="http://schemas.openxmlformats.org/drawingml/2006/main" xmlns:r="http://schemas.openxmlformats.org/officeDocument/2006/relationships" xmlns:p="http://schemas.openxmlformats.org/presentationml/2006/main">
+  <p:cSld>
+    <p:spTree>
+      <p:nvGrpSpPr>
+        <p:cNvPr id="1" name=""/>
+        <p:cNvGrpSpPr/>
+        <p:nvPr/>
+      </p:nvGrpSpPr>
+      <p:grpSpPr>
+        <a:xfrm>
+          <a:off x="0" y="0"/>
+          <a:ext cx="0" cy="0"/>
+          <a:chOff x="0" y="0"/>
+          <a:chExt cx="0" cy="0"/>
+        </a:xfrm>
+      </p:grpSpPr>
+      <p:sp>
+        <p:nvSpPr>
+          <p:cNvPr id="2" name="Title 1"/>
+          <p:cNvSpPr>
+            <a:spLocks noGrp="1"/>
+          </p:cNvSpPr>
+          <p:nvPr>
+            <p:ph type="title"/>
+          </p:nvPr>
+        </p:nvSpPr>
+        <p:spPr/>
+        <p:txBody>
+          <a:bodyPr>
+            <a:normAutofit fontScale="90000"/>
+          </a:bodyPr>
+          <a:lstStyle/>
+          <a:p>
+            <a:r>
+              <a:rPr lang="en-US" b="0" dirty="0">
+                <a:effectLst/>
+              </a:rPr>
+              <a:t>Example of </a:t>
+            </a:r>
+            <a:r>
+              <a:rPr lang="en-IN" b="0" dirty="0" err="1">
+                <a:effectLst/>
+              </a:rPr>
+              <a:t>ServletContextEvent</a:t>
+            </a:r>
+            <a:r>
+              <a:rPr lang="en-IN" b="0" dirty="0">
+                <a:effectLst/>
+              </a:rPr>
+              <a:t> </a:t>
+            </a:r>
+            <a:r>
+              <a:rPr lang="en-US" b="0" dirty="0" smtClean="0">
+                <a:effectLst/>
+              </a:rPr>
+              <a:t> </a:t>
+            </a:r>
+            <a:r>
+              <a:rPr lang="en-US" b="0" dirty="0">
+                <a:effectLst/>
+              </a:rPr>
+              <a:t>and </a:t>
+            </a:r>
+            <a:r>
+              <a:rPr lang="en-IN" b="0" dirty="0" err="1">
+                <a:effectLst/>
+              </a:rPr>
+              <a:t>ServletContextListener</a:t>
+            </a:r>
+            <a:r>
+              <a:rPr lang="en-IN" b="0" dirty="0">
+                <a:effectLst/>
+              </a:rPr>
+              <a:t> </a:t>
+            </a:r>
+            <a:endParaRPr lang="en-IN" dirty="0"/>
+          </a:p>
+        </p:txBody>
+      </p:sp>
+      <p:sp>
+        <p:nvSpPr>
+          <p:cNvPr id="3" name="Content Placeholder 2"/>
+          <p:cNvSpPr>
+            <a:spLocks noGrp="1"/>
+          </p:cNvSpPr>
+          <p:nvPr>
+            <p:ph idx="1"/>
+          </p:nvPr>
+        </p:nvSpPr>
+        <p:spPr/>
+        <p:txBody>
+          <a:bodyPr/>
+          <a:lstStyle/>
+          <a:p>
+            <a:r>
+              <a:rPr lang="en-US" dirty="0" smtClean="0"/>
+              <a:t>index.html</a:t>
+            </a:r>
+            <a:endParaRPr lang="en-US" dirty="0"/>
+          </a:p>
+          <a:p>
+            <a:r>
+              <a:rPr lang="en-US" dirty="0" smtClean="0"/>
+              <a:t>MyListener.java</a:t>
+            </a:r>
+            <a:endParaRPr lang="en-US" dirty="0"/>
+          </a:p>
+          <a:p>
+            <a:r>
+              <a:rPr lang="en-IN" dirty="0" smtClean="0"/>
+              <a:t>FetchData.java</a:t>
+            </a:r>
+            <a:endParaRPr lang="en-IN" dirty="0"/>
+          </a:p>
+        </p:txBody>
+      </p:sp>
+      <p:sp>
+        <p:nvSpPr>
+          <p:cNvPr id="4" name="Slide Number Placeholder 3"/>
+          <p:cNvSpPr>
+            <a:spLocks noGrp="1"/>
+          </p:cNvSpPr>
+          <p:nvPr>
+            <p:ph type="sldNum" sz="quarter" idx="12"/>
+          </p:nvPr>
+        </p:nvSpPr>
+        <p:spPr/>
+        <p:txBody>
+          <a:bodyPr/>
+          <a:lstStyle/>
+          <a:p>
+            <a:fld id="{9C11CE39-2868-44A2-A0C6-827D458F7A8B}" type="slidenum">
+              <a:rPr lang="en-IN" smtClean="0"/>
+              <a:pPr/>
+              <a:t>91</a:t>
+            </a:fld>
+            <a:endParaRPr lang="en-IN" dirty="0"/>
+          </a:p>
+        </p:txBody>
+      </p:sp>
+    </p:spTree>
+    <p:custDataLst>
+      <p:tags r:id="rId1"/>
+    </p:custDataLst>
+    <p:extLst>
+      <p:ext uri="{BB962C8B-B14F-4D97-AF65-F5344CB8AC3E}">
+        <p14:creationId xmlns:p14="http://schemas.microsoft.com/office/powerpoint/2010/main" val="3767800102"/>
+      </p:ext>
+    </p:extLst>
+  </p:cSld>
+  <p:clrMapOvr>
+    <a:masterClrMapping/>
+  </p:clrMapOvr>
+</p:sld>
+</file>
+
+<file path=ppt/slides/slide92.xml><?xml version="1.0" encoding="utf-8"?>
+<p:sld xmlns:a="http://schemas.openxmlformats.org/drawingml/2006/main" xmlns:r="http://schemas.openxmlformats.org/officeDocument/2006/relationships" xmlns:p="http://schemas.openxmlformats.org/presentationml/2006/main">
+  <p:cSld>
+    <p:spTree>
+      <p:nvGrpSpPr>
+        <p:cNvPr id="1" name=""/>
+        <p:cNvGrpSpPr/>
+        <p:nvPr/>
+      </p:nvGrpSpPr>
+      <p:grpSpPr>
+        <a:xfrm>
+          <a:off x="0" y="0"/>
+          <a:ext cx="0" cy="0"/>
+          <a:chOff x="0" y="0"/>
+          <a:chExt cx="0" cy="0"/>
+        </a:xfrm>
+      </p:grpSpPr>
+      <p:sp>
+        <p:nvSpPr>
+          <p:cNvPr id="2" name="Title 1"/>
+          <p:cNvSpPr>
+            <a:spLocks noGrp="1"/>
+          </p:cNvSpPr>
+          <p:nvPr>
+            <p:ph type="title"/>
+          </p:nvPr>
+        </p:nvSpPr>
+        <p:spPr/>
+        <p:txBody>
+          <a:bodyPr/>
+          <a:lstStyle/>
+          <a:p>
+            <a:r>
+              <a:rPr lang="en-IN" dirty="0">
+                <a:effectLst/>
+              </a:rPr>
+              <a:t>index.html</a:t>
+            </a:r>
+            <a:endParaRPr lang="en-IN" dirty="0"/>
+          </a:p>
+        </p:txBody>
+      </p:sp>
+      <p:sp>
+        <p:nvSpPr>
+          <p:cNvPr id="3" name="Content Placeholder 2"/>
+          <p:cNvSpPr>
+            <a:spLocks noGrp="1"/>
+          </p:cNvSpPr>
+          <p:nvPr>
+            <p:ph idx="1"/>
+          </p:nvPr>
+        </p:nvSpPr>
+        <p:spPr/>
+        <p:txBody>
+          <a:bodyPr/>
+          <a:lstStyle/>
+          <a:p>
+            <a:r>
+              <a:rPr lang="en-US" dirty="0"/>
+              <a:t>&lt;a </a:t>
+            </a:r>
+            <a:r>
+              <a:rPr lang="en-US" dirty="0" err="1"/>
+              <a:t>href</a:t>
+            </a:r>
+            <a:r>
+              <a:rPr lang="en-US" dirty="0"/>
+              <a:t>="servlet1"&gt;fetch records&lt;/a&gt;  </a:t>
+            </a:r>
+            <a:r>
+              <a:rPr lang="en-US" b="1" dirty="0"/>
+              <a:t/>
+            </a:r>
+            <a:br>
+              <a:rPr lang="en-US" b="1" dirty="0"/>
+            </a:br>
+            <a:endParaRPr lang="en-IN" dirty="0"/>
+          </a:p>
+        </p:txBody>
+      </p:sp>
+      <p:sp>
+        <p:nvSpPr>
+          <p:cNvPr id="4" name="Slide Number Placeholder 3"/>
+          <p:cNvSpPr>
+            <a:spLocks noGrp="1"/>
+          </p:cNvSpPr>
+          <p:nvPr>
+            <p:ph type="sldNum" sz="quarter" idx="12"/>
+          </p:nvPr>
+        </p:nvSpPr>
+        <p:spPr/>
+        <p:txBody>
+          <a:bodyPr/>
+          <a:lstStyle/>
+          <a:p>
+            <a:fld id="{9C11CE39-2868-44A2-A0C6-827D458F7A8B}" type="slidenum">
+              <a:rPr lang="en-IN" smtClean="0"/>
+              <a:pPr/>
+              <a:t>92</a:t>
+            </a:fld>
+            <a:endParaRPr lang="en-IN" dirty="0"/>
+          </a:p>
+        </p:txBody>
+      </p:sp>
+    </p:spTree>
+    <p:custDataLst>
+      <p:tags r:id="rId1"/>
+    </p:custDataLst>
+    <p:extLst>
+      <p:ext uri="{BB962C8B-B14F-4D97-AF65-F5344CB8AC3E}">
+        <p14:creationId xmlns:p14="http://schemas.microsoft.com/office/powerpoint/2010/main" val="3174679089"/>
+      </p:ext>
+    </p:extLst>
+  </p:cSld>
+  <p:clrMapOvr>
+    <a:masterClrMapping/>
+  </p:clrMapOvr>
+</p:sld>
+</file>
+
+<file path=ppt/slides/slide93.xml><?xml version="1.0" encoding="utf-8"?>
+<p:sld xmlns:a="http://schemas.openxmlformats.org/drawingml/2006/main" xmlns:r="http://schemas.openxmlformats.org/officeDocument/2006/relationships" xmlns:p="http://schemas.openxmlformats.org/presentationml/2006/main">
+  <p:cSld>
+    <p:spTree>
+      <p:nvGrpSpPr>
+        <p:cNvPr id="1" name=""/>
+        <p:cNvGrpSpPr/>
+        <p:nvPr/>
+      </p:nvGrpSpPr>
+      <p:grpSpPr>
+        <a:xfrm>
+          <a:off x="0" y="0"/>
+          <a:ext cx="0" cy="0"/>
+          <a:chOff x="0" y="0"/>
+          <a:chExt cx="0" cy="0"/>
+        </a:xfrm>
+      </p:grpSpPr>
+      <p:sp>
+        <p:nvSpPr>
+          <p:cNvPr id="2" name="Title 1"/>
+          <p:cNvSpPr>
+            <a:spLocks noGrp="1"/>
+          </p:cNvSpPr>
+          <p:nvPr>
+            <p:ph type="title"/>
+          </p:nvPr>
+        </p:nvSpPr>
+        <p:spPr/>
+        <p:txBody>
+          <a:bodyPr/>
+          <a:lstStyle/>
+          <a:p>
+            <a:r>
+              <a:rPr lang="en-IN" dirty="0">
+                <a:effectLst/>
+              </a:rPr>
+              <a:t>MyListener.java</a:t>
+            </a:r>
+            <a:endParaRPr lang="en-IN" dirty="0"/>
+          </a:p>
+        </p:txBody>
+      </p:sp>
+      <p:sp>
+        <p:nvSpPr>
+          <p:cNvPr id="3" name="Content Placeholder 2"/>
+          <p:cNvSpPr>
+            <a:spLocks noGrp="1"/>
+          </p:cNvSpPr>
+          <p:nvPr>
+            <p:ph idx="1"/>
+          </p:nvPr>
+        </p:nvSpPr>
+        <p:spPr>
+          <a:xfrm>
+            <a:off x="0" y="864108"/>
+            <a:ext cx="11695471" cy="5993892"/>
+          </a:xfrm>
+        </p:spPr>
+        <p:txBody>
+          <a:bodyPr numCol="2">
+            <a:noAutofit/>
+          </a:bodyPr>
+          <a:lstStyle/>
+          <a:p>
+            <a:pPr marL="0" indent="0">
+              <a:buNone/>
+            </a:pPr>
+            <a:r>
+              <a:rPr lang="en-IN" sz="2000" b="1" dirty="0"/>
+              <a:t>import</a:t>
+            </a:r>
+            <a:r>
+              <a:rPr lang="en-IN" sz="2000" dirty="0"/>
+              <a:t> </a:t>
+            </a:r>
+            <a:r>
+              <a:rPr lang="en-IN" sz="2000" dirty="0" err="1"/>
+              <a:t>javax.servlet</a:t>
+            </a:r>
+            <a:r>
+              <a:rPr lang="en-IN" sz="2000" dirty="0"/>
+              <a:t>.*;  </a:t>
+            </a:r>
+          </a:p>
+          <a:p>
+            <a:pPr marL="0" indent="0">
+              <a:buNone/>
+            </a:pPr>
+            <a:r>
+              <a:rPr lang="en-IN" sz="2000" b="1" dirty="0"/>
+              <a:t>import</a:t>
+            </a:r>
+            <a:r>
+              <a:rPr lang="en-IN" sz="2000" dirty="0"/>
+              <a:t> </a:t>
+            </a:r>
+            <a:r>
+              <a:rPr lang="en-IN" sz="2000" dirty="0" err="1"/>
+              <a:t>java.sql</a:t>
+            </a:r>
+            <a:r>
+              <a:rPr lang="en-IN" sz="2000" dirty="0"/>
+              <a:t>.*;  </a:t>
+            </a:r>
+          </a:p>
+          <a:p>
+            <a:pPr marL="0" indent="0">
+              <a:buNone/>
+            </a:pPr>
+            <a:r>
+              <a:rPr lang="en-IN" sz="2000" b="1" dirty="0"/>
+              <a:t>public</a:t>
+            </a:r>
+            <a:r>
+              <a:rPr lang="en-IN" sz="2000" dirty="0"/>
+              <a:t> </a:t>
+            </a:r>
+            <a:r>
+              <a:rPr lang="en-IN" sz="2000" b="1" dirty="0"/>
+              <a:t>class</a:t>
+            </a:r>
+            <a:r>
+              <a:rPr lang="en-IN" sz="2000" dirty="0"/>
+              <a:t> </a:t>
+            </a:r>
+            <a:r>
+              <a:rPr lang="en-IN" sz="2000" dirty="0" err="1"/>
+              <a:t>MyListener</a:t>
+            </a:r>
+            <a:r>
+              <a:rPr lang="en-IN" sz="2000" dirty="0"/>
+              <a:t> </a:t>
+            </a:r>
+            <a:r>
+              <a:rPr lang="en-IN" sz="2000" b="1" dirty="0"/>
+              <a:t>implements</a:t>
+            </a:r>
+            <a:r>
+              <a:rPr lang="en-IN" sz="2000" dirty="0"/>
+              <a:t> </a:t>
+            </a:r>
+            <a:r>
+              <a:rPr lang="en-IN" sz="2000" dirty="0" err="1" smtClean="0"/>
+              <a:t>ServletContextListener</a:t>
+            </a:r>
+            <a:endParaRPr lang="en-IN" sz="2000" dirty="0" smtClean="0"/>
+          </a:p>
+          <a:p>
+            <a:pPr marL="0" indent="0">
+              <a:buNone/>
+            </a:pPr>
+            <a:r>
+              <a:rPr lang="en-IN" sz="2000" dirty="0" smtClean="0"/>
+              <a:t>{</a:t>
+            </a:r>
+            <a:r>
+              <a:rPr lang="en-IN" sz="2000" dirty="0"/>
+              <a:t>  </a:t>
+            </a:r>
+          </a:p>
+          <a:p>
+            <a:pPr marL="0" indent="0">
+              <a:buNone/>
+            </a:pPr>
+            <a:r>
+              <a:rPr lang="en-IN" sz="2000" b="1" dirty="0"/>
+              <a:t>public</a:t>
+            </a:r>
+            <a:r>
+              <a:rPr lang="en-IN" sz="2000" dirty="0"/>
+              <a:t> </a:t>
+            </a:r>
+            <a:r>
+              <a:rPr lang="en-IN" sz="2000" b="1" dirty="0"/>
+              <a:t>void</a:t>
+            </a:r>
+            <a:r>
+              <a:rPr lang="en-IN" sz="2000" dirty="0"/>
+              <a:t> </a:t>
+            </a:r>
+            <a:r>
+              <a:rPr lang="en-IN" sz="2000" dirty="0" err="1"/>
+              <a:t>contextInitialized</a:t>
+            </a:r>
+            <a:r>
+              <a:rPr lang="en-IN" sz="2000" dirty="0"/>
+              <a:t>(</a:t>
+            </a:r>
+            <a:r>
+              <a:rPr lang="en-IN" sz="2000" dirty="0" err="1"/>
+              <a:t>ServletContextEvent</a:t>
+            </a:r>
+            <a:r>
+              <a:rPr lang="en-IN" sz="2000" dirty="0"/>
+              <a:t> event) {  </a:t>
+            </a:r>
+          </a:p>
+          <a:p>
+            <a:pPr marL="0" indent="0">
+              <a:buNone/>
+            </a:pPr>
+            <a:r>
+              <a:rPr lang="en-IN" sz="2000" b="1" dirty="0"/>
+              <a:t>try</a:t>
+            </a:r>
+            <a:r>
+              <a:rPr lang="en-IN" sz="2000" dirty="0"/>
+              <a:t>{  </a:t>
+            </a:r>
+          </a:p>
+          <a:p>
+            <a:pPr marL="0" indent="0">
+              <a:buNone/>
+            </a:pPr>
+            <a:r>
+              <a:rPr lang="en-IN" sz="2000" dirty="0" err="1"/>
+              <a:t>Class.forName</a:t>
+            </a:r>
+            <a:r>
+              <a:rPr lang="en-IN" sz="2000" dirty="0"/>
+              <a:t>("</a:t>
+            </a:r>
+            <a:r>
+              <a:rPr lang="en-IN" sz="2000" dirty="0" err="1"/>
+              <a:t>oracle.jdbc.driver.OracleDriver</a:t>
+            </a:r>
+            <a:r>
+              <a:rPr lang="en-IN" sz="2000" dirty="0"/>
+              <a:t>");  </a:t>
+            </a:r>
+          </a:p>
+          <a:p>
+            <a:pPr marL="0" indent="0">
+              <a:buNone/>
+            </a:pPr>
+            <a:r>
+              <a:rPr lang="en-IN" sz="2000" dirty="0"/>
+              <a:t>Connection con=</a:t>
+            </a:r>
+            <a:r>
+              <a:rPr lang="en-IN" sz="2000" dirty="0" err="1"/>
+              <a:t>DriverManager.getConnection</a:t>
+            </a:r>
+            <a:r>
+              <a:rPr lang="en-IN" sz="2000" dirty="0"/>
+              <a:t>(  </a:t>
+            </a:r>
+          </a:p>
+          <a:p>
+            <a:pPr marL="0" indent="0">
+              <a:buNone/>
+            </a:pPr>
+            <a:r>
+              <a:rPr lang="en-IN" sz="2000" dirty="0"/>
+              <a:t>"</a:t>
+            </a:r>
+            <a:r>
+              <a:rPr lang="en-IN" sz="2000" dirty="0" err="1"/>
+              <a:t>jdbc:oracle:thin</a:t>
+            </a:r>
+            <a:r>
+              <a:rPr lang="en-IN" sz="2000" dirty="0"/>
+              <a:t>:@localhost:1521:xe","system","oracle");  </a:t>
+            </a:r>
+            <a:endParaRPr lang="en-IN" sz="2000" dirty="0" smtClean="0"/>
+          </a:p>
+          <a:p>
+            <a:pPr marL="0" indent="0">
+              <a:buNone/>
+            </a:pPr>
+            <a:r>
+              <a:rPr lang="en-IN" sz="2000" dirty="0" smtClean="0"/>
+              <a:t>//storing connection object as an attribute in </a:t>
+            </a:r>
+            <a:r>
+              <a:rPr lang="en-IN" sz="2000" dirty="0" err="1" smtClean="0"/>
+              <a:t>ServletContext</a:t>
+            </a:r>
+            <a:r>
+              <a:rPr lang="en-IN" sz="2000" dirty="0" smtClean="0"/>
+              <a:t>  </a:t>
+            </a:r>
+          </a:p>
+          <a:p>
+            <a:pPr marL="357188" indent="0">
+              <a:buNone/>
+            </a:pPr>
+            <a:r>
+              <a:rPr lang="en-IN" sz="2000" dirty="0" err="1" smtClean="0"/>
+              <a:t>ServletContext</a:t>
+            </a:r>
+            <a:r>
+              <a:rPr lang="en-IN" sz="2000" dirty="0"/>
+              <a:t> </a:t>
+            </a:r>
+            <a:r>
+              <a:rPr lang="en-IN" sz="2000" dirty="0" err="1"/>
+              <a:t>ctx</a:t>
+            </a:r>
+            <a:r>
+              <a:rPr lang="en-IN" sz="2000" dirty="0"/>
+              <a:t>=</a:t>
+            </a:r>
+            <a:r>
+              <a:rPr lang="en-IN" sz="2000" dirty="0" err="1"/>
+              <a:t>event.getServletContext</a:t>
+            </a:r>
+            <a:r>
+              <a:rPr lang="en-IN" sz="2000" dirty="0"/>
+              <a:t>();  </a:t>
+            </a:r>
+          </a:p>
+          <a:p>
+            <a:pPr marL="357188" indent="0">
+              <a:buNone/>
+            </a:pPr>
+            <a:r>
+              <a:rPr lang="en-IN" sz="2000" dirty="0" err="1"/>
+              <a:t>ctx.setAttribute</a:t>
+            </a:r>
+            <a:r>
+              <a:rPr lang="en-IN" sz="2000" dirty="0"/>
+              <a:t>("</a:t>
+            </a:r>
+            <a:r>
+              <a:rPr lang="en-IN" sz="2000" dirty="0" err="1"/>
+              <a:t>mycon</a:t>
+            </a:r>
+            <a:r>
+              <a:rPr lang="en-IN" sz="2000" dirty="0"/>
+              <a:t>", con);  </a:t>
+            </a:r>
+          </a:p>
+          <a:p>
+            <a:pPr marL="357188" indent="0">
+              <a:buNone/>
+            </a:pPr>
+            <a:r>
+              <a:rPr lang="en-IN" sz="2000" dirty="0"/>
+              <a:t>          </a:t>
+            </a:r>
+          </a:p>
+          <a:p>
+            <a:pPr marL="357188" indent="0">
+              <a:buNone/>
+            </a:pPr>
+            <a:r>
+              <a:rPr lang="en-IN" sz="2000" dirty="0"/>
+              <a:t>}</a:t>
+            </a:r>
+            <a:r>
+              <a:rPr lang="en-IN" sz="2000" b="1" dirty="0"/>
+              <a:t>catch</a:t>
+            </a:r>
+            <a:r>
+              <a:rPr lang="en-IN" sz="2000" dirty="0"/>
+              <a:t>(Exception e){</a:t>
+            </a:r>
+            <a:r>
+              <a:rPr lang="en-IN" sz="2000" dirty="0" err="1"/>
+              <a:t>e.printStackTrace</a:t>
+            </a:r>
+            <a:r>
+              <a:rPr lang="en-IN" sz="2000" dirty="0"/>
+              <a:t>();}  </a:t>
+            </a:r>
+          </a:p>
+          <a:p>
+            <a:pPr marL="357188" indent="0">
+              <a:buNone/>
+            </a:pPr>
+            <a:r>
+              <a:rPr lang="en-IN" sz="2000" dirty="0"/>
+              <a:t>}  </a:t>
+            </a:r>
+          </a:p>
+          <a:p>
+            <a:pPr marL="357188" indent="0">
+              <a:buNone/>
+            </a:pPr>
+            <a:r>
+              <a:rPr lang="en-IN" sz="2000" dirty="0"/>
+              <a:t>  </a:t>
+            </a:r>
+          </a:p>
+          <a:p>
+            <a:pPr marL="357188" indent="0">
+              <a:buNone/>
+            </a:pPr>
+            <a:r>
+              <a:rPr lang="en-IN" sz="2000" b="1" dirty="0"/>
+              <a:t>public</a:t>
+            </a:r>
+            <a:r>
+              <a:rPr lang="en-IN" sz="2000" dirty="0"/>
+              <a:t> </a:t>
+            </a:r>
+            <a:r>
+              <a:rPr lang="en-IN" sz="2000" b="1" dirty="0"/>
+              <a:t>void</a:t>
+            </a:r>
+            <a:r>
+              <a:rPr lang="en-IN" sz="2000" dirty="0"/>
+              <a:t> </a:t>
+            </a:r>
+            <a:r>
+              <a:rPr lang="en-IN" sz="2000" dirty="0" err="1"/>
+              <a:t>contextDestroyed</a:t>
+            </a:r>
+            <a:r>
+              <a:rPr lang="en-IN" sz="2000" dirty="0"/>
+              <a:t>(</a:t>
+            </a:r>
+            <a:r>
+              <a:rPr lang="en-IN" sz="2000" dirty="0" err="1"/>
+              <a:t>ServletContextEvent</a:t>
+            </a:r>
+            <a:r>
+              <a:rPr lang="en-IN" sz="2000" dirty="0"/>
+              <a:t> arg0) {}  </a:t>
+            </a:r>
+          </a:p>
+          <a:p>
+            <a:pPr marL="357188" indent="0">
+              <a:buNone/>
+            </a:pPr>
+            <a:r>
+              <a:rPr lang="en-IN" sz="2000" dirty="0"/>
+              <a:t>}  </a:t>
+            </a:r>
+          </a:p>
+          <a:p>
+            <a:pPr marL="0" indent="0">
+              <a:buNone/>
+            </a:pPr>
+            <a:endParaRPr lang="en-IN" sz="2000" dirty="0"/>
+          </a:p>
+        </p:txBody>
+      </p:sp>
+      <p:sp>
+        <p:nvSpPr>
+          <p:cNvPr id="4" name="Slide Number Placeholder 3"/>
+          <p:cNvSpPr>
+            <a:spLocks noGrp="1"/>
+          </p:cNvSpPr>
+          <p:nvPr>
+            <p:ph type="sldNum" sz="quarter" idx="12"/>
+          </p:nvPr>
+        </p:nvSpPr>
+        <p:spPr/>
+        <p:txBody>
+          <a:bodyPr/>
+          <a:lstStyle/>
+          <a:p>
+            <a:fld id="{9C11CE39-2868-44A2-A0C6-827D458F7A8B}" type="slidenum">
+              <a:rPr lang="en-IN" smtClean="0"/>
+              <a:pPr/>
+              <a:t>93</a:t>
+            </a:fld>
+            <a:endParaRPr lang="en-IN" dirty="0"/>
+          </a:p>
+        </p:txBody>
+      </p:sp>
+    </p:spTree>
+    <p:custDataLst>
+      <p:tags r:id="rId1"/>
+    </p:custDataLst>
+    <p:extLst>
+      <p:ext uri="{BB962C8B-B14F-4D97-AF65-F5344CB8AC3E}">
+        <p14:creationId xmlns:p14="http://schemas.microsoft.com/office/powerpoint/2010/main" val="3483490181"/>
+      </p:ext>
+    </p:extLst>
+  </p:cSld>
+  <p:clrMapOvr>
+    <a:masterClrMapping/>
+  </p:clrMapOvr>
+</p:sld>
+</file>
+
+<file path=ppt/slides/slide94.xml><?xml version="1.0" encoding="utf-8"?>
+<p:sld xmlns:a="http://schemas.openxmlformats.org/drawingml/2006/main" xmlns:r="http://schemas.openxmlformats.org/officeDocument/2006/relationships" xmlns:p="http://schemas.openxmlformats.org/presentationml/2006/main">
+  <p:cSld>
+    <p:spTree>
+      <p:nvGrpSpPr>
+        <p:cNvPr id="1" name=""/>
+        <p:cNvGrpSpPr/>
+        <p:nvPr/>
+      </p:nvGrpSpPr>
+      <p:grpSpPr>
+        <a:xfrm>
+          <a:off x="0" y="0"/>
+          <a:ext cx="0" cy="0"/>
+          <a:chOff x="0" y="0"/>
+          <a:chExt cx="0" cy="0"/>
+        </a:xfrm>
+      </p:grpSpPr>
+      <p:sp>
+        <p:nvSpPr>
+          <p:cNvPr id="2" name="Title 1"/>
+          <p:cNvSpPr>
+            <a:spLocks noGrp="1"/>
+          </p:cNvSpPr>
+          <p:nvPr>
+            <p:ph type="title"/>
+          </p:nvPr>
+        </p:nvSpPr>
+        <p:spPr/>
+        <p:txBody>
+          <a:bodyPr>
+            <a:normAutofit/>
+          </a:bodyPr>
+          <a:lstStyle/>
+          <a:p>
+            <a:r>
+              <a:rPr lang="en-IN" b="0" dirty="0" smtClean="0">
+                <a:effectLst/>
+              </a:rPr>
+              <a:t>FetchData</a:t>
+            </a:r>
+            <a:r>
+              <a:rPr lang="en-IN" dirty="0" smtClean="0">
+                <a:effectLst/>
+              </a:rPr>
+              <a:t>.java</a:t>
+            </a:r>
+            <a:endParaRPr lang="en-IN" dirty="0"/>
+          </a:p>
+        </p:txBody>
+      </p:sp>
+      <p:sp>
+        <p:nvSpPr>
+          <p:cNvPr id="3" name="Content Placeholder 2"/>
+          <p:cNvSpPr>
+            <a:spLocks noGrp="1"/>
+          </p:cNvSpPr>
+          <p:nvPr>
+            <p:ph idx="1"/>
+          </p:nvPr>
+        </p:nvSpPr>
+        <p:spPr>
+          <a:xfrm>
+            <a:off x="0" y="864108"/>
+            <a:ext cx="11695471" cy="5993892"/>
+          </a:xfrm>
+        </p:spPr>
+        <p:txBody>
+          <a:bodyPr numCol="2">
+            <a:normAutofit fontScale="77500" lnSpcReduction="20000"/>
+          </a:bodyPr>
+          <a:lstStyle/>
+          <a:p>
+            <a:pPr marL="0" indent="0">
+              <a:buNone/>
+            </a:pPr>
+            <a:r>
+              <a:rPr lang="en-IN" dirty="0"/>
+              <a:t>import java.io.*;  </a:t>
+            </a:r>
+          </a:p>
+          <a:p>
+            <a:pPr marL="0" indent="0">
+              <a:buNone/>
+            </a:pPr>
+            <a:r>
+              <a:rPr lang="en-IN" dirty="0"/>
+              <a:t>import </a:t>
+            </a:r>
+            <a:r>
+              <a:rPr lang="en-IN" dirty="0" err="1"/>
+              <a:t>javax.servlet</a:t>
+            </a:r>
+            <a:r>
+              <a:rPr lang="en-IN" dirty="0"/>
+              <a:t>.*;  </a:t>
+            </a:r>
+          </a:p>
+          <a:p>
+            <a:pPr marL="0" indent="0">
+              <a:buNone/>
+            </a:pPr>
+            <a:r>
+              <a:rPr lang="en-IN" dirty="0"/>
+              <a:t>import </a:t>
+            </a:r>
+            <a:r>
+              <a:rPr lang="en-IN" dirty="0" err="1"/>
+              <a:t>javax.servlet.http</a:t>
+            </a:r>
+            <a:r>
+              <a:rPr lang="en-IN" dirty="0"/>
+              <a:t>.*;  </a:t>
+            </a:r>
+          </a:p>
+          <a:p>
+            <a:pPr marL="0" indent="0">
+              <a:buNone/>
+            </a:pPr>
+            <a:r>
+              <a:rPr lang="en-IN" dirty="0"/>
+              <a:t>import </a:t>
+            </a:r>
+            <a:r>
+              <a:rPr lang="en-IN" dirty="0" err="1"/>
+              <a:t>java.sql</a:t>
+            </a:r>
+            <a:r>
+              <a:rPr lang="en-IN" dirty="0"/>
+              <a:t>.*;  </a:t>
+            </a:r>
+          </a:p>
+          <a:p>
+            <a:pPr marL="0" indent="0">
+              <a:buNone/>
+            </a:pPr>
+            <a:r>
+              <a:rPr lang="en-IN" dirty="0"/>
+              <a:t>public class </a:t>
+            </a:r>
+            <a:r>
+              <a:rPr lang="en-IN" dirty="0" err="1"/>
+              <a:t>FetchData</a:t>
+            </a:r>
+            <a:r>
+              <a:rPr lang="en-IN" dirty="0"/>
+              <a:t> extends </a:t>
+            </a:r>
+            <a:r>
+              <a:rPr lang="en-IN" dirty="0" err="1"/>
+              <a:t>HttpServlet</a:t>
+            </a:r>
+            <a:r>
+              <a:rPr lang="en-IN" dirty="0"/>
+              <a:t> {  </a:t>
+            </a:r>
+          </a:p>
+          <a:p>
+            <a:pPr marL="0" indent="0">
+              <a:buNone/>
+            </a:pPr>
+            <a:r>
+              <a:rPr lang="en-IN" dirty="0"/>
+              <a:t>public void </a:t>
+            </a:r>
+            <a:r>
+              <a:rPr lang="en-IN" dirty="0" err="1"/>
+              <a:t>doGet</a:t>
+            </a:r>
+            <a:r>
+              <a:rPr lang="en-IN" dirty="0"/>
+              <a:t>(</a:t>
+            </a:r>
+            <a:r>
+              <a:rPr lang="en-IN" dirty="0" err="1"/>
+              <a:t>HttpServletRequest</a:t>
+            </a:r>
+            <a:r>
+              <a:rPr lang="en-IN" dirty="0"/>
+              <a:t> request, </a:t>
+            </a:r>
+            <a:r>
+              <a:rPr lang="en-IN" dirty="0" err="1"/>
+              <a:t>HttpServletResponse</a:t>
+            </a:r>
+            <a:r>
+              <a:rPr lang="en-IN" dirty="0"/>
+              <a:t> response) throws </a:t>
+            </a:r>
+            <a:r>
+              <a:rPr lang="en-IN" dirty="0" err="1"/>
+              <a:t>ServletException</a:t>
+            </a:r>
+            <a:r>
+              <a:rPr lang="en-IN" dirty="0"/>
+              <a:t>, </a:t>
+            </a:r>
+            <a:r>
+              <a:rPr lang="en-IN" dirty="0" err="1"/>
+              <a:t>IOException</a:t>
+            </a:r>
+            <a:r>
+              <a:rPr lang="en-IN" dirty="0"/>
+              <a:t> {  </a:t>
+            </a:r>
+          </a:p>
+          <a:p>
+            <a:pPr marL="0" indent="0">
+              <a:buNone/>
+            </a:pPr>
+            <a:r>
+              <a:rPr lang="en-IN" dirty="0" err="1"/>
+              <a:t>response.setContentType</a:t>
+            </a:r>
+            <a:r>
+              <a:rPr lang="en-IN" dirty="0"/>
+              <a:t>("text/html");  </a:t>
+            </a:r>
+          </a:p>
+          <a:p>
+            <a:pPr marL="0" indent="0">
+              <a:buNone/>
+            </a:pPr>
+            <a:r>
+              <a:rPr lang="en-IN" dirty="0" err="1"/>
+              <a:t>PrintWriter</a:t>
+            </a:r>
+            <a:r>
+              <a:rPr lang="en-IN" dirty="0"/>
+              <a:t> out = </a:t>
+            </a:r>
+            <a:r>
+              <a:rPr lang="en-IN" dirty="0" err="1"/>
+              <a:t>response.getWriter</a:t>
+            </a:r>
+            <a:r>
+              <a:rPr lang="en-IN" dirty="0"/>
+              <a:t>();  </a:t>
+            </a:r>
+          </a:p>
+          <a:p>
+            <a:pPr marL="0" indent="0">
+              <a:buNone/>
+            </a:pPr>
+            <a:r>
+              <a:rPr lang="en-IN" dirty="0"/>
+              <a:t>try{  </a:t>
+            </a:r>
+          </a:p>
+          <a:p>
+            <a:pPr marL="0" indent="0">
+              <a:buNone/>
+            </a:pPr>
+            <a:r>
+              <a:rPr lang="en-IN" dirty="0"/>
+              <a:t>//Retrieving connection object from </a:t>
+            </a:r>
+            <a:r>
+              <a:rPr lang="en-IN" dirty="0" err="1"/>
+              <a:t>ServletContext</a:t>
+            </a:r>
+            <a:r>
+              <a:rPr lang="en-IN" dirty="0"/>
+              <a:t> object  </a:t>
+            </a:r>
+          </a:p>
+          <a:p>
+            <a:pPr marL="0" indent="0">
+              <a:buNone/>
+            </a:pPr>
+            <a:r>
+              <a:rPr lang="en-IN" dirty="0" err="1"/>
+              <a:t>ServletContext</a:t>
+            </a:r>
+            <a:r>
+              <a:rPr lang="en-IN" dirty="0"/>
+              <a:t> </a:t>
+            </a:r>
+            <a:r>
+              <a:rPr lang="en-IN" dirty="0" err="1"/>
+              <a:t>ctx</a:t>
+            </a:r>
+            <a:r>
+              <a:rPr lang="en-IN" dirty="0"/>
+              <a:t>=</a:t>
+            </a:r>
+            <a:r>
+              <a:rPr lang="en-IN" dirty="0" err="1"/>
+              <a:t>getServletContext</a:t>
+            </a:r>
+            <a:r>
+              <a:rPr lang="en-IN" dirty="0"/>
+              <a:t>();  </a:t>
+            </a:r>
+          </a:p>
+          <a:p>
+            <a:pPr marL="0" indent="0">
+              <a:buNone/>
+            </a:pPr>
+            <a:r>
+              <a:rPr lang="en-IN" dirty="0"/>
+              <a:t>Connection con=(Connection)</a:t>
+            </a:r>
+            <a:r>
+              <a:rPr lang="en-IN" dirty="0" err="1"/>
+              <a:t>ctx.getAttribute</a:t>
+            </a:r>
+            <a:r>
+              <a:rPr lang="en-IN" dirty="0"/>
+              <a:t>("</a:t>
+            </a:r>
+            <a:r>
+              <a:rPr lang="en-IN" dirty="0" err="1"/>
+              <a:t>mycon</a:t>
+            </a:r>
+            <a:r>
+              <a:rPr lang="en-IN" dirty="0"/>
+              <a:t>");  </a:t>
+            </a:r>
+          </a:p>
+          <a:p>
+            <a:pPr marL="0" indent="0">
+              <a:buNone/>
+            </a:pPr>
+            <a:r>
+              <a:rPr lang="en-IN" dirty="0"/>
+              <a:t>//</a:t>
+            </a:r>
+            <a:r>
+              <a:rPr lang="en-IN" dirty="0" err="1"/>
+              <a:t>retieving</a:t>
+            </a:r>
+            <a:r>
+              <a:rPr lang="en-IN" dirty="0"/>
+              <a:t> data  from emp32 table        </a:t>
+            </a:r>
+          </a:p>
+          <a:p>
+            <a:pPr marL="0" indent="0">
+              <a:buNone/>
+            </a:pPr>
+            <a:r>
+              <a:rPr lang="en-IN" dirty="0" err="1"/>
+              <a:t>PreparedStatement</a:t>
+            </a:r>
+            <a:r>
+              <a:rPr lang="en-IN" dirty="0"/>
+              <a:t> </a:t>
+            </a:r>
+            <a:r>
+              <a:rPr lang="en-IN" dirty="0" err="1"/>
+              <a:t>ps</a:t>
+            </a:r>
+            <a:r>
+              <a:rPr lang="en-IN" dirty="0"/>
+              <a:t>=</a:t>
+            </a:r>
+            <a:r>
+              <a:rPr lang="en-IN" dirty="0" err="1"/>
+              <a:t>con.prepareStatement</a:t>
+            </a:r>
+            <a:r>
+              <a:rPr lang="en-IN" dirty="0"/>
+              <a:t>("select * from emp32",  </a:t>
+            </a:r>
+          </a:p>
+          <a:p>
+            <a:pPr marL="0" indent="0">
+              <a:buNone/>
+            </a:pPr>
+            <a:r>
+              <a:rPr lang="en-IN" dirty="0" err="1"/>
+              <a:t>ResultSet.TYPE_SCROLL_SENSITIVE,ResultSet.CONCUR_UPDATABLE</a:t>
+            </a:r>
+            <a:r>
+              <a:rPr lang="en-IN" dirty="0"/>
+              <a:t>);  </a:t>
+            </a:r>
+          </a:p>
+          <a:p>
+            <a:pPr marL="0" indent="0">
+              <a:buNone/>
+            </a:pPr>
+            <a:r>
+              <a:rPr lang="en-IN" dirty="0" err="1"/>
+              <a:t>ResultSet</a:t>
+            </a:r>
+            <a:r>
+              <a:rPr lang="en-IN" dirty="0"/>
+              <a:t> </a:t>
+            </a:r>
+            <a:r>
+              <a:rPr lang="en-IN" dirty="0" err="1"/>
+              <a:t>rs</a:t>
+            </a:r>
+            <a:r>
+              <a:rPr lang="en-IN" dirty="0"/>
+              <a:t>=</a:t>
+            </a:r>
+            <a:r>
+              <a:rPr lang="en-IN" dirty="0" err="1"/>
+              <a:t>ps.executeQuery</a:t>
+            </a:r>
+            <a:r>
+              <a:rPr lang="en-IN" dirty="0"/>
+              <a:t>();  </a:t>
+            </a:r>
+          </a:p>
+          <a:p>
+            <a:pPr marL="0" indent="0">
+              <a:buNone/>
+            </a:pPr>
+            <a:r>
+              <a:rPr lang="en-IN" dirty="0"/>
+              <a:t>while(</a:t>
+            </a:r>
+            <a:r>
+              <a:rPr lang="en-IN" dirty="0" err="1"/>
+              <a:t>rs.next</a:t>
+            </a:r>
+            <a:r>
+              <a:rPr lang="en-IN" dirty="0"/>
+              <a:t>()){  </a:t>
+            </a:r>
+          </a:p>
+          <a:p>
+            <a:pPr marL="0" indent="0">
+              <a:buNone/>
+            </a:pPr>
+            <a:r>
+              <a:rPr lang="en-IN" dirty="0" err="1"/>
+              <a:t>out.print</a:t>
+            </a:r>
+            <a:r>
+              <a:rPr lang="en-IN" dirty="0"/>
+              <a:t>("&lt;</a:t>
+            </a:r>
+            <a:r>
+              <a:rPr lang="en-IN" dirty="0" err="1"/>
+              <a:t>br</a:t>
+            </a:r>
+            <a:r>
+              <a:rPr lang="en-IN" dirty="0"/>
+              <a:t>&gt;"+</a:t>
+            </a:r>
+            <a:r>
+              <a:rPr lang="en-IN" dirty="0" err="1"/>
+              <a:t>rs.getString</a:t>
+            </a:r>
+            <a:r>
+              <a:rPr lang="en-IN" dirty="0"/>
+              <a:t>(1)+" "+</a:t>
+            </a:r>
+            <a:r>
+              <a:rPr lang="en-IN" dirty="0" err="1"/>
+              <a:t>rs.getString</a:t>
+            </a:r>
+            <a:r>
+              <a:rPr lang="en-IN" dirty="0"/>
+              <a:t>(2));  </a:t>
+            </a:r>
+          </a:p>
+          <a:p>
+            <a:pPr marL="0" indent="0">
+              <a:buNone/>
+            </a:pPr>
+            <a:r>
+              <a:rPr lang="en-IN" dirty="0"/>
+              <a:t>}             </a:t>
+            </a:r>
+          </a:p>
+          <a:p>
+            <a:pPr marL="0" indent="0">
+              <a:buNone/>
+            </a:pPr>
+            <a:r>
+              <a:rPr lang="en-IN" dirty="0" err="1"/>
+              <a:t>con.close</a:t>
+            </a:r>
+            <a:r>
+              <a:rPr lang="en-IN" dirty="0"/>
+              <a:t>();  </a:t>
+            </a:r>
+          </a:p>
+          <a:p>
+            <a:pPr marL="0" indent="0">
+              <a:buNone/>
+            </a:pPr>
+            <a:r>
+              <a:rPr lang="en-IN" dirty="0"/>
+              <a:t>}catch(Exception e){</a:t>
+            </a:r>
+            <a:r>
+              <a:rPr lang="en-IN" dirty="0" err="1"/>
+              <a:t>e.printStackTrace</a:t>
+            </a:r>
+            <a:r>
+              <a:rPr lang="en-IN" dirty="0"/>
+              <a:t>();}         </a:t>
+            </a:r>
+          </a:p>
+          <a:p>
+            <a:pPr marL="0" indent="0">
+              <a:buNone/>
+            </a:pPr>
+            <a:r>
+              <a:rPr lang="en-IN" dirty="0" err="1"/>
+              <a:t>out.close</a:t>
+            </a:r>
+            <a:r>
+              <a:rPr lang="en-IN" dirty="0"/>
+              <a:t>();  </a:t>
+            </a:r>
+          </a:p>
+          <a:p>
+            <a:pPr marL="0" indent="0">
+              <a:buNone/>
+            </a:pPr>
+            <a:r>
+              <a:rPr lang="en-IN" dirty="0"/>
+              <a:t>}  </a:t>
+            </a:r>
+          </a:p>
+          <a:p>
+            <a:pPr marL="0" indent="0">
+              <a:buNone/>
+            </a:pPr>
+            <a:r>
+              <a:rPr lang="en-IN" dirty="0"/>
+              <a:t>} </a:t>
+            </a:r>
+          </a:p>
+        </p:txBody>
+      </p:sp>
+      <p:sp>
+        <p:nvSpPr>
+          <p:cNvPr id="4" name="Slide Number Placeholder 3"/>
+          <p:cNvSpPr>
+            <a:spLocks noGrp="1"/>
+          </p:cNvSpPr>
+          <p:nvPr>
+            <p:ph type="sldNum" sz="quarter" idx="12"/>
+          </p:nvPr>
+        </p:nvSpPr>
+        <p:spPr/>
+        <p:txBody>
+          <a:bodyPr/>
+          <a:lstStyle/>
+          <a:p>
+            <a:fld id="{9C11CE39-2868-44A2-A0C6-827D458F7A8B}" type="slidenum">
+              <a:rPr lang="en-IN" smtClean="0"/>
+              <a:pPr/>
+              <a:t>94</a:t>
+            </a:fld>
+            <a:endParaRPr lang="en-IN" dirty="0"/>
+          </a:p>
+        </p:txBody>
+      </p:sp>
+    </p:spTree>
+    <p:custDataLst>
+      <p:tags r:id="rId1"/>
+    </p:custDataLst>
+    <p:extLst>
+      <p:ext uri="{BB962C8B-B14F-4D97-AF65-F5344CB8AC3E}">
+        <p14:creationId xmlns:p14="http://schemas.microsoft.com/office/powerpoint/2010/main" val="3735319089"/>
+      </p:ext>
+    </p:extLst>
+  </p:cSld>
+  <p:clrMapOvr>
+    <a:masterClrMapping/>
+  </p:clrMapOvr>
+</p:sld>
+</file>
+
+<file path=ppt/slides/slide95.xml><?xml version="1.0" encoding="utf-8"?>
+<p:sld xmlns:a="http://schemas.openxmlformats.org/drawingml/2006/main" xmlns:r="http://schemas.openxmlformats.org/officeDocument/2006/relationships" xmlns:p="http://schemas.openxmlformats.org/presentationml/2006/main">
+  <p:cSld>
+    <p:spTree>
+      <p:nvGrpSpPr>
+        <p:cNvPr id="1" name=""/>
+        <p:cNvGrpSpPr/>
+        <p:nvPr/>
+      </p:nvGrpSpPr>
+      <p:grpSpPr>
+        <a:xfrm>
+          <a:off x="0" y="0"/>
+          <a:ext cx="0" cy="0"/>
+          <a:chOff x="0" y="0"/>
+          <a:chExt cx="0" cy="0"/>
+        </a:xfrm>
+      </p:grpSpPr>
+      <p:sp>
+        <p:nvSpPr>
+          <p:cNvPr id="2" name="Title 1"/>
+          <p:cNvSpPr>
+            <a:spLocks noGrp="1"/>
+          </p:cNvSpPr>
+          <p:nvPr>
+            <p:ph type="title"/>
+          </p:nvPr>
+        </p:nvSpPr>
+        <p:spPr/>
+        <p:txBody>
+          <a:bodyPr>
+            <a:normAutofit fontScale="90000"/>
+          </a:bodyPr>
+          <a:lstStyle/>
+          <a:p>
+            <a:r>
+              <a:rPr lang="en-US" b="0" dirty="0">
+                <a:effectLst/>
+              </a:rPr>
+              <a:t>Example of </a:t>
+            </a:r>
+            <a:r>
+              <a:rPr lang="en-US" b="0" dirty="0" err="1">
+                <a:effectLst/>
+              </a:rPr>
+              <a:t>HttpSessionEvent</a:t>
+            </a:r>
+            <a:r>
+              <a:rPr lang="en-US" b="0" dirty="0">
+                <a:effectLst/>
+              </a:rPr>
+              <a:t> and </a:t>
+            </a:r>
+            <a:r>
+              <a:rPr lang="en-US" b="0" dirty="0" err="1" smtClean="0">
+                <a:effectLst/>
+              </a:rPr>
+              <a:t>HttpSessionListener</a:t>
+            </a:r>
+            <a:endParaRPr lang="en-IN" dirty="0"/>
+          </a:p>
+        </p:txBody>
+      </p:sp>
+      <p:sp>
+        <p:nvSpPr>
+          <p:cNvPr id="3" name="Content Placeholder 2"/>
+          <p:cNvSpPr>
+            <a:spLocks noGrp="1"/>
+          </p:cNvSpPr>
+          <p:nvPr>
+            <p:ph idx="1"/>
+          </p:nvPr>
+        </p:nvSpPr>
+        <p:spPr/>
+        <p:txBody>
+          <a:bodyPr/>
+          <a:lstStyle/>
+          <a:p>
+            <a:pPr marL="0" indent="0">
+              <a:buNone/>
+            </a:pPr>
+            <a:r>
+              <a:rPr lang="en-US" b="1" dirty="0" smtClean="0"/>
+              <a:t>Aim:</a:t>
+            </a:r>
+            <a:r>
+              <a:rPr lang="en-US" dirty="0" smtClean="0"/>
+              <a:t> To </a:t>
+            </a:r>
+            <a:r>
+              <a:rPr lang="en-US" dirty="0"/>
+              <a:t>count total and current logged-in </a:t>
+            </a:r>
+            <a:r>
+              <a:rPr lang="en-US" dirty="0" smtClean="0"/>
+              <a:t>users</a:t>
+            </a:r>
+          </a:p>
+          <a:p>
+            <a:r>
+              <a:rPr lang="en-US" u="sng" dirty="0"/>
+              <a:t>index.html</a:t>
+            </a:r>
+            <a:r>
+              <a:rPr lang="en-US" dirty="0"/>
+              <a:t>: to get input from the user.</a:t>
+            </a:r>
+          </a:p>
+          <a:p>
+            <a:r>
+              <a:rPr lang="en-US" u="sng" dirty="0"/>
+              <a:t>MyListener.java</a:t>
+            </a:r>
+            <a:r>
+              <a:rPr lang="en-US" dirty="0"/>
+              <a:t>: A listener class that counts total and current logged-in users and stores this information in </a:t>
+            </a:r>
+            <a:r>
+              <a:rPr lang="en-US" dirty="0" err="1"/>
+              <a:t>ServletContext</a:t>
+            </a:r>
+            <a:r>
+              <a:rPr lang="en-US" dirty="0"/>
+              <a:t> object as an attribute.</a:t>
+            </a:r>
+          </a:p>
+          <a:p>
+            <a:r>
+              <a:rPr lang="en-US" u="sng" dirty="0"/>
+              <a:t>First.java</a:t>
+            </a:r>
+            <a:r>
+              <a:rPr lang="en-US" dirty="0"/>
+              <a:t>: A Servlet class that creates session and prints the total and current logged-in users.</a:t>
+            </a:r>
+          </a:p>
+          <a:p>
+            <a:r>
+              <a:rPr lang="en-US" u="sng" dirty="0"/>
+              <a:t>Logout.java</a:t>
+            </a:r>
+            <a:r>
+              <a:rPr lang="en-US" dirty="0"/>
+              <a:t>: A Servlet class that invalidates session.</a:t>
+            </a:r>
+            <a:endParaRPr lang="en-IN" dirty="0"/>
+          </a:p>
+        </p:txBody>
+      </p:sp>
+      <p:sp>
+        <p:nvSpPr>
+          <p:cNvPr id="4" name="Slide Number Placeholder 3"/>
+          <p:cNvSpPr>
+            <a:spLocks noGrp="1"/>
+          </p:cNvSpPr>
+          <p:nvPr>
+            <p:ph type="sldNum" sz="quarter" idx="12"/>
+          </p:nvPr>
+        </p:nvSpPr>
+        <p:spPr/>
+        <p:txBody>
+          <a:bodyPr/>
+          <a:lstStyle/>
+          <a:p>
+            <a:fld id="{9C11CE39-2868-44A2-A0C6-827D458F7A8B}" type="slidenum">
+              <a:rPr lang="en-IN" smtClean="0"/>
+              <a:pPr/>
+              <a:t>95</a:t>
+            </a:fld>
+            <a:endParaRPr lang="en-IN" dirty="0"/>
+          </a:p>
+        </p:txBody>
+      </p:sp>
+    </p:spTree>
+    <p:custDataLst>
+      <p:tags r:id="rId1"/>
+    </p:custDataLst>
+    <p:extLst>
+      <p:ext uri="{BB962C8B-B14F-4D97-AF65-F5344CB8AC3E}">
+        <p14:creationId xmlns:p14="http://schemas.microsoft.com/office/powerpoint/2010/main" val="1234572150"/>
+      </p:ext>
+    </p:extLst>
+  </p:cSld>
+  <p:clrMapOvr>
+    <a:masterClrMapping/>
+  </p:clrMapOvr>
+</p:sld>
+</file>
+
+<file path=ppt/slides/slide96.xml><?xml version="1.0" encoding="utf-8"?>
+<p:sld xmlns:a="http://schemas.openxmlformats.org/drawingml/2006/main" xmlns:r="http://schemas.openxmlformats.org/officeDocument/2006/relationships" xmlns:p="http://schemas.openxmlformats.org/presentationml/2006/main">
+  <p:cSld>
+    <p:spTree>
+      <p:nvGrpSpPr>
+        <p:cNvPr id="1" name=""/>
+        <p:cNvGrpSpPr/>
+        <p:nvPr/>
+      </p:nvGrpSpPr>
+      <p:grpSpPr>
+        <a:xfrm>
+          <a:off x="0" y="0"/>
+          <a:ext cx="0" cy="0"/>
+          <a:chOff x="0" y="0"/>
+          <a:chExt cx="0" cy="0"/>
+        </a:xfrm>
+      </p:grpSpPr>
+      <p:sp>
+        <p:nvSpPr>
+          <p:cNvPr id="2" name="Title 1"/>
+          <p:cNvSpPr>
+            <a:spLocks noGrp="1"/>
+          </p:cNvSpPr>
+          <p:nvPr>
+            <p:ph type="title"/>
+          </p:nvPr>
+        </p:nvSpPr>
+        <p:spPr/>
+        <p:txBody>
+          <a:bodyPr/>
+          <a:lstStyle/>
+          <a:p>
+            <a:r>
+              <a:rPr lang="en-IN" dirty="0"/>
+              <a:t>index.html</a:t>
+            </a:r>
+          </a:p>
+        </p:txBody>
+      </p:sp>
+      <p:sp>
+        <p:nvSpPr>
+          <p:cNvPr id="3" name="Content Placeholder 2"/>
+          <p:cNvSpPr>
+            <a:spLocks noGrp="1"/>
+          </p:cNvSpPr>
+          <p:nvPr>
+            <p:ph idx="1"/>
+          </p:nvPr>
+        </p:nvSpPr>
+        <p:spPr/>
+        <p:txBody>
+          <a:bodyPr/>
+          <a:lstStyle/>
+          <a:p>
+            <a:pPr marL="0" indent="0">
+              <a:buNone/>
+            </a:pPr>
+            <a:r>
+              <a:rPr lang="en-IN" dirty="0"/>
+              <a:t>&lt;form action="servlet1"&gt;  </a:t>
+            </a:r>
+          </a:p>
+          <a:p>
+            <a:pPr marL="0" indent="0">
+              <a:buNone/>
+            </a:pPr>
+            <a:r>
+              <a:rPr lang="en-IN" dirty="0" smtClean="0"/>
+              <a:t>	Name</a:t>
+            </a:r>
+            <a:r>
+              <a:rPr lang="en-IN" dirty="0"/>
+              <a:t>:&lt;input type="text" name="username"&gt;&lt;</a:t>
+            </a:r>
+            <a:r>
+              <a:rPr lang="en-IN" dirty="0" err="1"/>
+              <a:t>br</a:t>
+            </a:r>
+            <a:r>
+              <a:rPr lang="en-IN" dirty="0"/>
+              <a:t>&gt;  </a:t>
+            </a:r>
+          </a:p>
+          <a:p>
+            <a:pPr marL="0" indent="0">
+              <a:buNone/>
+            </a:pPr>
+            <a:r>
+              <a:rPr lang="en-IN" dirty="0" smtClean="0"/>
+              <a:t>	Password</a:t>
+            </a:r>
+            <a:r>
+              <a:rPr lang="en-IN" dirty="0"/>
+              <a:t>:&lt;input type="password" name="</a:t>
+            </a:r>
+            <a:r>
+              <a:rPr lang="en-IN" dirty="0" err="1"/>
+              <a:t>userpass</a:t>
+            </a:r>
+            <a:r>
+              <a:rPr lang="en-IN" dirty="0"/>
+              <a:t>"&gt;&lt;</a:t>
+            </a:r>
+            <a:r>
+              <a:rPr lang="en-IN" dirty="0" err="1"/>
+              <a:t>br</a:t>
+            </a:r>
+            <a:r>
+              <a:rPr lang="en-IN" dirty="0"/>
+              <a:t>&gt;  </a:t>
+            </a:r>
+          </a:p>
+          <a:p>
+            <a:pPr marL="0" indent="0">
+              <a:buNone/>
+            </a:pPr>
+            <a:r>
+              <a:rPr lang="en-IN" dirty="0" smtClean="0"/>
+              <a:t>	&lt;</a:t>
+            </a:r>
+            <a:r>
+              <a:rPr lang="en-IN" dirty="0"/>
+              <a:t>input type="submit" value="login"/&gt;  </a:t>
+            </a:r>
+          </a:p>
+          <a:p>
+            <a:pPr marL="0" indent="0">
+              <a:buNone/>
+            </a:pPr>
+            <a:r>
+              <a:rPr lang="en-IN" dirty="0"/>
+              <a:t>&lt;/form&gt;</a:t>
+            </a:r>
+          </a:p>
+        </p:txBody>
+      </p:sp>
+      <p:sp>
+        <p:nvSpPr>
+          <p:cNvPr id="4" name="Slide Number Placeholder 3"/>
+          <p:cNvSpPr>
+            <a:spLocks noGrp="1"/>
+          </p:cNvSpPr>
+          <p:nvPr>
+            <p:ph type="sldNum" sz="quarter" idx="12"/>
+          </p:nvPr>
+        </p:nvSpPr>
+        <p:spPr/>
+        <p:txBody>
+          <a:bodyPr/>
+          <a:lstStyle/>
+          <a:p>
+            <a:fld id="{9C11CE39-2868-44A2-A0C6-827D458F7A8B}" type="slidenum">
+              <a:rPr lang="en-IN" smtClean="0"/>
+              <a:pPr/>
+              <a:t>96</a:t>
+            </a:fld>
+            <a:endParaRPr lang="en-IN" dirty="0"/>
+          </a:p>
+        </p:txBody>
+      </p:sp>
+    </p:spTree>
+    <p:custDataLst>
+      <p:tags r:id="rId1"/>
+    </p:custDataLst>
+    <p:extLst>
+      <p:ext uri="{BB962C8B-B14F-4D97-AF65-F5344CB8AC3E}">
+        <p14:creationId xmlns:p14="http://schemas.microsoft.com/office/powerpoint/2010/main" val="3856287061"/>
+      </p:ext>
+    </p:extLst>
+  </p:cSld>
+  <p:clrMapOvr>
+    <a:masterClrMapping/>
+  </p:clrMapOvr>
+</p:sld>
+</file>
+
+<file path=ppt/slides/slide97.xml><?xml version="1.0" encoding="utf-8"?>
+<p:sld xmlns:a="http://schemas.openxmlformats.org/drawingml/2006/main" xmlns:r="http://schemas.openxmlformats.org/officeDocument/2006/relationships" xmlns:p="http://schemas.openxmlformats.org/presentationml/2006/main">
+  <p:cSld>
+    <p:spTree>
+      <p:nvGrpSpPr>
+        <p:cNvPr id="1" name=""/>
+        <p:cNvGrpSpPr/>
+        <p:nvPr/>
+      </p:nvGrpSpPr>
+      <p:grpSpPr>
+        <a:xfrm>
+          <a:off x="0" y="0"/>
+          <a:ext cx="0" cy="0"/>
+          <a:chOff x="0" y="0"/>
+          <a:chExt cx="0" cy="0"/>
+        </a:xfrm>
+      </p:grpSpPr>
+      <p:sp>
+        <p:nvSpPr>
+          <p:cNvPr id="2" name="Title 1"/>
+          <p:cNvSpPr>
+            <a:spLocks noGrp="1"/>
+          </p:cNvSpPr>
+          <p:nvPr>
+            <p:ph type="title"/>
+          </p:nvPr>
+        </p:nvSpPr>
+        <p:spPr/>
+        <p:txBody>
+          <a:bodyPr>
+            <a:normAutofit/>
+          </a:bodyPr>
+          <a:lstStyle/>
+          <a:p>
+            <a:r>
+              <a:rPr lang="en-IN" dirty="0" smtClean="0">
+                <a:effectLst/>
+              </a:rPr>
+              <a:t>MyListener.java</a:t>
+            </a:r>
+            <a:endParaRPr lang="en-IN" dirty="0"/>
+          </a:p>
+        </p:txBody>
+      </p:sp>
+      <p:sp>
+        <p:nvSpPr>
+          <p:cNvPr id="3" name="Content Placeholder 2"/>
+          <p:cNvSpPr>
+            <a:spLocks noGrp="1"/>
+          </p:cNvSpPr>
+          <p:nvPr>
+            <p:ph idx="1"/>
+          </p:nvPr>
+        </p:nvSpPr>
+        <p:spPr>
+          <a:xfrm>
+            <a:off x="0" y="864107"/>
+            <a:ext cx="11695471" cy="5941775"/>
+          </a:xfrm>
+        </p:spPr>
+        <p:txBody>
+          <a:bodyPr numCol="2">
+            <a:normAutofit/>
+          </a:bodyPr>
+          <a:lstStyle/>
+          <a:p>
+            <a:pPr marL="0" indent="0">
+              <a:buNone/>
+            </a:pPr>
+            <a:r>
+              <a:rPr lang="en-IN" sz="2000" dirty="0"/>
+              <a:t>import </a:t>
+            </a:r>
+            <a:r>
+              <a:rPr lang="en-IN" sz="2000" dirty="0" err="1" smtClean="0"/>
+              <a:t>javax.servlet</a:t>
+            </a:r>
+            <a:r>
+              <a:rPr lang="en-IN" sz="2000" dirty="0" smtClean="0"/>
+              <a:t>.*;  </a:t>
+            </a:r>
+            <a:endParaRPr lang="en-IN" sz="2000" dirty="0"/>
+          </a:p>
+          <a:p>
+            <a:pPr marL="0" indent="0">
+              <a:buNone/>
+            </a:pPr>
+            <a:r>
+              <a:rPr lang="en-IN" sz="2000" dirty="0"/>
+              <a:t>import </a:t>
+            </a:r>
+            <a:r>
+              <a:rPr lang="en-IN" sz="2000" dirty="0" err="1"/>
+              <a:t>javax.servlet.http</a:t>
+            </a:r>
+            <a:r>
+              <a:rPr lang="en-IN" sz="2000" dirty="0" smtClean="0"/>
+              <a:t>.*;</a:t>
+            </a:r>
+            <a:endParaRPr lang="en-IN" sz="2000" dirty="0"/>
+          </a:p>
+          <a:p>
+            <a:pPr marL="0" indent="0">
+              <a:buNone/>
+            </a:pPr>
+            <a:r>
+              <a:rPr lang="en-IN" sz="2000" dirty="0"/>
+              <a:t>public class </a:t>
+            </a:r>
+            <a:r>
+              <a:rPr lang="en-IN" sz="2000" dirty="0" err="1"/>
+              <a:t>CountUserListener</a:t>
+            </a:r>
+            <a:r>
+              <a:rPr lang="en-IN" sz="2000" dirty="0"/>
+              <a:t> implements </a:t>
+            </a:r>
+            <a:r>
+              <a:rPr lang="en-IN" sz="2000" dirty="0" err="1" smtClean="0"/>
+              <a:t>HttpSessionListener</a:t>
+            </a:r>
+            <a:r>
+              <a:rPr lang="en-IN" sz="2000" dirty="0" smtClean="0"/>
+              <a:t> </a:t>
+            </a:r>
+          </a:p>
+          <a:p>
+            <a:pPr marL="0" indent="0">
+              <a:buNone/>
+            </a:pPr>
+            <a:r>
+              <a:rPr lang="en-IN" sz="2000" dirty="0" smtClean="0"/>
+              <a:t>{  </a:t>
+            </a:r>
+            <a:endParaRPr lang="en-IN" sz="2000" dirty="0"/>
+          </a:p>
+          <a:p>
+            <a:pPr marL="0" indent="0">
+              <a:buNone/>
+            </a:pPr>
+            <a:r>
+              <a:rPr lang="en-IN" sz="2000" dirty="0"/>
+              <a:t>    </a:t>
+            </a:r>
+            <a:r>
+              <a:rPr lang="en-IN" sz="2000" dirty="0" err="1"/>
+              <a:t>ServletContext</a:t>
+            </a:r>
+            <a:r>
+              <a:rPr lang="en-IN" sz="2000" dirty="0"/>
+              <a:t> </a:t>
+            </a:r>
+            <a:r>
+              <a:rPr lang="en-IN" sz="2000" dirty="0" err="1"/>
+              <a:t>ctx</a:t>
+            </a:r>
+            <a:r>
+              <a:rPr lang="en-IN" sz="2000" dirty="0"/>
+              <a:t>=null;  </a:t>
+            </a:r>
+          </a:p>
+          <a:p>
+            <a:pPr marL="0" indent="0">
+              <a:buNone/>
+            </a:pPr>
+            <a:r>
+              <a:rPr lang="en-IN" sz="2000" dirty="0"/>
+              <a:t>    static </a:t>
+            </a:r>
+            <a:r>
+              <a:rPr lang="en-IN" sz="2000" dirty="0" err="1"/>
+              <a:t>int</a:t>
+            </a:r>
+            <a:r>
+              <a:rPr lang="en-IN" sz="2000" dirty="0"/>
+              <a:t> total=0,current=0;  </a:t>
+            </a:r>
+          </a:p>
+          <a:p>
+            <a:pPr marL="0" indent="0">
+              <a:buNone/>
+            </a:pPr>
+            <a:r>
+              <a:rPr lang="en-IN" sz="2000" dirty="0" smtClean="0"/>
+              <a:t>public </a:t>
+            </a:r>
+            <a:r>
+              <a:rPr lang="en-IN" sz="2000" dirty="0"/>
+              <a:t>void </a:t>
+            </a:r>
+            <a:r>
+              <a:rPr lang="en-IN" sz="2000" dirty="0" err="1"/>
+              <a:t>sessionCreated</a:t>
+            </a:r>
+            <a:r>
+              <a:rPr lang="en-IN" sz="2000" dirty="0"/>
+              <a:t>(</a:t>
+            </a:r>
+            <a:r>
+              <a:rPr lang="en-IN" sz="2000" dirty="0" err="1"/>
+              <a:t>HttpSessionEvent</a:t>
+            </a:r>
+            <a:r>
+              <a:rPr lang="en-IN" sz="2000" dirty="0"/>
+              <a:t> e) </a:t>
+            </a:r>
+            <a:endParaRPr lang="en-IN" sz="2000" dirty="0" smtClean="0"/>
+          </a:p>
+          <a:p>
+            <a:pPr marL="0" indent="0">
+              <a:buNone/>
+            </a:pPr>
+            <a:r>
+              <a:rPr lang="en-IN" sz="2000" dirty="0" smtClean="0"/>
+              <a:t>{  </a:t>
+            </a:r>
+            <a:endParaRPr lang="en-IN" sz="2000" dirty="0"/>
+          </a:p>
+          <a:p>
+            <a:pPr marL="0" indent="0">
+              <a:buNone/>
+            </a:pPr>
+            <a:r>
+              <a:rPr lang="en-IN" sz="2000" dirty="0"/>
+              <a:t>    total++;  </a:t>
+            </a:r>
+          </a:p>
+          <a:p>
+            <a:pPr marL="0" indent="0">
+              <a:buNone/>
+            </a:pPr>
+            <a:r>
+              <a:rPr lang="en-IN" sz="2000" dirty="0"/>
+              <a:t>    current++;  </a:t>
+            </a:r>
+            <a:r>
+              <a:rPr lang="en-IN" sz="2000" dirty="0" smtClean="0"/>
+              <a:t>    </a:t>
+            </a:r>
+          </a:p>
+          <a:p>
+            <a:pPr marL="0" indent="0">
+              <a:buNone/>
+            </a:pPr>
+            <a:r>
+              <a:rPr lang="en-IN" sz="2000" dirty="0" smtClean="0"/>
+              <a:t>    </a:t>
+            </a:r>
+            <a:r>
+              <a:rPr lang="en-IN" sz="2000" dirty="0" err="1" smtClean="0"/>
+              <a:t>ctx</a:t>
+            </a:r>
+            <a:r>
+              <a:rPr lang="en-IN" sz="2000" dirty="0" smtClean="0"/>
+              <a:t> = </a:t>
+            </a:r>
+            <a:r>
+              <a:rPr lang="en-IN" sz="2000" dirty="0" err="1" smtClean="0"/>
+              <a:t>e.getSession</a:t>
+            </a:r>
+            <a:r>
+              <a:rPr lang="en-IN" sz="2000" dirty="0"/>
+              <a:t>().</a:t>
+            </a:r>
+            <a:r>
+              <a:rPr lang="en-IN" sz="2000" dirty="0" err="1"/>
+              <a:t>getServletContext</a:t>
+            </a:r>
+            <a:r>
+              <a:rPr lang="en-IN" sz="2000" dirty="0"/>
+              <a:t>();  </a:t>
+            </a:r>
+          </a:p>
+          <a:p>
+            <a:pPr marL="271463" indent="0">
+              <a:buNone/>
+            </a:pPr>
+            <a:r>
+              <a:rPr lang="en-IN" sz="2000" dirty="0"/>
+              <a:t>    </a:t>
+            </a:r>
+            <a:r>
+              <a:rPr lang="en-IN" sz="2000" dirty="0" err="1"/>
+              <a:t>ctx.setAttribute</a:t>
+            </a:r>
+            <a:r>
+              <a:rPr lang="en-IN" sz="2000" dirty="0"/>
+              <a:t>("</a:t>
+            </a:r>
+            <a:r>
+              <a:rPr lang="en-IN" sz="2000" dirty="0" err="1"/>
+              <a:t>totalusers</a:t>
+            </a:r>
+            <a:r>
+              <a:rPr lang="en-IN" sz="2000" dirty="0"/>
+              <a:t>", total);  </a:t>
+            </a:r>
+          </a:p>
+          <a:p>
+            <a:pPr marL="271463" indent="0">
+              <a:buNone/>
+            </a:pPr>
+            <a:r>
+              <a:rPr lang="en-IN" sz="2000" dirty="0"/>
+              <a:t>    </a:t>
+            </a:r>
+            <a:r>
+              <a:rPr lang="en-IN" sz="2000" dirty="0" err="1"/>
+              <a:t>ctx.setAttribute</a:t>
+            </a:r>
+            <a:r>
+              <a:rPr lang="en-IN" sz="2000" dirty="0"/>
+              <a:t>("</a:t>
+            </a:r>
+            <a:r>
+              <a:rPr lang="en-IN" sz="2000" dirty="0" err="1"/>
+              <a:t>currentusers</a:t>
+            </a:r>
+            <a:r>
+              <a:rPr lang="en-IN" sz="2000" dirty="0"/>
+              <a:t>", current); </a:t>
+            </a:r>
+          </a:p>
+          <a:p>
+            <a:pPr marL="271463" indent="0">
+              <a:buNone/>
+            </a:pPr>
+            <a:r>
+              <a:rPr lang="en-IN" sz="2000" dirty="0" smtClean="0"/>
+              <a:t>}</a:t>
+            </a:r>
+            <a:endParaRPr lang="en-IN" sz="2000" dirty="0"/>
+          </a:p>
+          <a:p>
+            <a:pPr marL="271463" indent="0">
+              <a:buNone/>
+            </a:pPr>
+            <a:r>
+              <a:rPr lang="en-IN" sz="2000" dirty="0" smtClean="0"/>
+              <a:t>public </a:t>
+            </a:r>
+            <a:r>
+              <a:rPr lang="en-IN" sz="2000" dirty="0"/>
+              <a:t>void </a:t>
+            </a:r>
+            <a:r>
+              <a:rPr lang="en-IN" sz="2000" dirty="0" err="1"/>
+              <a:t>sessionDestroyed</a:t>
+            </a:r>
+            <a:r>
+              <a:rPr lang="en-IN" sz="2000" dirty="0"/>
+              <a:t>(</a:t>
+            </a:r>
+            <a:r>
+              <a:rPr lang="en-IN" sz="2000" dirty="0" err="1"/>
+              <a:t>HttpSessionEvent</a:t>
+            </a:r>
+            <a:r>
+              <a:rPr lang="en-IN" sz="2000" dirty="0"/>
+              <a:t> e) {  </a:t>
+            </a:r>
+          </a:p>
+          <a:p>
+            <a:pPr marL="271463" indent="0">
+              <a:buNone/>
+            </a:pPr>
+            <a:r>
+              <a:rPr lang="en-IN" sz="2000" dirty="0"/>
+              <a:t>        current--;  </a:t>
+            </a:r>
+          </a:p>
+          <a:p>
+            <a:pPr marL="271463" indent="0">
+              <a:buNone/>
+            </a:pPr>
+            <a:r>
+              <a:rPr lang="en-IN" sz="2000" dirty="0"/>
+              <a:t>        </a:t>
+            </a:r>
+            <a:r>
+              <a:rPr lang="en-IN" sz="2000" dirty="0" err="1"/>
+              <a:t>ctx.setAttribute</a:t>
+            </a:r>
+            <a:r>
+              <a:rPr lang="en-IN" sz="2000" dirty="0"/>
+              <a:t>("</a:t>
+            </a:r>
+            <a:r>
+              <a:rPr lang="en-IN" sz="2000" dirty="0" err="1"/>
+              <a:t>currentusers</a:t>
+            </a:r>
+            <a:r>
+              <a:rPr lang="en-IN" sz="2000" dirty="0"/>
+              <a:t>",current);  </a:t>
+            </a:r>
+          </a:p>
+          <a:p>
+            <a:pPr marL="271463" indent="0">
+              <a:buNone/>
+            </a:pPr>
+            <a:r>
+              <a:rPr lang="en-IN" sz="2000" dirty="0"/>
+              <a:t>    </a:t>
+            </a:r>
+            <a:r>
+              <a:rPr lang="en-IN" sz="2000" dirty="0" smtClean="0"/>
+              <a:t>}</a:t>
+            </a:r>
+            <a:endParaRPr lang="en-IN" sz="2000" dirty="0"/>
+          </a:p>
+          <a:p>
+            <a:pPr marL="271463" indent="0">
+              <a:buNone/>
+            </a:pPr>
+            <a:r>
+              <a:rPr lang="en-IN" sz="2000" dirty="0"/>
+              <a:t>}</a:t>
+            </a:r>
+          </a:p>
+        </p:txBody>
+      </p:sp>
+      <p:sp>
+        <p:nvSpPr>
+          <p:cNvPr id="4" name="Slide Number Placeholder 3"/>
+          <p:cNvSpPr>
+            <a:spLocks noGrp="1"/>
+          </p:cNvSpPr>
+          <p:nvPr>
+            <p:ph type="sldNum" sz="quarter" idx="12"/>
+          </p:nvPr>
+        </p:nvSpPr>
+        <p:spPr/>
+        <p:txBody>
+          <a:bodyPr/>
+          <a:lstStyle/>
+          <a:p>
+            <a:fld id="{9C11CE39-2868-44A2-A0C6-827D458F7A8B}" type="slidenum">
+              <a:rPr lang="en-IN" smtClean="0"/>
+              <a:pPr/>
+              <a:t>97</a:t>
+            </a:fld>
+            <a:endParaRPr lang="en-IN" dirty="0"/>
+          </a:p>
+        </p:txBody>
+      </p:sp>
+    </p:spTree>
+    <p:custDataLst>
+      <p:tags r:id="rId1"/>
+    </p:custDataLst>
+    <p:extLst>
+      <p:ext uri="{BB962C8B-B14F-4D97-AF65-F5344CB8AC3E}">
+        <p14:creationId xmlns:p14="http://schemas.microsoft.com/office/powerpoint/2010/main" val="948844093"/>
+      </p:ext>
+    </p:extLst>
+  </p:cSld>
+  <p:clrMapOvr>
+    <a:masterClrMapping/>
+  </p:clrMapOvr>
+</p:sld>
+</file>
+
+<file path=ppt/slides/slide98.xml><?xml version="1.0" encoding="utf-8"?>
+<p:sld xmlns:a="http://schemas.openxmlformats.org/drawingml/2006/main" xmlns:r="http://schemas.openxmlformats.org/officeDocument/2006/relationships" xmlns:p="http://schemas.openxmlformats.org/presentationml/2006/main">
+  <p:cSld>
+    <p:spTree>
+      <p:nvGrpSpPr>
+        <p:cNvPr id="1" name=""/>
+        <p:cNvGrpSpPr/>
+        <p:nvPr/>
+      </p:nvGrpSpPr>
+      <p:grpSpPr>
+        <a:xfrm>
+          <a:off x="0" y="0"/>
+          <a:ext cx="0" cy="0"/>
+          <a:chOff x="0" y="0"/>
+          <a:chExt cx="0" cy="0"/>
+        </a:xfrm>
+      </p:grpSpPr>
+      <p:sp>
+        <p:nvSpPr>
+          <p:cNvPr id="2" name="Title 1"/>
+          <p:cNvSpPr>
+            <a:spLocks noGrp="1"/>
+          </p:cNvSpPr>
+          <p:nvPr>
+            <p:ph type="title"/>
+          </p:nvPr>
+        </p:nvSpPr>
+        <p:spPr/>
+        <p:txBody>
+          <a:bodyPr/>
+          <a:lstStyle/>
+          <a:p>
+            <a:r>
+              <a:rPr lang="en-IN" dirty="0"/>
+              <a:t>First.java</a:t>
+            </a:r>
+          </a:p>
+        </p:txBody>
+      </p:sp>
+      <p:sp>
+        <p:nvSpPr>
+          <p:cNvPr id="3" name="Content Placeholder 2"/>
+          <p:cNvSpPr>
+            <a:spLocks noGrp="1"/>
+          </p:cNvSpPr>
+          <p:nvPr>
+            <p:ph idx="1"/>
+          </p:nvPr>
+        </p:nvSpPr>
+        <p:spPr>
+          <a:xfrm>
+            <a:off x="0" y="864108"/>
+            <a:ext cx="11815863" cy="5993892"/>
+          </a:xfrm>
+        </p:spPr>
+        <p:txBody>
+          <a:bodyPr numCol="2">
+            <a:noAutofit/>
+          </a:bodyPr>
+          <a:lstStyle/>
+          <a:p>
+            <a:pPr marL="0" indent="0">
+              <a:buNone/>
+            </a:pPr>
+            <a:r>
+              <a:rPr lang="en-IN" sz="1800" dirty="0"/>
+              <a:t>import java.io.*;</a:t>
+            </a:r>
+          </a:p>
+          <a:p>
+            <a:pPr marL="0" indent="0">
+              <a:buNone/>
+            </a:pPr>
+            <a:r>
+              <a:rPr lang="en-IN" sz="1800" dirty="0"/>
+              <a:t>import </a:t>
+            </a:r>
+            <a:r>
+              <a:rPr lang="en-IN" sz="1800" dirty="0" err="1"/>
+              <a:t>javax.servlet</a:t>
+            </a:r>
+            <a:r>
+              <a:rPr lang="en-IN" sz="1800" dirty="0"/>
+              <a:t>.*;  </a:t>
+            </a:r>
+          </a:p>
+          <a:p>
+            <a:pPr marL="0" indent="0">
+              <a:buNone/>
+            </a:pPr>
+            <a:r>
+              <a:rPr lang="en-IN" sz="1800" dirty="0"/>
+              <a:t>import </a:t>
+            </a:r>
+            <a:r>
+              <a:rPr lang="en-IN" sz="1800" dirty="0" err="1"/>
+              <a:t>javax.servlet.http</a:t>
+            </a:r>
+            <a:r>
+              <a:rPr lang="en-IN" sz="1800" dirty="0"/>
+              <a:t>.*; </a:t>
+            </a:r>
+          </a:p>
+          <a:p>
+            <a:pPr marL="0" indent="0">
+              <a:buNone/>
+            </a:pPr>
+            <a:r>
+              <a:rPr lang="en-IN" sz="1800" dirty="0"/>
+              <a:t>public class First extends </a:t>
+            </a:r>
+            <a:r>
+              <a:rPr lang="en-IN" sz="1800" dirty="0" err="1"/>
+              <a:t>HttpServlet</a:t>
+            </a:r>
+            <a:r>
+              <a:rPr lang="en-IN" sz="1800" dirty="0"/>
+              <a:t> {  </a:t>
+            </a:r>
+          </a:p>
+          <a:p>
+            <a:pPr marL="0" indent="0">
+              <a:buNone/>
+            </a:pPr>
+            <a:r>
+              <a:rPr lang="en-IN" sz="1800" dirty="0"/>
+              <a:t>public void </a:t>
+            </a:r>
+            <a:r>
+              <a:rPr lang="en-IN" sz="1800" dirty="0" err="1"/>
+              <a:t>doGet</a:t>
+            </a:r>
+            <a:r>
+              <a:rPr lang="en-IN" sz="1800" dirty="0"/>
+              <a:t>(</a:t>
+            </a:r>
+            <a:r>
+              <a:rPr lang="en-IN" sz="1800" dirty="0" err="1"/>
+              <a:t>HttpServletRequest</a:t>
+            </a:r>
+            <a:r>
+              <a:rPr lang="en-IN" sz="1800" dirty="0"/>
+              <a:t> request,  </a:t>
+            </a:r>
+          </a:p>
+          <a:p>
+            <a:pPr marL="0" indent="0">
+              <a:buNone/>
+            </a:pPr>
+            <a:r>
+              <a:rPr lang="en-IN" sz="1800" dirty="0"/>
+              <a:t> </a:t>
+            </a:r>
+            <a:r>
+              <a:rPr lang="en-IN" sz="1800" dirty="0" err="1"/>
+              <a:t>HttpServletResponse</a:t>
+            </a:r>
+            <a:r>
+              <a:rPr lang="en-IN" sz="1800" dirty="0"/>
+              <a:t> response)  </a:t>
+            </a:r>
+          </a:p>
+          <a:p>
+            <a:pPr marL="0" indent="0">
+              <a:buNone/>
+            </a:pPr>
+            <a:r>
+              <a:rPr lang="en-IN" sz="1800" dirty="0"/>
+              <a:t>    throws </a:t>
+            </a:r>
+            <a:r>
+              <a:rPr lang="en-IN" sz="1800" dirty="0" err="1"/>
+              <a:t>ServletException</a:t>
+            </a:r>
+            <a:r>
+              <a:rPr lang="en-IN" sz="1800" dirty="0"/>
+              <a:t>, </a:t>
+            </a:r>
+            <a:r>
+              <a:rPr lang="en-IN" sz="1800" dirty="0" err="1"/>
+              <a:t>IOException</a:t>
+            </a:r>
+            <a:r>
+              <a:rPr lang="en-IN" sz="1800" dirty="0"/>
+              <a:t> {  </a:t>
+            </a:r>
+          </a:p>
+          <a:p>
+            <a:pPr marL="0" indent="0">
+              <a:buNone/>
+            </a:pPr>
+            <a:r>
+              <a:rPr lang="en-IN" sz="1800" dirty="0"/>
+              <a:t>        </a:t>
+            </a:r>
+            <a:r>
+              <a:rPr lang="en-IN" sz="1800" dirty="0" err="1"/>
+              <a:t>response.setContentType</a:t>
+            </a:r>
+            <a:r>
+              <a:rPr lang="en-IN" sz="1800" dirty="0"/>
+              <a:t>("text/html");  </a:t>
+            </a:r>
+          </a:p>
+          <a:p>
+            <a:pPr marL="0" indent="0">
+              <a:buNone/>
+            </a:pPr>
+            <a:r>
+              <a:rPr lang="en-IN" sz="1800" dirty="0"/>
+              <a:t>        </a:t>
+            </a:r>
+            <a:r>
+              <a:rPr lang="en-IN" sz="1800" dirty="0" err="1"/>
+              <a:t>PrintWriter</a:t>
+            </a:r>
+            <a:r>
+              <a:rPr lang="en-IN" sz="1800" dirty="0"/>
+              <a:t> out = </a:t>
+            </a:r>
+            <a:r>
+              <a:rPr lang="en-IN" sz="1800" dirty="0" err="1"/>
+              <a:t>response.getWriter</a:t>
+            </a:r>
+            <a:r>
+              <a:rPr lang="en-IN" sz="1800" dirty="0"/>
+              <a:t>();  </a:t>
+            </a:r>
+          </a:p>
+          <a:p>
+            <a:pPr marL="0" indent="0">
+              <a:buNone/>
+            </a:pPr>
+            <a:r>
+              <a:rPr lang="en-IN" sz="1800" dirty="0"/>
+              <a:t>        String n=</a:t>
+            </a:r>
+            <a:r>
+              <a:rPr lang="en-IN" sz="1800" dirty="0" err="1"/>
+              <a:t>request.getParameter</a:t>
+            </a:r>
+            <a:r>
+              <a:rPr lang="en-IN" sz="1800" dirty="0"/>
+              <a:t>("username");  </a:t>
+            </a:r>
+          </a:p>
+          <a:p>
+            <a:pPr marL="0" indent="0">
+              <a:buNone/>
+            </a:pPr>
+            <a:r>
+              <a:rPr lang="en-IN" sz="1800" dirty="0"/>
+              <a:t>        </a:t>
+            </a:r>
+            <a:r>
+              <a:rPr lang="en-IN" sz="1800" dirty="0" err="1"/>
+              <a:t>out.print</a:t>
+            </a:r>
+            <a:r>
+              <a:rPr lang="en-IN" sz="1800" dirty="0"/>
+              <a:t>("Welcome "+n);  </a:t>
+            </a:r>
+          </a:p>
+          <a:p>
+            <a:pPr marL="0" indent="0">
+              <a:buNone/>
+            </a:pPr>
+            <a:r>
+              <a:rPr lang="en-IN" sz="1800" dirty="0"/>
+              <a:t>        </a:t>
+            </a:r>
+            <a:r>
+              <a:rPr lang="en-IN" sz="1800" dirty="0" err="1"/>
+              <a:t>HttpSession</a:t>
+            </a:r>
+            <a:r>
+              <a:rPr lang="en-IN" sz="1800" dirty="0"/>
+              <a:t> session=</a:t>
+            </a:r>
+            <a:r>
+              <a:rPr lang="en-IN" sz="1800" dirty="0" err="1"/>
+              <a:t>request.getSession</a:t>
+            </a:r>
+            <a:r>
+              <a:rPr lang="en-IN" sz="1800" dirty="0"/>
+              <a:t>();  </a:t>
+            </a:r>
+          </a:p>
+          <a:p>
+            <a:pPr marL="0" indent="0">
+              <a:buNone/>
+            </a:pPr>
+            <a:r>
+              <a:rPr lang="en-IN" sz="1800" dirty="0"/>
+              <a:t>        </a:t>
+            </a:r>
+            <a:r>
+              <a:rPr lang="en-IN" sz="1800" dirty="0" err="1"/>
+              <a:t>session.setAttribute</a:t>
+            </a:r>
+            <a:r>
+              <a:rPr lang="en-IN" sz="1800" dirty="0"/>
+              <a:t>("</a:t>
+            </a:r>
+            <a:r>
+              <a:rPr lang="en-IN" sz="1800" dirty="0" err="1"/>
+              <a:t>uname</a:t>
+            </a:r>
+            <a:r>
+              <a:rPr lang="en-IN" sz="1800" dirty="0"/>
+              <a:t>",n);  </a:t>
+            </a:r>
+          </a:p>
+          <a:p>
+            <a:pPr marL="0" indent="0">
+              <a:buNone/>
+            </a:pPr>
+            <a:r>
+              <a:rPr lang="en-IN" sz="1800" dirty="0"/>
+              <a:t>        //retrieving data from </a:t>
+            </a:r>
+            <a:r>
+              <a:rPr lang="en-IN" sz="1800" dirty="0" err="1"/>
+              <a:t>ServletContext</a:t>
+            </a:r>
+            <a:r>
+              <a:rPr lang="en-IN" sz="1800" dirty="0"/>
+              <a:t> object  </a:t>
+            </a:r>
+          </a:p>
+          <a:p>
+            <a:pPr marL="0" indent="0">
+              <a:buNone/>
+            </a:pPr>
+            <a:r>
+              <a:rPr lang="en-IN" sz="1800" dirty="0"/>
+              <a:t>        </a:t>
+            </a:r>
+            <a:r>
+              <a:rPr lang="en-IN" sz="1800" dirty="0" err="1"/>
+              <a:t>ServletContext</a:t>
+            </a:r>
+            <a:r>
+              <a:rPr lang="en-IN" sz="1800" dirty="0"/>
+              <a:t> </a:t>
+            </a:r>
+            <a:r>
+              <a:rPr lang="en-IN" sz="1800" dirty="0" err="1"/>
+              <a:t>ctx</a:t>
+            </a:r>
+            <a:r>
+              <a:rPr lang="en-IN" sz="1800" dirty="0"/>
+              <a:t>=</a:t>
+            </a:r>
+            <a:r>
+              <a:rPr lang="en-IN" sz="1800" dirty="0" err="1"/>
+              <a:t>getServletContext</a:t>
+            </a:r>
+            <a:r>
+              <a:rPr lang="en-IN" sz="1800" dirty="0"/>
+              <a:t>();  </a:t>
+            </a:r>
+          </a:p>
+          <a:p>
+            <a:pPr marL="0" indent="0">
+              <a:buNone/>
+            </a:pPr>
+            <a:r>
+              <a:rPr lang="en-IN" sz="1800" dirty="0"/>
+              <a:t>        </a:t>
+            </a:r>
+            <a:r>
+              <a:rPr lang="en-IN" sz="1800" dirty="0" err="1"/>
+              <a:t>int</a:t>
+            </a:r>
+            <a:r>
+              <a:rPr lang="en-IN" sz="1800" dirty="0"/>
+              <a:t> t=(Integer)</a:t>
+            </a:r>
+            <a:r>
+              <a:rPr lang="en-IN" sz="1800" dirty="0" err="1"/>
+              <a:t>ctx.getAttribute</a:t>
+            </a:r>
+            <a:r>
+              <a:rPr lang="en-IN" sz="1800" dirty="0"/>
+              <a:t>("</a:t>
+            </a:r>
+            <a:r>
+              <a:rPr lang="en-IN" sz="1800" dirty="0" err="1"/>
+              <a:t>totalusers</a:t>
+            </a:r>
+            <a:r>
+              <a:rPr lang="en-IN" sz="1800" dirty="0"/>
+              <a:t>");  </a:t>
+            </a:r>
+          </a:p>
+          <a:p>
+            <a:pPr marL="0" indent="0">
+              <a:buNone/>
+            </a:pPr>
+            <a:r>
+              <a:rPr lang="en-IN" sz="1800" dirty="0"/>
+              <a:t>        </a:t>
+            </a:r>
+            <a:r>
+              <a:rPr lang="en-IN" sz="1800" dirty="0" err="1"/>
+              <a:t>int</a:t>
+            </a:r>
+            <a:r>
+              <a:rPr lang="en-IN" sz="1800" dirty="0"/>
+              <a:t> c=(Integer)</a:t>
+            </a:r>
+            <a:r>
+              <a:rPr lang="en-IN" sz="1800" dirty="0" err="1"/>
+              <a:t>ctx.getAttribute</a:t>
+            </a:r>
+            <a:r>
+              <a:rPr lang="en-IN" sz="1800" dirty="0"/>
+              <a:t>("</a:t>
+            </a:r>
+            <a:r>
+              <a:rPr lang="en-IN" sz="1800" dirty="0" err="1"/>
+              <a:t>currentusers</a:t>
+            </a:r>
+            <a:r>
+              <a:rPr lang="en-IN" sz="1800" dirty="0"/>
+              <a:t>");  </a:t>
+            </a:r>
+          </a:p>
+          <a:p>
+            <a:pPr marL="0" indent="0">
+              <a:buNone/>
+            </a:pPr>
+            <a:r>
+              <a:rPr lang="en-IN" sz="1800" dirty="0"/>
+              <a:t>        </a:t>
+            </a:r>
+            <a:r>
+              <a:rPr lang="en-IN" sz="1800" dirty="0" err="1"/>
+              <a:t>out.print</a:t>
+            </a:r>
+            <a:r>
+              <a:rPr lang="en-IN" sz="1800" dirty="0"/>
+              <a:t>("&lt;</a:t>
+            </a:r>
+            <a:r>
+              <a:rPr lang="en-IN" sz="1800" dirty="0" err="1"/>
+              <a:t>br</a:t>
+            </a:r>
+            <a:r>
+              <a:rPr lang="en-IN" sz="1800" dirty="0"/>
+              <a:t>&gt;total users= "+t);  </a:t>
+            </a:r>
+          </a:p>
+          <a:p>
+            <a:pPr marL="0" indent="0">
+              <a:buNone/>
+            </a:pPr>
+            <a:r>
+              <a:rPr lang="en-IN" sz="1800" dirty="0"/>
+              <a:t>        </a:t>
+            </a:r>
+            <a:r>
+              <a:rPr lang="en-IN" sz="1800" dirty="0" err="1"/>
+              <a:t>out.print</a:t>
+            </a:r>
+            <a:r>
+              <a:rPr lang="en-IN" sz="1800" dirty="0"/>
+              <a:t>("&lt;</a:t>
+            </a:r>
+            <a:r>
+              <a:rPr lang="en-IN" sz="1800" dirty="0" err="1"/>
+              <a:t>br</a:t>
+            </a:r>
+            <a:r>
+              <a:rPr lang="en-IN" sz="1800" dirty="0"/>
+              <a:t>&gt;current users= "+c);  </a:t>
+            </a:r>
+          </a:p>
+          <a:p>
+            <a:pPr marL="0" indent="0">
+              <a:buNone/>
+            </a:pPr>
+            <a:r>
+              <a:rPr lang="en-IN" sz="1800" dirty="0"/>
+              <a:t>        </a:t>
+            </a:r>
+            <a:r>
+              <a:rPr lang="en-IN" sz="1800" dirty="0" err="1"/>
+              <a:t>out.print</a:t>
+            </a:r>
+            <a:r>
+              <a:rPr lang="en-IN" sz="1800" dirty="0"/>
+              <a:t>("&lt;</a:t>
+            </a:r>
+            <a:r>
+              <a:rPr lang="en-IN" sz="1800" dirty="0" err="1"/>
+              <a:t>br</a:t>
+            </a:r>
+            <a:r>
+              <a:rPr lang="en-IN" sz="1800" dirty="0"/>
+              <a:t>&gt;&lt;a </a:t>
+            </a:r>
+            <a:r>
+              <a:rPr lang="en-IN" sz="1800" dirty="0" err="1"/>
+              <a:t>href</a:t>
+            </a:r>
+            <a:r>
+              <a:rPr lang="en-IN" sz="1800" dirty="0"/>
+              <a:t>='logout'&gt;logout&lt;/a&gt;");  </a:t>
+            </a:r>
+          </a:p>
+          <a:p>
+            <a:pPr marL="0" indent="0">
+              <a:buNone/>
+            </a:pPr>
+            <a:r>
+              <a:rPr lang="en-IN" sz="1800" dirty="0"/>
+              <a:t>        </a:t>
+            </a:r>
+            <a:r>
+              <a:rPr lang="en-IN" sz="1800" dirty="0" err="1"/>
+              <a:t>out.close</a:t>
+            </a:r>
+            <a:r>
+              <a:rPr lang="en-IN" sz="1800" dirty="0"/>
+              <a:t>();  </a:t>
+            </a:r>
+          </a:p>
+          <a:p>
+            <a:pPr marL="0" indent="0">
+              <a:buNone/>
+            </a:pPr>
+            <a:r>
+              <a:rPr lang="en-IN" sz="1800" dirty="0"/>
+              <a:t>    }  </a:t>
+            </a:r>
+          </a:p>
+          <a:p>
+            <a:pPr marL="0" indent="0">
+              <a:buNone/>
+            </a:pPr>
+            <a:r>
+              <a:rPr lang="en-IN" sz="1800" dirty="0"/>
+              <a:t>}</a:t>
+            </a:r>
+          </a:p>
+        </p:txBody>
+      </p:sp>
+      <p:sp>
+        <p:nvSpPr>
+          <p:cNvPr id="4" name="Slide Number Placeholder 3"/>
+          <p:cNvSpPr>
+            <a:spLocks noGrp="1"/>
+          </p:cNvSpPr>
+          <p:nvPr>
+            <p:ph type="sldNum" sz="quarter" idx="12"/>
+          </p:nvPr>
+        </p:nvSpPr>
+        <p:spPr/>
+        <p:txBody>
+          <a:bodyPr/>
+          <a:lstStyle/>
+          <a:p>
+            <a:fld id="{9C11CE39-2868-44A2-A0C6-827D458F7A8B}" type="slidenum">
+              <a:rPr lang="en-IN" smtClean="0"/>
+              <a:pPr/>
+              <a:t>98</a:t>
+            </a:fld>
+            <a:endParaRPr lang="en-IN" dirty="0"/>
+          </a:p>
+        </p:txBody>
+      </p:sp>
+    </p:spTree>
+    <p:custDataLst>
+      <p:tags r:id="rId1"/>
+    </p:custDataLst>
+    <p:extLst>
+      <p:ext uri="{BB962C8B-B14F-4D97-AF65-F5344CB8AC3E}">
+        <p14:creationId xmlns:p14="http://schemas.microsoft.com/office/powerpoint/2010/main" val="3132342605"/>
+      </p:ext>
+    </p:extLst>
+  </p:cSld>
+  <p:clrMapOvr>
+    <a:masterClrMapping/>
+  </p:clrMapOvr>
+</p:sld>
+</file>
+
+<file path=ppt/slides/slide99.xml><?xml version="1.0" encoding="utf-8"?>
+<p:sld xmlns:a="http://schemas.openxmlformats.org/drawingml/2006/main" xmlns:r="http://schemas.openxmlformats.org/officeDocument/2006/relationships" xmlns:p="http://schemas.openxmlformats.org/presentationml/2006/main">
+  <p:cSld>
+    <p:spTree>
+      <p:nvGrpSpPr>
+        <p:cNvPr id="1" name=""/>
+        <p:cNvGrpSpPr/>
+        <p:nvPr/>
+      </p:nvGrpSpPr>
+      <p:grpSpPr>
+        <a:xfrm>
+          <a:off x="0" y="0"/>
+          <a:ext cx="0" cy="0"/>
+          <a:chOff x="0" y="0"/>
+          <a:chExt cx="0" cy="0"/>
+        </a:xfrm>
+      </p:grpSpPr>
+      <p:sp>
+        <p:nvSpPr>
+          <p:cNvPr id="2" name="Title 1"/>
+          <p:cNvSpPr>
+            <a:spLocks noGrp="1"/>
+          </p:cNvSpPr>
+          <p:nvPr>
+            <p:ph type="title"/>
+          </p:nvPr>
+        </p:nvSpPr>
+        <p:spPr/>
+        <p:txBody>
+          <a:bodyPr/>
+          <a:lstStyle/>
+          <a:p>
+            <a:r>
+              <a:rPr lang="en-IN" dirty="0"/>
+              <a:t>Logout.java</a:t>
+            </a:r>
+          </a:p>
+        </p:txBody>
+      </p:sp>
+      <p:sp>
+        <p:nvSpPr>
+          <p:cNvPr id="3" name="Content Placeholder 2"/>
+          <p:cNvSpPr>
+            <a:spLocks noGrp="1"/>
+          </p:cNvSpPr>
+          <p:nvPr>
+            <p:ph idx="1"/>
+          </p:nvPr>
+        </p:nvSpPr>
+        <p:spPr>
+          <a:xfrm>
+            <a:off x="239151" y="864108"/>
+            <a:ext cx="11456320" cy="5993892"/>
+          </a:xfrm>
+        </p:spPr>
+        <p:txBody>
+          <a:bodyPr>
+            <a:noAutofit/>
+          </a:bodyPr>
+          <a:lstStyle/>
+          <a:p>
+            <a:pPr marL="0" indent="0">
+              <a:buNone/>
+            </a:pPr>
+            <a:r>
+              <a:rPr lang="en-IN" sz="2000" dirty="0"/>
+              <a:t>import java.io.*;</a:t>
+            </a:r>
+          </a:p>
+          <a:p>
+            <a:pPr marL="0" indent="0">
+              <a:buNone/>
+            </a:pPr>
+            <a:r>
+              <a:rPr lang="en-IN" sz="2000" dirty="0"/>
+              <a:t>import </a:t>
+            </a:r>
+            <a:r>
+              <a:rPr lang="en-IN" sz="2000" dirty="0" err="1"/>
+              <a:t>javax.servlet</a:t>
+            </a:r>
+            <a:r>
+              <a:rPr lang="en-IN" sz="2000" dirty="0"/>
+              <a:t>.*;  </a:t>
+            </a:r>
+          </a:p>
+          <a:p>
+            <a:pPr marL="0" indent="0">
+              <a:buNone/>
+            </a:pPr>
+            <a:r>
+              <a:rPr lang="en-IN" sz="2000" dirty="0"/>
+              <a:t>import </a:t>
+            </a:r>
+            <a:r>
+              <a:rPr lang="en-IN" sz="2000" dirty="0" err="1"/>
+              <a:t>javax.servlet.http</a:t>
+            </a:r>
+            <a:r>
+              <a:rPr lang="en-IN" sz="2000" dirty="0"/>
+              <a:t>.*; </a:t>
+            </a:r>
+          </a:p>
+          <a:p>
+            <a:pPr marL="0" indent="0">
+              <a:buNone/>
+            </a:pPr>
+            <a:r>
+              <a:rPr lang="en-IN" sz="2000" dirty="0"/>
+              <a:t>public class </a:t>
+            </a:r>
+            <a:r>
+              <a:rPr lang="en-IN" sz="2000" dirty="0" err="1"/>
+              <a:t>LogoutServlet</a:t>
+            </a:r>
+            <a:r>
+              <a:rPr lang="en-IN" sz="2000" dirty="0"/>
+              <a:t> extends </a:t>
+            </a:r>
+            <a:r>
+              <a:rPr lang="en-IN" sz="2000" dirty="0" err="1"/>
+              <a:t>HttpServlet</a:t>
+            </a:r>
+            <a:r>
+              <a:rPr lang="en-IN" sz="2000" dirty="0"/>
+              <a:t> {  </a:t>
+            </a:r>
+          </a:p>
+          <a:p>
+            <a:pPr marL="0" indent="0">
+              <a:buNone/>
+            </a:pPr>
+            <a:r>
+              <a:rPr lang="en-IN" sz="2000" dirty="0"/>
+              <a:t>public void </a:t>
+            </a:r>
+            <a:r>
+              <a:rPr lang="en-IN" sz="2000" dirty="0" err="1"/>
+              <a:t>doGet</a:t>
+            </a:r>
+            <a:r>
+              <a:rPr lang="en-IN" sz="2000" dirty="0"/>
+              <a:t>(</a:t>
+            </a:r>
+            <a:r>
+              <a:rPr lang="en-IN" sz="2000" dirty="0" err="1"/>
+              <a:t>HttpServletRequest</a:t>
+            </a:r>
+            <a:r>
+              <a:rPr lang="en-IN" sz="2000" dirty="0"/>
+              <a:t> request,  </a:t>
+            </a:r>
+          </a:p>
+          <a:p>
+            <a:pPr marL="0" indent="0">
+              <a:buNone/>
+            </a:pPr>
+            <a:r>
+              <a:rPr lang="en-IN" sz="2000" dirty="0"/>
+              <a:t> </a:t>
+            </a:r>
+            <a:r>
+              <a:rPr lang="en-IN" sz="2000" dirty="0" err="1"/>
+              <a:t>HttpServletResponse</a:t>
+            </a:r>
+            <a:r>
+              <a:rPr lang="en-IN" sz="2000" dirty="0"/>
+              <a:t> response)  </a:t>
+            </a:r>
+          </a:p>
+          <a:p>
+            <a:pPr marL="0" indent="0">
+              <a:buNone/>
+            </a:pPr>
+            <a:r>
+              <a:rPr lang="en-IN" sz="2000" dirty="0"/>
+              <a:t>        throws </a:t>
+            </a:r>
+            <a:r>
+              <a:rPr lang="en-IN" sz="2000" dirty="0" err="1"/>
+              <a:t>ServletException</a:t>
+            </a:r>
+            <a:r>
+              <a:rPr lang="en-IN" sz="2000" dirty="0"/>
+              <a:t>, </a:t>
+            </a:r>
+            <a:r>
+              <a:rPr lang="en-IN" sz="2000" dirty="0" err="1"/>
+              <a:t>IOException</a:t>
+            </a:r>
+            <a:r>
+              <a:rPr lang="en-IN" sz="2000" dirty="0"/>
+              <a:t> {  </a:t>
+            </a:r>
+          </a:p>
+          <a:p>
+            <a:pPr marL="0" indent="0">
+              <a:buNone/>
+            </a:pPr>
+            <a:r>
+              <a:rPr lang="en-IN" sz="2000" dirty="0"/>
+              <a:t>        </a:t>
+            </a:r>
+            <a:r>
+              <a:rPr lang="en-IN" sz="2000" dirty="0" err="1"/>
+              <a:t>response.setContentType</a:t>
+            </a:r>
+            <a:r>
+              <a:rPr lang="en-IN" sz="2000" dirty="0"/>
+              <a:t>("text/html");  </a:t>
+            </a:r>
+          </a:p>
+          <a:p>
+            <a:pPr marL="0" indent="0">
+              <a:buNone/>
+            </a:pPr>
+            <a:r>
+              <a:rPr lang="en-IN" sz="2000" dirty="0"/>
+              <a:t>        </a:t>
+            </a:r>
+            <a:r>
+              <a:rPr lang="en-IN" sz="2000" dirty="0" err="1"/>
+              <a:t>PrintWriter</a:t>
+            </a:r>
+            <a:r>
+              <a:rPr lang="en-IN" sz="2000" dirty="0"/>
+              <a:t> out = </a:t>
+            </a:r>
+            <a:r>
+              <a:rPr lang="en-IN" sz="2000" dirty="0" err="1"/>
+              <a:t>response.getWriter</a:t>
+            </a:r>
+            <a:r>
+              <a:rPr lang="en-IN" sz="2000" dirty="0"/>
+              <a:t>();  </a:t>
+            </a:r>
+          </a:p>
+          <a:p>
+            <a:pPr marL="0" indent="0">
+              <a:buNone/>
+            </a:pPr>
+            <a:r>
+              <a:rPr lang="en-IN" sz="2000" dirty="0"/>
+              <a:t>        </a:t>
+            </a:r>
+            <a:r>
+              <a:rPr lang="en-IN" sz="2000" dirty="0" err="1"/>
+              <a:t>HttpSession</a:t>
+            </a:r>
+            <a:r>
+              <a:rPr lang="en-IN" sz="2000" dirty="0"/>
+              <a:t> session=</a:t>
+            </a:r>
+            <a:r>
+              <a:rPr lang="en-IN" sz="2000" dirty="0" err="1"/>
+              <a:t>request.getSession</a:t>
+            </a:r>
+            <a:r>
+              <a:rPr lang="en-IN" sz="2000" dirty="0"/>
+              <a:t>(false);  </a:t>
+            </a:r>
+          </a:p>
+          <a:p>
+            <a:pPr marL="0" indent="0">
+              <a:buNone/>
+            </a:pPr>
+            <a:r>
+              <a:rPr lang="en-IN" sz="2000" dirty="0"/>
+              <a:t>        </a:t>
+            </a:r>
+            <a:r>
+              <a:rPr lang="en-IN" sz="2000" dirty="0" err="1"/>
+              <a:t>session.invalidate</a:t>
+            </a:r>
+            <a:r>
+              <a:rPr lang="en-IN" sz="2000" dirty="0"/>
+              <a:t>();//invalidating session  </a:t>
+            </a:r>
+          </a:p>
+          <a:p>
+            <a:pPr marL="0" indent="0">
+              <a:buNone/>
+            </a:pPr>
+            <a:r>
+              <a:rPr lang="en-IN" sz="2000" dirty="0"/>
+              <a:t>        </a:t>
+            </a:r>
+            <a:r>
+              <a:rPr lang="en-IN" sz="2000" dirty="0" err="1"/>
+              <a:t>out.print</a:t>
+            </a:r>
+            <a:r>
+              <a:rPr lang="en-IN" sz="2000" dirty="0"/>
+              <a:t>("You are successfully logged out");  </a:t>
+            </a:r>
+          </a:p>
+          <a:p>
+            <a:pPr marL="0" indent="0">
+              <a:buNone/>
+            </a:pPr>
+            <a:r>
+              <a:rPr lang="en-IN" sz="2000" dirty="0"/>
+              <a:t>        </a:t>
+            </a:r>
+            <a:r>
+              <a:rPr lang="en-IN" sz="2000" dirty="0" err="1"/>
+              <a:t>out.close</a:t>
+            </a:r>
+            <a:r>
+              <a:rPr lang="en-IN" sz="2000" dirty="0"/>
+              <a:t>();  </a:t>
+            </a:r>
+          </a:p>
+          <a:p>
+            <a:pPr marL="0" indent="0">
+              <a:buNone/>
+            </a:pPr>
+            <a:r>
+              <a:rPr lang="en-IN" sz="2000" dirty="0"/>
+              <a:t>    }  </a:t>
+            </a:r>
+          </a:p>
+          <a:p>
+            <a:pPr marL="0" indent="0">
+              <a:buNone/>
+            </a:pPr>
+            <a:r>
+              <a:rPr lang="en-IN" sz="2000" dirty="0"/>
+              <a:t>} </a:t>
+            </a:r>
+          </a:p>
+        </p:txBody>
+      </p:sp>
+      <p:sp>
+        <p:nvSpPr>
+          <p:cNvPr id="4" name="Slide Number Placeholder 3"/>
+          <p:cNvSpPr>
+            <a:spLocks noGrp="1"/>
+          </p:cNvSpPr>
+          <p:nvPr>
+            <p:ph type="sldNum" sz="quarter" idx="12"/>
+          </p:nvPr>
+        </p:nvSpPr>
+        <p:spPr/>
+        <p:txBody>
+          <a:bodyPr/>
+          <a:lstStyle/>
+          <a:p>
+            <a:fld id="{9C11CE39-2868-44A2-A0C6-827D458F7A8B}" type="slidenum">
+              <a:rPr lang="en-IN" smtClean="0"/>
+              <a:pPr/>
+              <a:t>99</a:t>
+            </a:fld>
+            <a:endParaRPr lang="en-IN" dirty="0"/>
+          </a:p>
+        </p:txBody>
+      </p:sp>
+    </p:spTree>
+    <p:custDataLst>
+      <p:tags r:id="rId1"/>
+    </p:custDataLst>
+    <p:extLst>
+      <p:ext uri="{BB962C8B-B14F-4D97-AF65-F5344CB8AC3E}">
+        <p14:creationId xmlns:p14="http://schemas.microsoft.com/office/powerpoint/2010/main" val="2312999395"/>
+      </p:ext>
+    </p:extLst>
+  </p:cSld>
+  <p:clrMapOvr>
+    <a:masterClrMapping/>
+  </p:clrMapOvr>
+</p:sld>
+</file>
+
 <file path=ppt/tags/tag1.xml><?xml version="1.0" encoding="utf-8"?>
 <p:tagLst xmlns:a="http://schemas.openxmlformats.org/drawingml/2006/main" xmlns:r="http://schemas.openxmlformats.org/officeDocument/2006/relationships" xmlns:p="http://schemas.openxmlformats.org/presentationml/2006/main">
   <p:tag name="ARTICULATE_DESIGN_ID_FRAME" val="swDPPbbH"/>
-  <p:tag name="ARTICULATE_SLIDE_COUNT" val="82"/>
   <p:tag name="ARTICULATE_PROJECT_OPEN" val="0"/>
+  <p:tag name="ARTICULATE_SLIDE_COUNT" val="99"/>
 </p:tagLst>
 </file>
 
@@ -39686,7 +44446,85 @@
 </p:tagLst>
 </file>
 
+<file path=ppt/tags/tag100.xml><?xml version="1.0" encoding="utf-8"?>
+<p:tagLst xmlns:a="http://schemas.openxmlformats.org/drawingml/2006/main" xmlns:r="http://schemas.openxmlformats.org/officeDocument/2006/relationships" xmlns:p="http://schemas.openxmlformats.org/presentationml/2006/main">
+  <p:tag name="ARTICULATE_SLIDE_THUMBNAIL_REFRESH" val="1"/>
+</p:tagLst>
+</file>
+
+<file path=ppt/tags/tag101.xml><?xml version="1.0" encoding="utf-8"?>
+<p:tagLst xmlns:a="http://schemas.openxmlformats.org/drawingml/2006/main" xmlns:r="http://schemas.openxmlformats.org/officeDocument/2006/relationships" xmlns:p="http://schemas.openxmlformats.org/presentationml/2006/main">
+  <p:tag name="ARTICULATE_SLIDE_THUMBNAIL_REFRESH" val="1"/>
+</p:tagLst>
+</file>
+
+<file path=ppt/tags/tag102.xml><?xml version="1.0" encoding="utf-8"?>
+<p:tagLst xmlns:a="http://schemas.openxmlformats.org/drawingml/2006/main" xmlns:r="http://schemas.openxmlformats.org/officeDocument/2006/relationships" xmlns:p="http://schemas.openxmlformats.org/presentationml/2006/main">
+  <p:tag name="ARTICULATE_SLIDE_THUMBNAIL_REFRESH" val="1"/>
+</p:tagLst>
+</file>
+
+<file path=ppt/tags/tag103.xml><?xml version="1.0" encoding="utf-8"?>
+<p:tagLst xmlns:a="http://schemas.openxmlformats.org/drawingml/2006/main" xmlns:r="http://schemas.openxmlformats.org/officeDocument/2006/relationships" xmlns:p="http://schemas.openxmlformats.org/presentationml/2006/main">
+  <p:tag name="ARTICULATE_SLIDE_THUMBNAIL_REFRESH" val="1"/>
+</p:tagLst>
+</file>
+
+<file path=ppt/tags/tag104.xml><?xml version="1.0" encoding="utf-8"?>
+<p:tagLst xmlns:a="http://schemas.openxmlformats.org/drawingml/2006/main" xmlns:r="http://schemas.openxmlformats.org/officeDocument/2006/relationships" xmlns:p="http://schemas.openxmlformats.org/presentationml/2006/main">
+  <p:tag name="ARTICULATE_SLIDE_THUMBNAIL_REFRESH" val="1"/>
+</p:tagLst>
+</file>
+
+<file path=ppt/tags/tag105.xml><?xml version="1.0" encoding="utf-8"?>
+<p:tagLst xmlns:a="http://schemas.openxmlformats.org/drawingml/2006/main" xmlns:r="http://schemas.openxmlformats.org/officeDocument/2006/relationships" xmlns:p="http://schemas.openxmlformats.org/presentationml/2006/main">
+  <p:tag name="ARTICULATE_SLIDE_THUMBNAIL_REFRESH" val="1"/>
+</p:tagLst>
+</file>
+
+<file path=ppt/tags/tag106.xml><?xml version="1.0" encoding="utf-8"?>
+<p:tagLst xmlns:a="http://schemas.openxmlformats.org/drawingml/2006/main" xmlns:r="http://schemas.openxmlformats.org/officeDocument/2006/relationships" xmlns:p="http://schemas.openxmlformats.org/presentationml/2006/main">
+  <p:tag name="ARTICULATE_SLIDE_THUMBNAIL_REFRESH" val="1"/>
+</p:tagLst>
+</file>
+
+<file path=ppt/tags/tag107.xml><?xml version="1.0" encoding="utf-8"?>
+<p:tagLst xmlns:a="http://schemas.openxmlformats.org/drawingml/2006/main" xmlns:r="http://schemas.openxmlformats.org/officeDocument/2006/relationships" xmlns:p="http://schemas.openxmlformats.org/presentationml/2006/main">
+  <p:tag name="ARTICULATE_SLIDE_THUMBNAIL_REFRESH" val="1"/>
+</p:tagLst>
+</file>
+
+<file path=ppt/tags/tag108.xml><?xml version="1.0" encoding="utf-8"?>
+<p:tagLst xmlns:a="http://schemas.openxmlformats.org/drawingml/2006/main" xmlns:r="http://schemas.openxmlformats.org/officeDocument/2006/relationships" xmlns:p="http://schemas.openxmlformats.org/presentationml/2006/main">
+  <p:tag name="ARTICULATE_SLIDE_THUMBNAIL_REFRESH" val="1"/>
+</p:tagLst>
+</file>
+
+<file path=ppt/tags/tag109.xml><?xml version="1.0" encoding="utf-8"?>
+<p:tagLst xmlns:a="http://schemas.openxmlformats.org/drawingml/2006/main" xmlns:r="http://schemas.openxmlformats.org/officeDocument/2006/relationships" xmlns:p="http://schemas.openxmlformats.org/presentationml/2006/main">
+  <p:tag name="ARTICULATE_SLIDE_THUMBNAIL_REFRESH" val="1"/>
+</p:tagLst>
+</file>
+
 <file path=ppt/tags/tag11.xml><?xml version="1.0" encoding="utf-8"?>
+<p:tagLst xmlns:a="http://schemas.openxmlformats.org/drawingml/2006/main" xmlns:r="http://schemas.openxmlformats.org/officeDocument/2006/relationships" xmlns:p="http://schemas.openxmlformats.org/presentationml/2006/main">
+  <p:tag name="ARTICULATE_SLIDE_THUMBNAIL_REFRESH" val="1"/>
+</p:tagLst>
+</file>
+
+<file path=ppt/tags/tag110.xml><?xml version="1.0" encoding="utf-8"?>
+<p:tagLst xmlns:a="http://schemas.openxmlformats.org/drawingml/2006/main" xmlns:r="http://schemas.openxmlformats.org/officeDocument/2006/relationships" xmlns:p="http://schemas.openxmlformats.org/presentationml/2006/main">
+  <p:tag name="ARTICULATE_SLIDE_THUMBNAIL_REFRESH" val="1"/>
+</p:tagLst>
+</file>
+
+<file path=ppt/tags/tag111.xml><?xml version="1.0" encoding="utf-8"?>
+<p:tagLst xmlns:a="http://schemas.openxmlformats.org/drawingml/2006/main" xmlns:r="http://schemas.openxmlformats.org/officeDocument/2006/relationships" xmlns:p="http://schemas.openxmlformats.org/presentationml/2006/main">
+  <p:tag name="ARTICULATE_SLIDE_THUMBNAIL_REFRESH" val="1"/>
+</p:tagLst>
+</file>
+
+<file path=ppt/tags/tag112.xml><?xml version="1.0" encoding="utf-8"?>
 <p:tagLst xmlns:a="http://schemas.openxmlformats.org/drawingml/2006/main" xmlns:r="http://schemas.openxmlformats.org/officeDocument/2006/relationships" xmlns:p="http://schemas.openxmlformats.org/presentationml/2006/main">
   <p:tag name="ARTICULATE_SLIDE_THUMBNAIL_REFRESH" val="1"/>
 </p:tagLst>
@@ -40239,6 +45077,30 @@
 </file>
 
 <file path=ppt/tags/tag95.xml><?xml version="1.0" encoding="utf-8"?>
+<p:tagLst xmlns:a="http://schemas.openxmlformats.org/drawingml/2006/main" xmlns:r="http://schemas.openxmlformats.org/officeDocument/2006/relationships" xmlns:p="http://schemas.openxmlformats.org/presentationml/2006/main">
+  <p:tag name="ARTICULATE_SLIDE_THUMBNAIL_REFRESH" val="1"/>
+</p:tagLst>
+</file>
+
+<file path=ppt/tags/tag96.xml><?xml version="1.0" encoding="utf-8"?>
+<p:tagLst xmlns:a="http://schemas.openxmlformats.org/drawingml/2006/main" xmlns:r="http://schemas.openxmlformats.org/officeDocument/2006/relationships" xmlns:p="http://schemas.openxmlformats.org/presentationml/2006/main">
+  <p:tag name="ARTICULATE_SLIDE_THUMBNAIL_REFRESH" val="1"/>
+</p:tagLst>
+</file>
+
+<file path=ppt/tags/tag97.xml><?xml version="1.0" encoding="utf-8"?>
+<p:tagLst xmlns:a="http://schemas.openxmlformats.org/drawingml/2006/main" xmlns:r="http://schemas.openxmlformats.org/officeDocument/2006/relationships" xmlns:p="http://schemas.openxmlformats.org/presentationml/2006/main">
+  <p:tag name="ARTICULATE_SLIDE_THUMBNAIL_REFRESH" val="1"/>
+</p:tagLst>
+</file>
+
+<file path=ppt/tags/tag98.xml><?xml version="1.0" encoding="utf-8"?>
+<p:tagLst xmlns:a="http://schemas.openxmlformats.org/drawingml/2006/main" xmlns:r="http://schemas.openxmlformats.org/officeDocument/2006/relationships" xmlns:p="http://schemas.openxmlformats.org/presentationml/2006/main">
+  <p:tag name="ARTICULATE_SLIDE_THUMBNAIL_REFRESH" val="1"/>
+</p:tagLst>
+</file>
+
+<file path=ppt/tags/tag99.xml><?xml version="1.0" encoding="utf-8"?>
 <p:tagLst xmlns:a="http://schemas.openxmlformats.org/drawingml/2006/main" xmlns:r="http://schemas.openxmlformats.org/officeDocument/2006/relationships" xmlns:p="http://schemas.openxmlformats.org/presentationml/2006/main">
   <p:tag name="ARTICULATE_SLIDE_THUMBNAIL_REFRESH" val="1"/>
 </p:tagLst>

--- a/AJP Slides/AJP (01ce0502) - Unit 4 - Servlet API.pptx
+++ b/AJP Slides/AJP (01ce0502) - Unit 4 - Servlet API.pptx
@@ -315,7 +315,7 @@
           <a:p>
             <a:fld id="{EBCDB223-1744-4BBC-9844-9773C6B7C09F}" type="datetimeFigureOut">
               <a:rPr lang="en-IN" smtClean="0"/>
-              <a:t>07-09-2022</a:t>
+              <a:t>15-11-2022</a:t>
             </a:fld>
             <a:endParaRPr lang="en-IN"/>
           </a:p>
@@ -480,7 +480,7 @@
           <a:p>
             <a:fld id="{EA89CDE9-15B3-4418-B829-6A0B102FE7D6}" type="datetimeFigureOut">
               <a:rPr lang="en-IN" smtClean="0"/>
-              <a:t>07-09-2022</a:t>
+              <a:t>15-11-2022</a:t>
             </a:fld>
             <a:endParaRPr lang="en-IN"/>
           </a:p>
@@ -976,7 +976,7 @@
           <a:p>
             <a:fld id="{BF4A346E-286F-47C4-8703-3811BB62B16D}" type="datetime1">
               <a:rPr lang="en-IN" smtClean="0"/>
-              <a:t>07-09-2022</a:t>
+              <a:t>15-11-2022</a:t>
             </a:fld>
             <a:endParaRPr lang="en-IN"/>
           </a:p>
@@ -1150,7 +1150,7 @@
           <a:p>
             <a:fld id="{EA2539D3-5A69-4DA3-8B8E-760DBC60382D}" type="datetime1">
               <a:rPr lang="en-IN" smtClean="0"/>
-              <a:t>07-09-2022</a:t>
+              <a:t>15-11-2022</a:t>
             </a:fld>
             <a:endParaRPr lang="en-IN"/>
           </a:p>
@@ -1334,7 +1334,7 @@
           <a:p>
             <a:fld id="{1292BFE3-76DF-4888-A532-4D33BE7B0731}" type="datetime1">
               <a:rPr lang="en-IN" smtClean="0"/>
-              <a:t>07-09-2022</a:t>
+              <a:t>15-11-2022</a:t>
             </a:fld>
             <a:endParaRPr lang="en-IN"/>
           </a:p>
@@ -1644,7 +1644,7 @@
           <a:p>
             <a:fld id="{2989BFDE-5213-40A1-98D9-1BBA85562E79}" type="datetime1">
               <a:rPr lang="en-IN" smtClean="0"/>
-              <a:t>07-09-2022</a:t>
+              <a:t>15-11-2022</a:t>
             </a:fld>
             <a:endParaRPr lang="en-IN"/>
           </a:p>
@@ -1932,7 +1932,7 @@
           <a:p>
             <a:fld id="{DD2821CE-2164-47C1-A2BB-20B7B35FE927}" type="datetime1">
               <a:rPr lang="en-IN" smtClean="0"/>
-              <a:t>07-09-2022</a:t>
+              <a:t>15-11-2022</a:t>
             </a:fld>
             <a:endParaRPr lang="en-IN"/>
           </a:p>
@@ -2224,7 +2224,7 @@
           <a:p>
             <a:fld id="{ABB9E077-6CA2-48AD-90BF-FCF18A7D0EE9}" type="datetime1">
               <a:rPr lang="en-IN" smtClean="0"/>
-              <a:t>07-09-2022</a:t>
+              <a:t>15-11-2022</a:t>
             </a:fld>
             <a:endParaRPr lang="en-IN"/>
           </a:p>
@@ -2670,7 +2670,7 @@
           <a:p>
             <a:fld id="{2EF9B393-2C1A-4673-BDDC-1443A58B3762}" type="datetime1">
               <a:rPr lang="en-IN" smtClean="0"/>
-              <a:t>07-09-2022</a:t>
+              <a:t>15-11-2022</a:t>
             </a:fld>
             <a:endParaRPr lang="en-IN"/>
           </a:p>
@@ -2792,7 +2792,7 @@
           <a:p>
             <a:fld id="{D69F4886-09E8-4D86-B13D-5C706A053556}" type="datetime1">
               <a:rPr lang="en-IN" smtClean="0"/>
-              <a:t>07-09-2022</a:t>
+              <a:t>15-11-2022</a:t>
             </a:fld>
             <a:endParaRPr lang="en-IN"/>
           </a:p>
@@ -2891,7 +2891,7 @@
           <a:p>
             <a:fld id="{B8BE83F6-9D0D-4E7C-8482-BE11E2B6F6D7}" type="datetime1">
               <a:rPr lang="en-IN" smtClean="0"/>
-              <a:t>07-09-2022</a:t>
+              <a:t>15-11-2022</a:t>
             </a:fld>
             <a:endParaRPr lang="en-IN"/>
           </a:p>
@@ -3183,7 +3183,7 @@
           <a:p>
             <a:fld id="{E4E2BEBB-839A-48B7-AA15-DB55FE871E52}" type="datetime1">
               <a:rPr lang="en-IN" smtClean="0"/>
-              <a:t>07-09-2022</a:t>
+              <a:t>15-11-2022</a:t>
             </a:fld>
             <a:endParaRPr lang="en-IN"/>
           </a:p>
@@ -3460,7 +3460,7 @@
           <a:p>
             <a:fld id="{ED50CEEC-65F4-4A58-99E9-6603717C20C9}" type="datetime1">
               <a:rPr lang="en-IN" smtClean="0"/>
-              <a:t>07-09-2022</a:t>
+              <a:t>15-11-2022</a:t>
             </a:fld>
             <a:endParaRPr lang="en-IN"/>
           </a:p>
@@ -3761,7 +3761,7 @@
           <a:p>
             <a:fld id="{57013EE8-251F-4EC0-B7F5-0C0F1C8A746F}" type="datetime1">
               <a:rPr lang="en-IN" smtClean="0"/>
-              <a:t>07-09-2022</a:t>
+              <a:t>15-11-2022</a:t>
             </a:fld>
             <a:endParaRPr lang="en-IN"/>
           </a:p>
@@ -4690,310 +4690,6 @@
           </a:extLst>
         </p:spPr>
       </p:pic>
-      <p:sp>
-        <p:nvSpPr>
-          <p:cNvPr id="18" name="Subtitle 2"/>
-          <p:cNvSpPr txBox="1">
-            <a:spLocks/>
-          </p:cNvSpPr>
-          <p:nvPr/>
-        </p:nvSpPr>
-        <p:spPr>
-          <a:xfrm>
-            <a:off x="3123359" y="5213787"/>
-            <a:ext cx="4877038" cy="826519"/>
-          </a:xfrm>
-          <a:prstGeom prst="rect">
-            <a:avLst/>
-          </a:prstGeom>
-        </p:spPr>
-        <p:txBody>
-          <a:bodyPr vert="horz" lIns="91440" tIns="45720" rIns="91440" bIns="45720" rtlCol="0" anchor="t">
-            <a:noAutofit/>
-          </a:bodyPr>
-          <a:lstStyle>
-            <a:lvl1pPr marL="0" indent="0" algn="l" defTabSz="914400" rtl="0" eaLnBrk="1" latinLnBrk="0" hangingPunct="1">
-              <a:lnSpc>
-                <a:spcPct val="90000"/>
-              </a:lnSpc>
-              <a:spcBef>
-                <a:spcPts val="1200"/>
-              </a:spcBef>
-              <a:buClr>
-                <a:schemeClr val="accent1"/>
-              </a:buClr>
-              <a:buFont typeface="Wingdings 2" pitchFamily="18" charset="2"/>
-              <a:buNone/>
-              <a:defRPr sz="2200" kern="1200" cap="none" spc="0" baseline="0">
-                <a:solidFill>
-                  <a:schemeClr val="accent1">
-                    <a:lumMod val="20000"/>
-                    <a:lumOff val="80000"/>
-                  </a:schemeClr>
-                </a:solidFill>
-                <a:latin typeface="+mn-lt"/>
-                <a:ea typeface="+mn-ea"/>
-                <a:cs typeface="+mn-cs"/>
-              </a:defRPr>
-            </a:lvl1pPr>
-            <a:lvl2pPr marL="457200" indent="0" algn="ctr" defTabSz="914400" rtl="0" eaLnBrk="1" latinLnBrk="0" hangingPunct="1">
-              <a:lnSpc>
-                <a:spcPct val="90000"/>
-              </a:lnSpc>
-              <a:spcBef>
-                <a:spcPts val="250"/>
-              </a:spcBef>
-              <a:spcAft>
-                <a:spcPts val="250"/>
-              </a:spcAft>
-              <a:buClr>
-                <a:schemeClr val="accent1"/>
-              </a:buClr>
-              <a:buFont typeface="Wingdings 2" pitchFamily="18" charset="2"/>
-              <a:buNone/>
-              <a:defRPr sz="2200" kern="1200">
-                <a:solidFill>
-                  <a:schemeClr val="tx1">
-                    <a:lumMod val="65000"/>
-                    <a:lumOff val="35000"/>
-                  </a:schemeClr>
-                </a:solidFill>
-                <a:latin typeface="+mn-lt"/>
-                <a:ea typeface="+mn-ea"/>
-                <a:cs typeface="+mn-cs"/>
-              </a:defRPr>
-            </a:lvl2pPr>
-            <a:lvl3pPr marL="914400" indent="0" algn="ctr" defTabSz="914400" rtl="0" eaLnBrk="1" latinLnBrk="0" hangingPunct="1">
-              <a:lnSpc>
-                <a:spcPct val="90000"/>
-              </a:lnSpc>
-              <a:spcBef>
-                <a:spcPts val="250"/>
-              </a:spcBef>
-              <a:spcAft>
-                <a:spcPts val="250"/>
-              </a:spcAft>
-              <a:buClr>
-                <a:schemeClr val="accent1"/>
-              </a:buClr>
-              <a:buFont typeface="Wingdings 2" pitchFamily="18" charset="2"/>
-              <a:buNone/>
-              <a:defRPr sz="2200" kern="1200">
-                <a:solidFill>
-                  <a:schemeClr val="tx1">
-                    <a:lumMod val="65000"/>
-                    <a:lumOff val="35000"/>
-                  </a:schemeClr>
-                </a:solidFill>
-                <a:latin typeface="+mn-lt"/>
-                <a:ea typeface="+mn-ea"/>
-                <a:cs typeface="+mn-cs"/>
-              </a:defRPr>
-            </a:lvl3pPr>
-            <a:lvl4pPr marL="1371600" indent="0" algn="ctr" defTabSz="914400" rtl="0" eaLnBrk="1" latinLnBrk="0" hangingPunct="1">
-              <a:lnSpc>
-                <a:spcPct val="90000"/>
-              </a:lnSpc>
-              <a:spcBef>
-                <a:spcPts val="250"/>
-              </a:spcBef>
-              <a:spcAft>
-                <a:spcPts val="250"/>
-              </a:spcAft>
-              <a:buClr>
-                <a:schemeClr val="accent1"/>
-              </a:buClr>
-              <a:buFont typeface="Wingdings 2" pitchFamily="18" charset="2"/>
-              <a:buNone/>
-              <a:defRPr sz="2000" kern="1200">
-                <a:solidFill>
-                  <a:schemeClr val="tx1">
-                    <a:lumMod val="65000"/>
-                    <a:lumOff val="35000"/>
-                  </a:schemeClr>
-                </a:solidFill>
-                <a:latin typeface="+mn-lt"/>
-                <a:ea typeface="+mn-ea"/>
-                <a:cs typeface="+mn-cs"/>
-              </a:defRPr>
-            </a:lvl4pPr>
-            <a:lvl5pPr marL="1828800" indent="0" algn="ctr" defTabSz="914400" rtl="0" eaLnBrk="1" latinLnBrk="0" hangingPunct="1">
-              <a:lnSpc>
-                <a:spcPct val="90000"/>
-              </a:lnSpc>
-              <a:spcBef>
-                <a:spcPts val="250"/>
-              </a:spcBef>
-              <a:spcAft>
-                <a:spcPts val="250"/>
-              </a:spcAft>
-              <a:buClr>
-                <a:schemeClr val="accent1"/>
-              </a:buClr>
-              <a:buFont typeface="Wingdings 2" pitchFamily="18" charset="2"/>
-              <a:buNone/>
-              <a:defRPr sz="2000" kern="1200">
-                <a:solidFill>
-                  <a:schemeClr val="tx1">
-                    <a:lumMod val="65000"/>
-                    <a:lumOff val="35000"/>
-                  </a:schemeClr>
-                </a:solidFill>
-                <a:latin typeface="+mn-lt"/>
-                <a:ea typeface="+mn-ea"/>
-                <a:cs typeface="+mn-cs"/>
-              </a:defRPr>
-            </a:lvl5pPr>
-            <a:lvl6pPr marL="2286000" indent="0" algn="ctr" defTabSz="914400" rtl="0" eaLnBrk="1" latinLnBrk="0" hangingPunct="1">
-              <a:lnSpc>
-                <a:spcPct val="90000"/>
-              </a:lnSpc>
-              <a:spcBef>
-                <a:spcPts val="250"/>
-              </a:spcBef>
-              <a:spcAft>
-                <a:spcPts val="250"/>
-              </a:spcAft>
-              <a:buClr>
-                <a:schemeClr val="accent1"/>
-              </a:buClr>
-              <a:buFont typeface="Wingdings 2" pitchFamily="18" charset="2"/>
-              <a:buNone/>
-              <a:defRPr sz="2000" kern="1200">
-                <a:solidFill>
-                  <a:schemeClr val="tx1">
-                    <a:lumMod val="65000"/>
-                    <a:lumOff val="35000"/>
-                  </a:schemeClr>
-                </a:solidFill>
-                <a:latin typeface="+mn-lt"/>
-                <a:ea typeface="+mn-ea"/>
-                <a:cs typeface="+mn-cs"/>
-              </a:defRPr>
-            </a:lvl6pPr>
-            <a:lvl7pPr marL="2743200" indent="0" algn="ctr" defTabSz="914400" rtl="0" eaLnBrk="1" latinLnBrk="0" hangingPunct="1">
-              <a:lnSpc>
-                <a:spcPct val="90000"/>
-              </a:lnSpc>
-              <a:spcBef>
-                <a:spcPts val="250"/>
-              </a:spcBef>
-              <a:spcAft>
-                <a:spcPts val="250"/>
-              </a:spcAft>
-              <a:buClr>
-                <a:schemeClr val="accent1"/>
-              </a:buClr>
-              <a:buFont typeface="Wingdings 2" pitchFamily="18" charset="2"/>
-              <a:buNone/>
-              <a:defRPr sz="2000" kern="1200">
-                <a:solidFill>
-                  <a:schemeClr val="tx1">
-                    <a:lumMod val="65000"/>
-                    <a:lumOff val="35000"/>
-                  </a:schemeClr>
-                </a:solidFill>
-                <a:latin typeface="+mn-lt"/>
-                <a:ea typeface="+mn-ea"/>
-                <a:cs typeface="+mn-cs"/>
-              </a:defRPr>
-            </a:lvl7pPr>
-            <a:lvl8pPr marL="3200400" indent="0" algn="ctr" defTabSz="914400" rtl="0" eaLnBrk="1" latinLnBrk="0" hangingPunct="1">
-              <a:lnSpc>
-                <a:spcPct val="90000"/>
-              </a:lnSpc>
-              <a:spcBef>
-                <a:spcPts val="250"/>
-              </a:spcBef>
-              <a:spcAft>
-                <a:spcPts val="250"/>
-              </a:spcAft>
-              <a:buClr>
-                <a:schemeClr val="accent1"/>
-              </a:buClr>
-              <a:buFont typeface="Wingdings 2" pitchFamily="18" charset="2"/>
-              <a:buNone/>
-              <a:defRPr sz="2000" kern="1200">
-                <a:solidFill>
-                  <a:schemeClr val="tx1">
-                    <a:lumMod val="65000"/>
-                    <a:lumOff val="35000"/>
-                  </a:schemeClr>
-                </a:solidFill>
-                <a:latin typeface="+mn-lt"/>
-                <a:ea typeface="+mn-ea"/>
-                <a:cs typeface="+mn-cs"/>
-              </a:defRPr>
-            </a:lvl8pPr>
-            <a:lvl9pPr marL="3657600" indent="0" algn="ctr" defTabSz="914400" rtl="0" eaLnBrk="1" latinLnBrk="0" hangingPunct="1">
-              <a:lnSpc>
-                <a:spcPct val="90000"/>
-              </a:lnSpc>
-              <a:spcBef>
-                <a:spcPts val="250"/>
-              </a:spcBef>
-              <a:spcAft>
-                <a:spcPts val="250"/>
-              </a:spcAft>
-              <a:buClr>
-                <a:schemeClr val="accent1"/>
-              </a:buClr>
-              <a:buFont typeface="Wingdings 2" pitchFamily="18" charset="2"/>
-              <a:buNone/>
-              <a:defRPr sz="2000" kern="1200">
-                <a:solidFill>
-                  <a:schemeClr val="tx1">
-                    <a:lumMod val="65000"/>
-                    <a:lumOff val="35000"/>
-                  </a:schemeClr>
-                </a:solidFill>
-                <a:latin typeface="+mn-lt"/>
-                <a:ea typeface="+mn-ea"/>
-                <a:cs typeface="+mn-cs"/>
-              </a:defRPr>
-            </a:lvl9pPr>
-          </a:lstStyle>
-          <a:p>
-            <a:pPr algn="ctr"/>
-            <a:r>
-              <a:rPr lang="en-IN" sz="4800" b="1" dirty="0" err="1" smtClean="0">
-                <a:ln>
-                  <a:solidFill>
-                    <a:schemeClr val="tx1"/>
-                  </a:solidFill>
-                </a:ln>
-                <a:solidFill>
-                  <a:schemeClr val="bg1"/>
-                </a:solidFill>
-              </a:rPr>
-              <a:t>Jatin</a:t>
-            </a:r>
-            <a:r>
-              <a:rPr lang="en-IN" sz="4800" b="1" dirty="0" smtClean="0">
-                <a:ln>
-                  <a:solidFill>
-                    <a:schemeClr val="tx1"/>
-                  </a:solidFill>
-                </a:ln>
-                <a:solidFill>
-                  <a:schemeClr val="bg1"/>
-                </a:solidFill>
-              </a:rPr>
-              <a:t> Ambasana</a:t>
-            </a:r>
-            <a:endParaRPr lang="en-IN" sz="4800" b="1" dirty="0">
-              <a:ln>
-                <a:solidFill>
-                  <a:schemeClr val="tx1"/>
-                </a:solidFill>
-              </a:ln>
-              <a:solidFill>
-                <a:schemeClr val="bg1"/>
-              </a:solidFill>
-            </a:endParaRPr>
-          </a:p>
-        </p:txBody>
-      </p:sp>
       <p:pic>
         <p:nvPicPr>
           <p:cNvPr id="1026" name="Picture 2" descr="Dev.java: The Destination for Java Developers"/>
@@ -34060,7 +33756,7 @@
           </a:ln>
           <a:extLst>
             <a:ext uri="{C572A759-6A51-4108-AA02-DFA0A04FC94B}">
-              <ma14:wrappingTextBoxFlag xmlns="" xmlns:ma14="http://schemas.microsoft.com/office/mac/drawingml/2011/main" val="1"/>
+              <ma14:wrappingTextBoxFlag xmlns:ma14="http://schemas.microsoft.com/office/mac/drawingml/2011/main" xmlns="" val="1"/>
             </a:ext>
           </a:extLst>
         </p:spPr>
@@ -34446,7 +34142,7 @@
           </a:ln>
           <a:extLst>
             <a:ext uri="{C572A759-6A51-4108-AA02-DFA0A04FC94B}">
-              <ma14:wrappingTextBoxFlag xmlns="" xmlns:ma14="http://schemas.microsoft.com/office/mac/drawingml/2011/main" val="1"/>
+              <ma14:wrappingTextBoxFlag xmlns:ma14="http://schemas.microsoft.com/office/mac/drawingml/2011/main" xmlns="" val="1"/>
             </a:ext>
           </a:extLst>
         </p:spPr>
@@ -36757,7 +36453,7 @@
           </a:ln>
           <a:extLst>
             <a:ext uri="{C572A759-6A51-4108-AA02-DFA0A04FC94B}">
-              <ma14:wrappingTextBoxFlag xmlns="" xmlns:ma14="http://schemas.microsoft.com/office/mac/drawingml/2011/main" val="1"/>
+              <ma14:wrappingTextBoxFlag xmlns:ma14="http://schemas.microsoft.com/office/mac/drawingml/2011/main" xmlns="" val="1"/>
             </a:ext>
           </a:extLst>
         </p:spPr>
@@ -36931,7 +36627,7 @@
           </a:ln>
           <a:extLst>
             <a:ext uri="{C572A759-6A51-4108-AA02-DFA0A04FC94B}">
-              <ma14:wrappingTextBoxFlag xmlns="" xmlns:ma14="http://schemas.microsoft.com/office/mac/drawingml/2011/main" val="1"/>
+              <ma14:wrappingTextBoxFlag xmlns:ma14="http://schemas.microsoft.com/office/mac/drawingml/2011/main" xmlns="" val="1"/>
             </a:ext>
           </a:extLst>
         </p:spPr>
@@ -38425,7 +38121,7 @@
           </a:ln>
           <a:extLst>
             <a:ext uri="{C572A759-6A51-4108-AA02-DFA0A04FC94B}">
-              <ma14:wrappingTextBoxFlag xmlns="" xmlns:ma14="http://schemas.microsoft.com/office/mac/drawingml/2011/main" val="1"/>
+              <ma14:wrappingTextBoxFlag xmlns:ma14="http://schemas.microsoft.com/office/mac/drawingml/2011/main" xmlns="" val="1"/>
             </a:ext>
           </a:extLst>
         </p:spPr>
@@ -38533,7 +38229,7 @@
           </a:ln>
           <a:extLst>
             <a:ext uri="{C572A759-6A51-4108-AA02-DFA0A04FC94B}">
-              <ma14:wrappingTextBoxFlag xmlns="" xmlns:ma14="http://schemas.microsoft.com/office/mac/drawingml/2011/main" val="1"/>
+              <ma14:wrappingTextBoxFlag xmlns:ma14="http://schemas.microsoft.com/office/mac/drawingml/2011/main" xmlns="" val="1"/>
             </a:ext>
           </a:extLst>
         </p:spPr>
@@ -44435,8 +44131,8 @@
 <file path=ppt/tags/tag1.xml><?xml version="1.0" encoding="utf-8"?>
 <p:tagLst xmlns:a="http://schemas.openxmlformats.org/drawingml/2006/main" xmlns:r="http://schemas.openxmlformats.org/officeDocument/2006/relationships" xmlns:p="http://schemas.openxmlformats.org/presentationml/2006/main">
   <p:tag name="ARTICULATE_DESIGN_ID_FRAME" val="swDPPbbH"/>
+  <p:tag name="ARTICULATE_SLIDE_COUNT" val="99"/>
   <p:tag name="ARTICULATE_PROJECT_OPEN" val="0"/>
-  <p:tag name="ARTICULATE_SLIDE_COUNT" val="99"/>
 </p:tagLst>
 </file>
 
